--- a/Lanh Nguyen.pptx
+++ b/Lanh Nguyen.pptx
@@ -5,26 +5,30 @@
     <p:sldMasterId id="2147483648" r:id="rId1"/>
   </p:sldMasterIdLst>
   <p:notesMasterIdLst>
-    <p:notesMasterId r:id="rId13"/>
+    <p:notesMasterId r:id="rId20"/>
   </p:notesMasterIdLst>
   <p:sldIdLst>
-    <p:sldId id="256" r:id="rId3"/>
-    <p:sldId id="257" r:id="rId4"/>
-    <p:sldId id="258" r:id="rId5"/>
-    <p:sldId id="259" r:id="rId6"/>
-    <p:sldId id="260" r:id="rId7"/>
-    <p:sldId id="261" r:id="rId8"/>
-    <p:sldId id="262" r:id="rId9"/>
-    <p:sldId id="263" r:id="rId10"/>
-    <p:sldId id="264" r:id="rId11"/>
-    <p:sldId id="265" r:id="rId12"/>
-    <p:sldId id="266" r:id="rId14"/>
-    <p:sldId id="267" r:id="rId15"/>
-    <p:sldId id="268" r:id="rId16"/>
-    <p:sldId id="269" r:id="rId17"/>
+    <p:sldId id="256" r:id="rId2"/>
+    <p:sldId id="257" r:id="rId3"/>
+    <p:sldId id="258" r:id="rId4"/>
+    <p:sldId id="259" r:id="rId5"/>
+    <p:sldId id="260" r:id="rId6"/>
+    <p:sldId id="261" r:id="rId7"/>
+    <p:sldId id="262" r:id="rId8"/>
+    <p:sldId id="263" r:id="rId9"/>
+    <p:sldId id="264" r:id="rId10"/>
+    <p:sldId id="265" r:id="rId11"/>
+    <p:sldId id="266" r:id="rId12"/>
+    <p:sldId id="267" r:id="rId13"/>
+    <p:sldId id="268" r:id="rId14"/>
+    <p:sldId id="269" r:id="rId15"/>
+    <p:sldId id="270" r:id="rId16"/>
+    <p:sldId id="271" r:id="rId17"/>
+    <p:sldId id="272" r:id="rId18"/>
+    <p:sldId id="273" r:id="rId19"/>
   </p:sldIdLst>
   <p:sldSz cx="9144000" cy="6858000" type="screen4x3"/>
-  <p:notesSz cx="7103745" cy="10234295"/>
+  <p:notesSz cx="7104063" cy="10234613"/>
   <p:defaultTextStyle>
     <a:defPPr>
       <a:defRPr lang="en-US"/>
@@ -120,6 +124,14 @@
       </a:defRPr>
     </a:lvl9pPr>
   </p:defaultTextStyle>
+  <p:extLst>
+    <p:ext uri="{EFAFB233-063F-42B5-8137-9DF3F51BA10A}">
+      <p15:sldGuideLst xmlns:p15="http://schemas.microsoft.com/office/powerpoint/2012/main"/>
+    </p:ext>
+    <p:ext uri="{2D200454-40CA-4A62-9FC3-DE9A4176ACB9}">
+      <p15:notesGuideLst xmlns:p15="http://schemas.microsoft.com/office/powerpoint/2012/main"/>
+    </p:ext>
+  </p:extLst>
 </p:presentation>
 </file>
 
@@ -205,6 +217,7 @@
           <a:p>
             <a:fld id="{3EFD42F7-718C-4B98-AAEC-167E6DDD60A7}" type="datetimeFigureOut">
               <a:rPr lang="en-US" smtClean="0"/>
+              <a:t>26-Jun-18</a:t>
             </a:fld>
             <a:endParaRPr lang="en-US"/>
           </a:p>
@@ -271,7 +284,6 @@
               <a:rPr lang="en-US" smtClean="0"/>
               <a:t>Click to edit Master text styles</a:t>
             </a:r>
-            <a:endParaRPr lang="en-US" smtClean="0"/>
           </a:p>
           <a:p>
             <a:pPr lvl="1"/>
@@ -279,7 +291,6 @@
               <a:rPr lang="en-US" smtClean="0"/>
               <a:t>Second level</a:t>
             </a:r>
-            <a:endParaRPr lang="en-US" smtClean="0"/>
           </a:p>
           <a:p>
             <a:pPr lvl="2"/>
@@ -287,7 +298,6 @@
               <a:rPr lang="en-US" smtClean="0"/>
               <a:t>Third level</a:t>
             </a:r>
-            <a:endParaRPr lang="en-US" smtClean="0"/>
           </a:p>
           <a:p>
             <a:pPr lvl="3"/>
@@ -295,7 +305,6 @@
               <a:rPr lang="en-US" smtClean="0"/>
               <a:t>Fourth level</a:t>
             </a:r>
-            <a:endParaRPr lang="en-US" smtClean="0"/>
           </a:p>
           <a:p>
             <a:pPr lvl="4"/>
@@ -367,12 +376,18 @@
           <a:p>
             <a:fld id="{21B2AA4F-B828-4D7C-AFD3-893933DAFCB4}" type="slidenum">
               <a:rPr lang="en-US" smtClean="0"/>
+              <a:t>‹#›</a:t>
             </a:fld>
             <a:endParaRPr lang="en-US"/>
           </a:p>
         </p:txBody>
       </p:sp>
     </p:spTree>
+    <p:extLst>
+      <p:ext uri="{BB962C8B-B14F-4D97-AF65-F5344CB8AC3E}">
+        <p14:creationId xmlns:p14="http://schemas.microsoft.com/office/powerpoint/2010/main" val="140245143"/>
+      </p:ext>
+    </p:extLst>
   </p:cSld>
   <p:clrMap bg1="lt1" tx1="dk1" bg2="lt2" tx2="dk2" accent1="accent1" accent2="accent2" accent3="accent3" accent4="accent4" accent5="accent5" accent6="accent6" hlink="hlink" folHlink="folHlink"/>
   <p:notesStyle>
@@ -479,11 +494,20 @@
         <p:cNvGrpSpPr/>
         <p:nvPr/>
       </p:nvGrpSpPr>
-      <p:grpSpPr/>
+      <p:grpSpPr>
+        <a:xfrm>
+          <a:off x="0" y="0"/>
+          <a:ext cx="0" cy="0"/>
+          <a:chOff x="0" y="0"/>
+          <a:chExt cx="0" cy="0"/>
+        </a:xfrm>
+      </p:grpSpPr>
       <p:sp>
         <p:nvSpPr>
           <p:cNvPr id="2" name="Slide Image Placeholder 1"/>
-          <p:cNvSpPr/>
+          <p:cNvSpPr>
+            <a:spLocks noGrp="1" noRot="1" noChangeAspect="1"/>
+          </p:cNvSpPr>
           <p:nvPr>
             <p:ph type="sldImg" idx="2"/>
           </p:nvPr>
@@ -493,7 +517,9 @@
       <p:sp>
         <p:nvSpPr>
           <p:cNvPr id="3" name="Text Placeholder 2"/>
-          <p:cNvSpPr/>
+          <p:cNvSpPr>
+            <a:spLocks noGrp="1"/>
+          </p:cNvSpPr>
           <p:nvPr>
             <p:ph type="body" idx="3"/>
           </p:nvPr>
@@ -501,12 +527,18 @@
         <p:spPr/>
         <p:txBody>
           <a:bodyPr/>
+          <a:lstStyle/>
           <a:p>
             <a:endParaRPr lang="en-GB" altLang="en-US"/>
           </a:p>
         </p:txBody>
       </p:sp>
     </p:spTree>
+    <p:extLst>
+      <p:ext uri="{BB962C8B-B14F-4D97-AF65-F5344CB8AC3E}">
+        <p14:creationId xmlns:p14="http://schemas.microsoft.com/office/powerpoint/2010/main" val="1584091980"/>
+      </p:ext>
+    </p:extLst>
   </p:cSld>
   <p:clrMapOvr>
     <a:masterClrMapping/>
@@ -523,11 +555,20 @@
         <p:cNvGrpSpPr/>
         <p:nvPr/>
       </p:nvGrpSpPr>
-      <p:grpSpPr/>
+      <p:grpSpPr>
+        <a:xfrm>
+          <a:off x="0" y="0"/>
+          <a:ext cx="0" cy="0"/>
+          <a:chOff x="0" y="0"/>
+          <a:chExt cx="0" cy="0"/>
+        </a:xfrm>
+      </p:grpSpPr>
       <p:sp>
         <p:nvSpPr>
           <p:cNvPr id="2" name="Slide Image Placeholder 1"/>
-          <p:cNvSpPr/>
+          <p:cNvSpPr>
+            <a:spLocks noGrp="1" noRot="1" noChangeAspect="1"/>
+          </p:cNvSpPr>
           <p:nvPr>
             <p:ph type="sldImg" idx="2"/>
           </p:nvPr>
@@ -537,7 +578,9 @@
       <p:sp>
         <p:nvSpPr>
           <p:cNvPr id="3" name="Text Placeholder 2"/>
-          <p:cNvSpPr/>
+          <p:cNvSpPr>
+            <a:spLocks noGrp="1"/>
+          </p:cNvSpPr>
           <p:nvPr>
             <p:ph type="body" idx="3"/>
           </p:nvPr>
@@ -545,12 +588,18 @@
         <p:spPr/>
         <p:txBody>
           <a:bodyPr/>
+          <a:lstStyle/>
           <a:p>
             <a:endParaRPr lang="en-GB" altLang="en-US"/>
           </a:p>
         </p:txBody>
       </p:sp>
     </p:spTree>
+    <p:extLst>
+      <p:ext uri="{BB962C8B-B14F-4D97-AF65-F5344CB8AC3E}">
+        <p14:creationId xmlns:p14="http://schemas.microsoft.com/office/powerpoint/2010/main" val="582835867"/>
+      </p:ext>
+    </p:extLst>
   </p:cSld>
   <p:clrMapOvr>
     <a:masterClrMapping/>
@@ -567,11 +616,20 @@
         <p:cNvGrpSpPr/>
         <p:nvPr/>
       </p:nvGrpSpPr>
-      <p:grpSpPr/>
+      <p:grpSpPr>
+        <a:xfrm>
+          <a:off x="0" y="0"/>
+          <a:ext cx="0" cy="0"/>
+          <a:chOff x="0" y="0"/>
+          <a:chExt cx="0" cy="0"/>
+        </a:xfrm>
+      </p:grpSpPr>
       <p:sp>
         <p:nvSpPr>
           <p:cNvPr id="2" name="Slide Image Placeholder 1"/>
-          <p:cNvSpPr/>
+          <p:cNvSpPr>
+            <a:spLocks noGrp="1" noRot="1" noChangeAspect="1"/>
+          </p:cNvSpPr>
           <p:nvPr>
             <p:ph type="sldImg" idx="2"/>
           </p:nvPr>
@@ -581,7 +639,9 @@
       <p:sp>
         <p:nvSpPr>
           <p:cNvPr id="3" name="Text Placeholder 2"/>
-          <p:cNvSpPr/>
+          <p:cNvSpPr>
+            <a:spLocks noGrp="1"/>
+          </p:cNvSpPr>
           <p:nvPr>
             <p:ph type="body" idx="3"/>
           </p:nvPr>
@@ -589,12 +649,18 @@
         <p:spPr/>
         <p:txBody>
           <a:bodyPr/>
+          <a:lstStyle/>
           <a:p>
             <a:endParaRPr lang="en-GB" altLang="en-US"/>
           </a:p>
         </p:txBody>
       </p:sp>
     </p:spTree>
+    <p:extLst>
+      <p:ext uri="{BB962C8B-B14F-4D97-AF65-F5344CB8AC3E}">
+        <p14:creationId xmlns:p14="http://schemas.microsoft.com/office/powerpoint/2010/main" val="4069491294"/>
+      </p:ext>
+    </p:extLst>
   </p:cSld>
   <p:clrMapOvr>
     <a:masterClrMapping/>
@@ -611,11 +677,20 @@
         <p:cNvGrpSpPr/>
         <p:nvPr/>
       </p:nvGrpSpPr>
-      <p:grpSpPr/>
+      <p:grpSpPr>
+        <a:xfrm>
+          <a:off x="0" y="0"/>
+          <a:ext cx="0" cy="0"/>
+          <a:chOff x="0" y="0"/>
+          <a:chExt cx="0" cy="0"/>
+        </a:xfrm>
+      </p:grpSpPr>
       <p:sp>
         <p:nvSpPr>
           <p:cNvPr id="2" name="Slide Image Placeholder 1"/>
-          <p:cNvSpPr/>
+          <p:cNvSpPr>
+            <a:spLocks noGrp="1" noRot="1" noChangeAspect="1"/>
+          </p:cNvSpPr>
           <p:nvPr>
             <p:ph type="sldImg" idx="2"/>
           </p:nvPr>
@@ -625,7 +700,9 @@
       <p:sp>
         <p:nvSpPr>
           <p:cNvPr id="3" name="Text Placeholder 2"/>
-          <p:cNvSpPr/>
+          <p:cNvSpPr>
+            <a:spLocks noGrp="1"/>
+          </p:cNvSpPr>
           <p:nvPr>
             <p:ph type="body" idx="3"/>
           </p:nvPr>
@@ -633,16 +710,21 @@
         <p:spPr/>
         <p:txBody>
           <a:bodyPr/>
-          <a:p>
-            <a:r>
-              <a:rPr lang="en-GB" altLang="en-US"/>
+          <a:lstStyle/>
+          <a:p>
+            <a:r>
+              <a:rPr lang="en-GB" altLang="en-US" dirty="0"/>
               <a:t>Yield to oncoming traffic</a:t>
             </a:r>
-            <a:endParaRPr lang="en-GB" altLang="en-US"/>
           </a:p>
         </p:txBody>
       </p:sp>
     </p:spTree>
+    <p:extLst>
+      <p:ext uri="{BB962C8B-B14F-4D97-AF65-F5344CB8AC3E}">
+        <p14:creationId xmlns:p14="http://schemas.microsoft.com/office/powerpoint/2010/main" val="830262855"/>
+      </p:ext>
+    </p:extLst>
   </p:cSld>
   <p:clrMapOvr>
     <a:masterClrMapping/>
@@ -659,21 +741,37 @@
         <p:cNvGrpSpPr/>
         <p:nvPr/>
       </p:nvGrpSpPr>
-      <p:grpSpPr/>
+      <p:grpSpPr>
+        <a:xfrm>
+          <a:off x="0" y="0"/>
+          <a:ext cx="0" cy="0"/>
+          <a:chOff x="0" y="0"/>
+          <a:chExt cx="0" cy="0"/>
+        </a:xfrm>
+      </p:grpSpPr>
       <p:sp>
         <p:nvSpPr>
           <p:cNvPr id="2" name="Slide Image Placeholder 1"/>
-          <p:cNvSpPr/>
+          <p:cNvSpPr>
+            <a:spLocks noGrp="1" noRot="1" noChangeAspect="1"/>
+          </p:cNvSpPr>
           <p:nvPr>
             <p:ph type="sldImg" idx="2"/>
           </p:nvPr>
         </p:nvSpPr>
-        <p:spPr/>
+        <p:spPr>
+          <a:xfrm>
+            <a:off x="1247775" y="1279525"/>
+            <a:ext cx="4606925" cy="3454400"/>
+          </a:xfrm>
+        </p:spPr>
       </p:sp>
       <p:sp>
         <p:nvSpPr>
           <p:cNvPr id="3" name="Text Placeholder 2"/>
-          <p:cNvSpPr/>
+          <p:cNvSpPr>
+            <a:spLocks noGrp="1"/>
+          </p:cNvSpPr>
           <p:nvPr>
             <p:ph type="body" idx="3"/>
           </p:nvPr>
@@ -681,16 +779,297 @@
         <p:spPr/>
         <p:txBody>
           <a:bodyPr/>
+          <a:lstStyle/>
           <a:p>
             <a:r>
               <a:rPr lang="en-GB" altLang="en-US"/>
               <a:t>Yield to oncoming traffic</a:t>
             </a:r>
-            <a:endParaRPr lang="en-GB" altLang="en-US"/>
           </a:p>
         </p:txBody>
       </p:sp>
     </p:spTree>
+    <p:extLst>
+      <p:ext uri="{BB962C8B-B14F-4D97-AF65-F5344CB8AC3E}">
+        <p14:creationId xmlns:p14="http://schemas.microsoft.com/office/powerpoint/2010/main" val="238283167"/>
+      </p:ext>
+    </p:extLst>
+  </p:cSld>
+  <p:clrMapOvr>
+    <a:masterClrMapping/>
+  </p:clrMapOvr>
+</p:notes>
+</file>
+
+<file path=ppt/notesSlides/notesSlide6.xml><?xml version="1.0" encoding="utf-8"?>
+<p:notes xmlns:a="http://schemas.openxmlformats.org/drawingml/2006/main" xmlns:r="http://schemas.openxmlformats.org/officeDocument/2006/relationships" xmlns:p="http://schemas.openxmlformats.org/presentationml/2006/main">
+  <p:cSld>
+    <p:spTree>
+      <p:nvGrpSpPr>
+        <p:cNvPr id="1" name=""/>
+        <p:cNvGrpSpPr/>
+        <p:nvPr/>
+      </p:nvGrpSpPr>
+      <p:grpSpPr>
+        <a:xfrm>
+          <a:off x="0" y="0"/>
+          <a:ext cx="0" cy="0"/>
+          <a:chOff x="0" y="0"/>
+          <a:chExt cx="0" cy="0"/>
+        </a:xfrm>
+      </p:grpSpPr>
+      <p:sp>
+        <p:nvSpPr>
+          <p:cNvPr id="2" name="Slide Image Placeholder 1"/>
+          <p:cNvSpPr>
+            <a:spLocks noGrp="1" noRot="1" noChangeAspect="1"/>
+          </p:cNvSpPr>
+          <p:nvPr>
+            <p:ph type="sldImg" idx="2"/>
+          </p:nvPr>
+        </p:nvSpPr>
+        <p:spPr>
+          <a:xfrm>
+            <a:off x="1247775" y="1279525"/>
+            <a:ext cx="4606925" cy="3454400"/>
+          </a:xfrm>
+        </p:spPr>
+      </p:sp>
+      <p:sp>
+        <p:nvSpPr>
+          <p:cNvPr id="3" name="Text Placeholder 2"/>
+          <p:cNvSpPr>
+            <a:spLocks noGrp="1"/>
+          </p:cNvSpPr>
+          <p:nvPr>
+            <p:ph type="body" idx="3"/>
+          </p:nvPr>
+        </p:nvSpPr>
+        <p:spPr/>
+        <p:txBody>
+          <a:bodyPr/>
+          <a:lstStyle/>
+          <a:p>
+            <a:r>
+              <a:rPr lang="en-GB" altLang="en-US"/>
+              <a:t>Yield to oncoming traffic</a:t>
+            </a:r>
+          </a:p>
+        </p:txBody>
+      </p:sp>
+    </p:spTree>
+    <p:extLst>
+      <p:ext uri="{BB962C8B-B14F-4D97-AF65-F5344CB8AC3E}">
+        <p14:creationId xmlns:p14="http://schemas.microsoft.com/office/powerpoint/2010/main" val="563222164"/>
+      </p:ext>
+    </p:extLst>
+  </p:cSld>
+  <p:clrMapOvr>
+    <a:masterClrMapping/>
+  </p:clrMapOvr>
+</p:notes>
+</file>
+
+<file path=ppt/notesSlides/notesSlide7.xml><?xml version="1.0" encoding="utf-8"?>
+<p:notes xmlns:a="http://schemas.openxmlformats.org/drawingml/2006/main" xmlns:r="http://schemas.openxmlformats.org/officeDocument/2006/relationships" xmlns:p="http://schemas.openxmlformats.org/presentationml/2006/main">
+  <p:cSld>
+    <p:spTree>
+      <p:nvGrpSpPr>
+        <p:cNvPr id="1" name=""/>
+        <p:cNvGrpSpPr/>
+        <p:nvPr/>
+      </p:nvGrpSpPr>
+      <p:grpSpPr>
+        <a:xfrm>
+          <a:off x="0" y="0"/>
+          <a:ext cx="0" cy="0"/>
+          <a:chOff x="0" y="0"/>
+          <a:chExt cx="0" cy="0"/>
+        </a:xfrm>
+      </p:grpSpPr>
+      <p:sp>
+        <p:nvSpPr>
+          <p:cNvPr id="2" name="Slide Image Placeholder 1"/>
+          <p:cNvSpPr>
+            <a:spLocks noGrp="1" noRot="1" noChangeAspect="1"/>
+          </p:cNvSpPr>
+          <p:nvPr>
+            <p:ph type="sldImg" idx="2"/>
+          </p:nvPr>
+        </p:nvSpPr>
+        <p:spPr>
+          <a:xfrm>
+            <a:off x="1247775" y="1279525"/>
+            <a:ext cx="4606925" cy="3454400"/>
+          </a:xfrm>
+        </p:spPr>
+      </p:sp>
+      <p:sp>
+        <p:nvSpPr>
+          <p:cNvPr id="3" name="Text Placeholder 2"/>
+          <p:cNvSpPr>
+            <a:spLocks noGrp="1"/>
+          </p:cNvSpPr>
+          <p:nvPr>
+            <p:ph type="body" idx="3"/>
+          </p:nvPr>
+        </p:nvSpPr>
+        <p:spPr/>
+        <p:txBody>
+          <a:bodyPr/>
+          <a:lstStyle/>
+          <a:p>
+            <a:r>
+              <a:rPr lang="en-GB" altLang="en-US"/>
+              <a:t>Yield to oncoming traffic</a:t>
+            </a:r>
+          </a:p>
+        </p:txBody>
+      </p:sp>
+    </p:spTree>
+    <p:extLst>
+      <p:ext uri="{BB962C8B-B14F-4D97-AF65-F5344CB8AC3E}">
+        <p14:creationId xmlns:p14="http://schemas.microsoft.com/office/powerpoint/2010/main" val="4271321998"/>
+      </p:ext>
+    </p:extLst>
+  </p:cSld>
+  <p:clrMapOvr>
+    <a:masterClrMapping/>
+  </p:clrMapOvr>
+</p:notes>
+</file>
+
+<file path=ppt/notesSlides/notesSlide8.xml><?xml version="1.0" encoding="utf-8"?>
+<p:notes xmlns:a="http://schemas.openxmlformats.org/drawingml/2006/main" xmlns:r="http://schemas.openxmlformats.org/officeDocument/2006/relationships" xmlns:p="http://schemas.openxmlformats.org/presentationml/2006/main">
+  <p:cSld>
+    <p:spTree>
+      <p:nvGrpSpPr>
+        <p:cNvPr id="1" name=""/>
+        <p:cNvGrpSpPr/>
+        <p:nvPr/>
+      </p:nvGrpSpPr>
+      <p:grpSpPr>
+        <a:xfrm>
+          <a:off x="0" y="0"/>
+          <a:ext cx="0" cy="0"/>
+          <a:chOff x="0" y="0"/>
+          <a:chExt cx="0" cy="0"/>
+        </a:xfrm>
+      </p:grpSpPr>
+      <p:sp>
+        <p:nvSpPr>
+          <p:cNvPr id="2" name="Slide Image Placeholder 1"/>
+          <p:cNvSpPr>
+            <a:spLocks noGrp="1" noRot="1" noChangeAspect="1"/>
+          </p:cNvSpPr>
+          <p:nvPr>
+            <p:ph type="sldImg" idx="2"/>
+          </p:nvPr>
+        </p:nvSpPr>
+        <p:spPr>
+          <a:xfrm>
+            <a:off x="1247775" y="1279525"/>
+            <a:ext cx="4606925" cy="3454400"/>
+          </a:xfrm>
+        </p:spPr>
+      </p:sp>
+      <p:sp>
+        <p:nvSpPr>
+          <p:cNvPr id="3" name="Text Placeholder 2"/>
+          <p:cNvSpPr>
+            <a:spLocks noGrp="1"/>
+          </p:cNvSpPr>
+          <p:nvPr>
+            <p:ph type="body" idx="3"/>
+          </p:nvPr>
+        </p:nvSpPr>
+        <p:spPr/>
+        <p:txBody>
+          <a:bodyPr/>
+          <a:lstStyle/>
+          <a:p>
+            <a:r>
+              <a:rPr lang="en-GB" altLang="en-US"/>
+              <a:t>Yield to oncoming traffic</a:t>
+            </a:r>
+          </a:p>
+        </p:txBody>
+      </p:sp>
+    </p:spTree>
+    <p:extLst>
+      <p:ext uri="{BB962C8B-B14F-4D97-AF65-F5344CB8AC3E}">
+        <p14:creationId xmlns:p14="http://schemas.microsoft.com/office/powerpoint/2010/main" val="3058262205"/>
+      </p:ext>
+    </p:extLst>
+  </p:cSld>
+  <p:clrMapOvr>
+    <a:masterClrMapping/>
+  </p:clrMapOvr>
+</p:notes>
+</file>
+
+<file path=ppt/notesSlides/notesSlide9.xml><?xml version="1.0" encoding="utf-8"?>
+<p:notes xmlns:a="http://schemas.openxmlformats.org/drawingml/2006/main" xmlns:r="http://schemas.openxmlformats.org/officeDocument/2006/relationships" xmlns:p="http://schemas.openxmlformats.org/presentationml/2006/main">
+  <p:cSld>
+    <p:spTree>
+      <p:nvGrpSpPr>
+        <p:cNvPr id="1" name=""/>
+        <p:cNvGrpSpPr/>
+        <p:nvPr/>
+      </p:nvGrpSpPr>
+      <p:grpSpPr>
+        <a:xfrm>
+          <a:off x="0" y="0"/>
+          <a:ext cx="0" cy="0"/>
+          <a:chOff x="0" y="0"/>
+          <a:chExt cx="0" cy="0"/>
+        </a:xfrm>
+      </p:grpSpPr>
+      <p:sp>
+        <p:nvSpPr>
+          <p:cNvPr id="2" name="Slide Image Placeholder 1"/>
+          <p:cNvSpPr>
+            <a:spLocks noGrp="1" noRot="1" noChangeAspect="1"/>
+          </p:cNvSpPr>
+          <p:nvPr>
+            <p:ph type="sldImg" idx="2"/>
+          </p:nvPr>
+        </p:nvSpPr>
+        <p:spPr>
+          <a:xfrm>
+            <a:off x="1247775" y="1279525"/>
+            <a:ext cx="4606925" cy="3454400"/>
+          </a:xfrm>
+        </p:spPr>
+      </p:sp>
+      <p:sp>
+        <p:nvSpPr>
+          <p:cNvPr id="3" name="Text Placeholder 2"/>
+          <p:cNvSpPr>
+            <a:spLocks noGrp="1"/>
+          </p:cNvSpPr>
+          <p:nvPr>
+            <p:ph type="body" idx="3"/>
+          </p:nvPr>
+        </p:nvSpPr>
+        <p:spPr/>
+        <p:txBody>
+          <a:bodyPr/>
+          <a:lstStyle/>
+          <a:p>
+            <a:r>
+              <a:rPr lang="en-GB" altLang="en-US"/>
+              <a:t>Yield to oncoming traffic</a:t>
+            </a:r>
+          </a:p>
+        </p:txBody>
+      </p:sp>
+    </p:spTree>
+    <p:extLst>
+      <p:ext uri="{BB962C8B-B14F-4D97-AF65-F5344CB8AC3E}">
+        <p14:creationId xmlns:p14="http://schemas.microsoft.com/office/powerpoint/2010/main" val="2072766186"/>
+      </p:ext>
+    </p:extLst>
   </p:cSld>
   <p:clrMapOvr>
     <a:masterClrMapping/>
@@ -829,6 +1208,7 @@
           <a:p>
             <a:fld id="{FDE934FF-F4E1-47C5-9CA5-30A81DDE2BE4}" type="datetimeFigureOut">
               <a:rPr lang="en-US" smtClean="0"/>
+              <a:t>26-Jun-18</a:t>
             </a:fld>
             <a:endParaRPr lang="en-US"/>
           </a:p>
@@ -870,6 +1250,7 @@
           <a:p>
             <a:fld id="{B3561BA9-CDCF-4958-B8AB-66F3BF063E13}" type="slidenum">
               <a:rPr lang="en-US" smtClean="0"/>
+              <a:t>‹#›</a:t>
             </a:fld>
             <a:endParaRPr lang="en-US"/>
           </a:p>
@@ -925,7 +1306,6 @@
               <a:rPr lang="en-US" smtClean="0"/>
               <a:t>Click to edit Master text styles</a:t>
             </a:r>
-            <a:endParaRPr lang="en-US" smtClean="0"/>
           </a:p>
           <a:p>
             <a:pPr lvl="1"/>
@@ -933,7 +1313,6 @@
               <a:rPr lang="en-US" smtClean="0"/>
               <a:t>Second level</a:t>
             </a:r>
-            <a:endParaRPr lang="en-US" smtClean="0"/>
           </a:p>
           <a:p>
             <a:pPr lvl="2"/>
@@ -941,7 +1320,6 @@
               <a:rPr lang="en-US" smtClean="0"/>
               <a:t>Third level</a:t>
             </a:r>
-            <a:endParaRPr lang="en-US" smtClean="0"/>
           </a:p>
           <a:p>
             <a:pPr lvl="3"/>
@@ -949,7 +1327,6 @@
               <a:rPr lang="en-US" smtClean="0"/>
               <a:t>Fourth level</a:t>
             </a:r>
-            <a:endParaRPr lang="en-US" smtClean="0"/>
           </a:p>
           <a:p>
             <a:pPr lvl="4"/>
@@ -978,6 +1355,7 @@
           <a:p>
             <a:fld id="{FDE934FF-F4E1-47C5-9CA5-30A81DDE2BE4}" type="datetimeFigureOut">
               <a:rPr lang="en-US" smtClean="0"/>
+              <a:t>26-Jun-18</a:t>
             </a:fld>
             <a:endParaRPr lang="en-US"/>
           </a:p>
@@ -1019,6 +1397,7 @@
           <a:p>
             <a:fld id="{B3561BA9-CDCF-4958-B8AB-66F3BF063E13}" type="slidenum">
               <a:rPr lang="en-US" smtClean="0"/>
+              <a:t>‹#›</a:t>
             </a:fld>
             <a:endParaRPr lang="en-US"/>
           </a:p>
@@ -1092,7 +1471,6 @@
               <a:rPr lang="en-US" smtClean="0"/>
               <a:t>Click to edit Master text styles</a:t>
             </a:r>
-            <a:endParaRPr lang="en-US" smtClean="0"/>
           </a:p>
           <a:p>
             <a:pPr lvl="1"/>
@@ -1100,7 +1478,6 @@
               <a:rPr lang="en-US" smtClean="0"/>
               <a:t>Second level</a:t>
             </a:r>
-            <a:endParaRPr lang="en-US" smtClean="0"/>
           </a:p>
           <a:p>
             <a:pPr lvl="2"/>
@@ -1108,7 +1485,6 @@
               <a:rPr lang="en-US" smtClean="0"/>
               <a:t>Third level</a:t>
             </a:r>
-            <a:endParaRPr lang="en-US" smtClean="0"/>
           </a:p>
           <a:p>
             <a:pPr lvl="3"/>
@@ -1116,7 +1492,6 @@
               <a:rPr lang="en-US" smtClean="0"/>
               <a:t>Fourth level</a:t>
             </a:r>
-            <a:endParaRPr lang="en-US" smtClean="0"/>
           </a:p>
           <a:p>
             <a:pPr lvl="4"/>
@@ -1145,6 +1520,7 @@
           <a:p>
             <a:fld id="{FDE934FF-F4E1-47C5-9CA5-30A81DDE2BE4}" type="datetimeFigureOut">
               <a:rPr lang="en-US" smtClean="0"/>
+              <a:t>26-Jun-18</a:t>
             </a:fld>
             <a:endParaRPr lang="en-US"/>
           </a:p>
@@ -1186,6 +1562,7 @@
           <a:p>
             <a:fld id="{B3561BA9-CDCF-4958-B8AB-66F3BF063E13}" type="slidenum">
               <a:rPr lang="en-US" smtClean="0"/>
+              <a:t>‹#›</a:t>
             </a:fld>
             <a:endParaRPr lang="en-US"/>
           </a:p>
@@ -1364,7 +1741,6 @@
               <a:rPr lang="en-US" smtClean="0"/>
               <a:t>Click to edit Master text styles</a:t>
             </a:r>
-            <a:endParaRPr lang="en-US" smtClean="0"/>
           </a:p>
         </p:txBody>
       </p:sp>
@@ -1385,6 +1761,7 @@
           <a:p>
             <a:fld id="{FDE934FF-F4E1-47C5-9CA5-30A81DDE2BE4}" type="datetimeFigureOut">
               <a:rPr lang="en-US" smtClean="0"/>
+              <a:t>26-Jun-18</a:t>
             </a:fld>
             <a:endParaRPr lang="en-US"/>
           </a:p>
@@ -1426,6 +1803,7 @@
           <a:p>
             <a:fld id="{B3561BA9-CDCF-4958-B8AB-66F3BF063E13}" type="slidenum">
               <a:rPr lang="en-US" smtClean="0"/>
+              <a:t>‹#›</a:t>
             </a:fld>
             <a:endParaRPr lang="en-US"/>
           </a:p>
@@ -1504,7 +1882,6 @@
               <a:rPr lang="en-US" smtClean="0"/>
               <a:t>Click to edit Master text styles</a:t>
             </a:r>
-            <a:endParaRPr lang="en-US" smtClean="0"/>
           </a:p>
           <a:p>
             <a:pPr lvl="1"/>
@@ -1512,7 +1889,6 @@
               <a:rPr lang="en-US" smtClean="0"/>
               <a:t>Second level</a:t>
             </a:r>
-            <a:endParaRPr lang="en-US" smtClean="0"/>
           </a:p>
           <a:p>
             <a:pPr lvl="2"/>
@@ -1520,7 +1896,6 @@
               <a:rPr lang="en-US" smtClean="0"/>
               <a:t>Third level</a:t>
             </a:r>
-            <a:endParaRPr lang="en-US" smtClean="0"/>
           </a:p>
           <a:p>
             <a:pPr lvl="3"/>
@@ -1528,7 +1903,6 @@
               <a:rPr lang="en-US" smtClean="0"/>
               <a:t>Fourth level</a:t>
             </a:r>
-            <a:endParaRPr lang="en-US" smtClean="0"/>
           </a:p>
           <a:p>
             <a:pPr lvl="4"/>
@@ -1565,7 +1939,6 @@
               <a:rPr lang="en-US" smtClean="0"/>
               <a:t>Click to edit Master text styles</a:t>
             </a:r>
-            <a:endParaRPr lang="en-US" smtClean="0"/>
           </a:p>
           <a:p>
             <a:pPr lvl="1"/>
@@ -1573,7 +1946,6 @@
               <a:rPr lang="en-US" smtClean="0"/>
               <a:t>Second level</a:t>
             </a:r>
-            <a:endParaRPr lang="en-US" smtClean="0"/>
           </a:p>
           <a:p>
             <a:pPr lvl="2"/>
@@ -1581,7 +1953,6 @@
               <a:rPr lang="en-US" smtClean="0"/>
               <a:t>Third level</a:t>
             </a:r>
-            <a:endParaRPr lang="en-US" smtClean="0"/>
           </a:p>
           <a:p>
             <a:pPr lvl="3"/>
@@ -1589,7 +1960,6 @@
               <a:rPr lang="en-US" smtClean="0"/>
               <a:t>Fourth level</a:t>
             </a:r>
-            <a:endParaRPr lang="en-US" smtClean="0"/>
           </a:p>
           <a:p>
             <a:pPr lvl="4"/>
@@ -1618,6 +1988,7 @@
           <a:p>
             <a:fld id="{FDE934FF-F4E1-47C5-9CA5-30A81DDE2BE4}" type="datetimeFigureOut">
               <a:rPr lang="en-US" smtClean="0"/>
+              <a:t>26-Jun-18</a:t>
             </a:fld>
             <a:endParaRPr lang="en-US"/>
           </a:p>
@@ -1659,6 +2030,7 @@
           <a:p>
             <a:fld id="{B3561BA9-CDCF-4958-B8AB-66F3BF063E13}" type="slidenum">
               <a:rPr lang="en-US" smtClean="0"/>
+              <a:t>‹#›</a:t>
             </a:fld>
             <a:endParaRPr lang="en-US"/>
           </a:p>
@@ -1779,7 +2151,6 @@
               <a:rPr lang="en-US" smtClean="0"/>
               <a:t>Click to edit Master text styles</a:t>
             </a:r>
-            <a:endParaRPr lang="en-US" smtClean="0"/>
           </a:p>
         </p:txBody>
       </p:sp>
@@ -1808,7 +2179,6 @@
               <a:rPr lang="en-US" smtClean="0"/>
               <a:t>Click to edit Master text styles</a:t>
             </a:r>
-            <a:endParaRPr lang="en-US" smtClean="0"/>
           </a:p>
           <a:p>
             <a:pPr lvl="1"/>
@@ -1816,7 +2186,6 @@
               <a:rPr lang="en-US" smtClean="0"/>
               <a:t>Second level</a:t>
             </a:r>
-            <a:endParaRPr lang="en-US" smtClean="0"/>
           </a:p>
           <a:p>
             <a:pPr lvl="2"/>
@@ -1824,7 +2193,6 @@
               <a:rPr lang="en-US" smtClean="0"/>
               <a:t>Third level</a:t>
             </a:r>
-            <a:endParaRPr lang="en-US" smtClean="0"/>
           </a:p>
           <a:p>
             <a:pPr lvl="3"/>
@@ -1832,7 +2200,6 @@
               <a:rPr lang="en-US" smtClean="0"/>
               <a:t>Fourth level</a:t>
             </a:r>
-            <a:endParaRPr lang="en-US" smtClean="0"/>
           </a:p>
           <a:p>
             <a:pPr lvl="4"/>
@@ -1906,7 +2273,6 @@
               <a:rPr lang="en-US" smtClean="0"/>
               <a:t>Click to edit Master text styles</a:t>
             </a:r>
-            <a:endParaRPr lang="en-US" smtClean="0"/>
           </a:p>
         </p:txBody>
       </p:sp>
@@ -1935,7 +2301,6 @@
               <a:rPr lang="en-US" smtClean="0"/>
               <a:t>Click to edit Master text styles</a:t>
             </a:r>
-            <a:endParaRPr lang="en-US" smtClean="0"/>
           </a:p>
           <a:p>
             <a:pPr lvl="1"/>
@@ -1943,7 +2308,6 @@
               <a:rPr lang="en-US" smtClean="0"/>
               <a:t>Second level</a:t>
             </a:r>
-            <a:endParaRPr lang="en-US" smtClean="0"/>
           </a:p>
           <a:p>
             <a:pPr lvl="2"/>
@@ -1951,7 +2315,6 @@
               <a:rPr lang="en-US" smtClean="0"/>
               <a:t>Third level</a:t>
             </a:r>
-            <a:endParaRPr lang="en-US" smtClean="0"/>
           </a:p>
           <a:p>
             <a:pPr lvl="3"/>
@@ -1959,7 +2322,6 @@
               <a:rPr lang="en-US" smtClean="0"/>
               <a:t>Fourth level</a:t>
             </a:r>
-            <a:endParaRPr lang="en-US" smtClean="0"/>
           </a:p>
           <a:p>
             <a:pPr lvl="4"/>
@@ -1988,6 +2350,7 @@
           <a:p>
             <a:fld id="{FDE934FF-F4E1-47C5-9CA5-30A81DDE2BE4}" type="datetimeFigureOut">
               <a:rPr lang="en-US" smtClean="0"/>
+              <a:t>26-Jun-18</a:t>
             </a:fld>
             <a:endParaRPr lang="en-US"/>
           </a:p>
@@ -2029,6 +2392,7 @@
           <a:p>
             <a:fld id="{B3561BA9-CDCF-4958-B8AB-66F3BF063E13}" type="slidenum">
               <a:rPr lang="en-US" smtClean="0"/>
+              <a:t>‹#›</a:t>
             </a:fld>
             <a:endParaRPr lang="en-US"/>
           </a:p>
@@ -2099,6 +2463,7 @@
           <a:p>
             <a:fld id="{FDE934FF-F4E1-47C5-9CA5-30A81DDE2BE4}" type="datetimeFigureOut">
               <a:rPr lang="en-US" smtClean="0"/>
+              <a:t>26-Jun-18</a:t>
             </a:fld>
             <a:endParaRPr lang="en-US"/>
           </a:p>
@@ -2140,6 +2505,7 @@
           <a:p>
             <a:fld id="{B3561BA9-CDCF-4958-B8AB-66F3BF063E13}" type="slidenum">
               <a:rPr lang="en-US" smtClean="0"/>
+              <a:t>‹#›</a:t>
             </a:fld>
             <a:endParaRPr lang="en-US"/>
           </a:p>
@@ -2187,6 +2553,7 @@
           <a:p>
             <a:fld id="{FDE934FF-F4E1-47C5-9CA5-30A81DDE2BE4}" type="datetimeFigureOut">
               <a:rPr lang="en-US" smtClean="0"/>
+              <a:t>26-Jun-18</a:t>
             </a:fld>
             <a:endParaRPr lang="en-US"/>
           </a:p>
@@ -2228,6 +2595,7 @@
           <a:p>
             <a:fld id="{B3561BA9-CDCF-4958-B8AB-66F3BF063E13}" type="slidenum">
               <a:rPr lang="en-US" smtClean="0"/>
+              <a:t>‹#›</a:t>
             </a:fld>
             <a:endParaRPr lang="en-US"/>
           </a:p>
@@ -2413,7 +2781,6 @@
               <a:rPr lang="en-US" smtClean="0"/>
               <a:t>Click to edit Master text styles</a:t>
             </a:r>
-            <a:endParaRPr lang="en-US" smtClean="0"/>
           </a:p>
         </p:txBody>
       </p:sp>
@@ -2434,6 +2801,7 @@
           <a:p>
             <a:fld id="{FDE934FF-F4E1-47C5-9CA5-30A81DDE2BE4}" type="datetimeFigureOut">
               <a:rPr lang="en-US" smtClean="0"/>
+              <a:t>26-Jun-18</a:t>
             </a:fld>
             <a:endParaRPr lang="en-US"/>
           </a:p>
@@ -2475,6 +2843,7 @@
           <a:p>
             <a:fld id="{B3561BA9-CDCF-4958-B8AB-66F3BF063E13}" type="slidenum">
               <a:rPr lang="en-US" smtClean="0"/>
+              <a:t>‹#›</a:t>
             </a:fld>
             <a:endParaRPr lang="en-US"/>
           </a:p>
@@ -2565,7 +2934,6 @@
               <a:rPr lang="en-US" smtClean="0"/>
               <a:t>Click to edit Master text styles</a:t>
             </a:r>
-            <a:endParaRPr lang="en-US" smtClean="0"/>
           </a:p>
           <a:p>
             <a:pPr lvl="1"/>
@@ -2573,7 +2941,6 @@
               <a:rPr lang="en-US" smtClean="0"/>
               <a:t>Second level</a:t>
             </a:r>
-            <a:endParaRPr lang="en-US" smtClean="0"/>
           </a:p>
           <a:p>
             <a:pPr lvl="2"/>
@@ -2581,7 +2948,6 @@
               <a:rPr lang="en-US" smtClean="0"/>
               <a:t>Third level</a:t>
             </a:r>
-            <a:endParaRPr lang="en-US" smtClean="0"/>
           </a:p>
           <a:p>
             <a:pPr lvl="3"/>
@@ -2589,7 +2955,6 @@
               <a:rPr lang="en-US" smtClean="0"/>
               <a:t>Fourth level</a:t>
             </a:r>
-            <a:endParaRPr lang="en-US" smtClean="0"/>
           </a:p>
           <a:p>
             <a:pPr lvl="4"/>
@@ -2618,6 +2983,7 @@
           <a:p>
             <a:fld id="{FDE934FF-F4E1-47C5-9CA5-30A81DDE2BE4}" type="datetimeFigureOut">
               <a:rPr lang="en-US" smtClean="0"/>
+              <a:t>26-Jun-18</a:t>
             </a:fld>
             <a:endParaRPr lang="en-US"/>
           </a:p>
@@ -2659,6 +3025,7 @@
           <a:p>
             <a:fld id="{B3561BA9-CDCF-4958-B8AB-66F3BF063E13}" type="slidenum">
               <a:rPr lang="en-US" smtClean="0"/>
+              <a:t>‹#›</a:t>
             </a:fld>
             <a:endParaRPr lang="en-US"/>
           </a:p>
@@ -2757,7 +3124,6 @@
               <a:rPr lang="en-US" smtClean="0"/>
               <a:t>Click to edit Master text styles</a:t>
             </a:r>
-            <a:endParaRPr lang="en-US" smtClean="0"/>
           </a:p>
           <a:p>
             <a:pPr lvl="1"/>
@@ -2765,7 +3131,6 @@
               <a:rPr lang="en-US" smtClean="0"/>
               <a:t>Second level</a:t>
             </a:r>
-            <a:endParaRPr lang="en-US" smtClean="0"/>
           </a:p>
           <a:p>
             <a:pPr lvl="2"/>
@@ -2773,7 +3138,6 @@
               <a:rPr lang="en-US" smtClean="0"/>
               <a:t>Third level</a:t>
             </a:r>
-            <a:endParaRPr lang="en-US" smtClean="0"/>
           </a:p>
           <a:p>
             <a:pPr lvl="3"/>
@@ -2781,7 +3145,6 @@
               <a:rPr lang="en-US" smtClean="0"/>
               <a:t>Fourth level</a:t>
             </a:r>
-            <a:endParaRPr lang="en-US" smtClean="0"/>
           </a:p>
           <a:p>
             <a:pPr lvl="4"/>
@@ -2828,6 +3191,7 @@
           <a:p>
             <a:fld id="{FDE934FF-F4E1-47C5-9CA5-30A81DDE2BE4}" type="datetimeFigureOut">
               <a:rPr lang="en-US" smtClean="0"/>
+              <a:t>26-Jun-18</a:t>
             </a:fld>
             <a:endParaRPr lang="en-US"/>
           </a:p>
@@ -2905,6 +3269,7 @@
           <a:p>
             <a:fld id="{B3561BA9-CDCF-4958-B8AB-66F3BF063E13}" type="slidenum">
               <a:rPr lang="en-US" smtClean="0"/>
+              <a:t>‹#›</a:t>
             </a:fld>
             <a:endParaRPr lang="en-US"/>
           </a:p>
@@ -3214,7 +3579,7 @@
     <p:bg>
       <p:bgPr>
         <a:blipFill rotWithShape="1">
-          <a:blip r:embed="rId1"/>
+          <a:blip r:embed="rId2"/>
           <a:stretch>
             <a:fillRect/>
           </a:stretch>
@@ -3228,7 +3593,14 @@
         <p:cNvGrpSpPr/>
         <p:nvPr/>
       </p:nvGrpSpPr>
-      <p:grpSpPr/>
+      <p:grpSpPr>
+        <a:xfrm>
+          <a:off x="0" y="0"/>
+          <a:ext cx="0" cy="0"/>
+          <a:chOff x="0" y="0"/>
+          <a:chExt cx="0" cy="0"/>
+        </a:xfrm>
+      </p:grpSpPr>
       <p:sp>
         <p:nvSpPr>
           <p:cNvPr id="2" name="Title 1"/>
@@ -3242,6 +3614,7 @@
         <p:spPr/>
         <p:txBody>
           <a:bodyPr/>
+          <a:lstStyle/>
           <a:p>
             <a:endParaRPr lang="en-GB" altLang="en-US"/>
           </a:p>
@@ -3260,6 +3633,7 @@
         <p:spPr/>
         <p:txBody>
           <a:bodyPr/>
+          <a:lstStyle/>
           <a:p>
             <a:endParaRPr lang="en-GB" altLang="en-US"/>
           </a:p>
@@ -3285,6 +3659,7 @@
           <a:bodyPr wrap="square" rtlCol="0">
             <a:spAutoFit/>
           </a:bodyPr>
+          <a:lstStyle/>
           <a:p>
             <a:r>
               <a:rPr lang="en-US" altLang="en-GB" sz="3200" b="1">
@@ -3294,11 +3669,6 @@
               </a:rPr>
               <a:t>SAFE DRIVING</a:t>
             </a:r>
-            <a:endParaRPr lang="en-US" altLang="en-GB" sz="3200" b="1">
-              <a:solidFill>
-                <a:schemeClr val="bg1"/>
-              </a:solidFill>
-            </a:endParaRPr>
           </a:p>
         </p:txBody>
       </p:sp>
@@ -3311,7 +3681,7 @@
           <p:nvPr/>
         </p:nvPicPr>
         <p:blipFill>
-          <a:blip r:embed="rId2"/>
+          <a:blip r:embed="rId3"/>
           <a:stretch>
             <a:fillRect/>
           </a:stretch>
@@ -3368,6 +3738,7 @@
           <a:bodyPr wrap="square" rtlCol="0">
             <a:spAutoFit/>
           </a:bodyPr>
+          <a:lstStyle/>
           <a:p>
             <a:r>
               <a:rPr lang="en-US" altLang="en-GB" sz="6000" b="1">
@@ -3377,13 +3748,16 @@
               </a:rPr>
               <a:t>WHY</a:t>
             </a:r>
-            <a:endParaRPr lang="en-US" altLang="en-GB" sz="6000" b="1">
-              <a:solidFill>
-                <a:srgbClr val="FFD800"/>
-              </a:solidFill>
-            </a:endParaRPr>
-          </a:p>
-          <a:p>
+          </a:p>
+          <a:p>
+            <a:r>
+              <a:rPr lang="en-US" altLang="en-GB" sz="6000" b="1">
+                <a:solidFill>
+                  <a:srgbClr val="FFD800"/>
+                </a:solidFill>
+              </a:rPr>
+              <a:t/>
+            </a:r>
             <a:br>
               <a:rPr lang="en-US" altLang="en-GB" sz="6000" b="1">
                 <a:solidFill>
@@ -3407,11 +3781,6 @@
               </a:rPr>
               <a:t>and</a:t>
             </a:r>
-            <a:endParaRPr lang="en-US" altLang="en-GB" sz="4000" b="1">
-              <a:solidFill>
-                <a:srgbClr val="FFD800"/>
-              </a:solidFill>
-            </a:endParaRPr>
           </a:p>
           <a:p>
             <a:endParaRPr lang="en-US" altLang="en-GB" sz="6000" b="1">
@@ -3429,11 +3798,6 @@
               </a:rPr>
               <a:t>HOW</a:t>
             </a:r>
-            <a:endParaRPr lang="en-US" altLang="en-GB" sz="6000" b="1">
-              <a:solidFill>
-                <a:srgbClr val="FFD800"/>
-              </a:solidFill>
-            </a:endParaRPr>
           </a:p>
         </p:txBody>
       </p:sp>
@@ -3664,7 +4028,7 @@
     <p:bg>
       <p:bgPr>
         <a:blipFill rotWithShape="1">
-          <a:blip r:embed="rId1"/>
+          <a:blip r:embed="rId3"/>
           <a:stretch>
             <a:fillRect/>
           </a:stretch>
@@ -3678,7 +4042,14 @@
         <p:cNvGrpSpPr/>
         <p:nvPr/>
       </p:nvGrpSpPr>
-      <p:grpSpPr/>
+      <p:grpSpPr>
+        <a:xfrm>
+          <a:off x="0" y="0"/>
+          <a:ext cx="0" cy="0"/>
+          <a:chOff x="0" y="0"/>
+          <a:chExt cx="0" cy="0"/>
+        </a:xfrm>
+      </p:grpSpPr>
       <p:sp>
         <p:nvSpPr>
           <p:cNvPr id="6" name="Text Box 5"/>
@@ -3699,6 +4070,7 @@
           <a:bodyPr wrap="square" rtlCol="0">
             <a:spAutoFit/>
           </a:bodyPr>
+          <a:lstStyle/>
           <a:p>
             <a:r>
               <a:rPr lang="en-US" altLang="en-GB" sz="3200" b="1">
@@ -3725,11 +4097,6 @@
               </a:rPr>
               <a:t> </a:t>
             </a:r>
-            <a:endParaRPr lang="en-US" altLang="en-GB" sz="2000" b="1">
-              <a:solidFill>
-                <a:schemeClr val="bg1"/>
-              </a:solidFill>
-            </a:endParaRPr>
           </a:p>
         </p:txBody>
       </p:sp>
@@ -3753,6 +4120,7 @@
           <a:bodyPr wrap="square" rtlCol="0">
             <a:spAutoFit/>
           </a:bodyPr>
+          <a:lstStyle/>
           <a:p>
             <a:pPr marL="914400" lvl="1" indent="-457200">
               <a:buFont typeface="Arial" panose="020B0604020202020204" pitchFamily="34" charset="0"/>
@@ -3803,9 +4171,6 @@
               </a:rPr>
               <a:t>Keep clean vision.</a:t>
             </a:r>
-            <a:endParaRPr lang="en-US" altLang="en-GB" sz="2800">
-              <a:sym typeface="+mn-ea"/>
-            </a:endParaRPr>
           </a:p>
           <a:p>
             <a:pPr lvl="3" indent="-457200">
@@ -3823,7 +4188,6 @@
               <a:rPr lang="en-US" altLang="en-GB" sz="2800" b="1"/>
               <a:t>If You’re Having Car Trouble:</a:t>
             </a:r>
-            <a:endParaRPr lang="en-US" altLang="en-GB" sz="2800" b="1"/>
           </a:p>
           <a:p>
             <a:pPr lvl="3" indent="-457200">
@@ -3834,7 +4198,6 @@
               <a:rPr lang="en-US" altLang="en-GB" sz="2800"/>
               <a:t>Make sure your car is out of the way of traffic: Pull off the road and put on your hazard lights</a:t>
             </a:r>
-            <a:endParaRPr lang="en-US" altLang="en-GB" sz="2800"/>
           </a:p>
           <a:p>
             <a:pPr lvl="3" indent="-457200">
@@ -3845,7 +4208,6 @@
               <a:rPr lang="en-US" altLang="en-GB" sz="2800"/>
               <a:t>Don’t wander off: It’s easy to lose direction in a storm. Stay with your car until help arrives.</a:t>
             </a:r>
-            <a:endParaRPr lang="en-US" altLang="en-GB" sz="2800"/>
           </a:p>
         </p:txBody>
       </p:sp>
@@ -3949,7 +4311,7 @@
     <p:bg>
       <p:bgPr>
         <a:blipFill rotWithShape="1">
-          <a:blip r:embed="rId1"/>
+          <a:blip r:embed="rId3"/>
           <a:stretch>
             <a:fillRect/>
           </a:stretch>
@@ -3963,7 +4325,14 @@
         <p:cNvGrpSpPr/>
         <p:nvPr/>
       </p:nvGrpSpPr>
-      <p:grpSpPr/>
+      <p:grpSpPr>
+        <a:xfrm>
+          <a:off x="0" y="0"/>
+          <a:ext cx="0" cy="0"/>
+          <a:chOff x="0" y="0"/>
+          <a:chExt cx="0" cy="0"/>
+        </a:xfrm>
+      </p:grpSpPr>
       <p:sp>
         <p:nvSpPr>
           <p:cNvPr id="6" name="Text Box 5"/>
@@ -3984,6 +4353,7 @@
           <a:bodyPr wrap="square" rtlCol="0">
             <a:spAutoFit/>
           </a:bodyPr>
+          <a:lstStyle/>
           <a:p>
             <a:r>
               <a:rPr lang="en-US" altLang="en-GB" sz="3200" b="1">
@@ -4010,11 +4380,6 @@
               </a:rPr>
               <a:t> </a:t>
             </a:r>
-            <a:endParaRPr lang="en-US" altLang="en-GB" sz="2000" b="1">
-              <a:solidFill>
-                <a:schemeClr val="bg1"/>
-              </a:solidFill>
-            </a:endParaRPr>
           </a:p>
         </p:txBody>
       </p:sp>
@@ -4038,20 +4403,28 @@
           <a:bodyPr wrap="square" rtlCol="0">
             <a:spAutoFit/>
           </a:bodyPr>
+          <a:lstStyle/>
           <a:p>
             <a:pPr marL="914400" lvl="1" indent="-457200">
               <a:buFont typeface="Arial" panose="020B0604020202020204" pitchFamily="34" charset="0"/>
               <a:buChar char="•"/>
             </a:pPr>
             <a:r>
-              <a:rPr lang="en-US" altLang="en-GB" sz="2800" b="1"/>
-              <a:t>Driving licence: </a:t>
-            </a:r>
-            <a:r>
-              <a:rPr lang="en-US" altLang="en-GB" sz="2800"/>
+              <a:rPr lang="en-US" altLang="en-GB" sz="2800" b="1" dirty="0"/>
+              <a:t>Driving </a:t>
+            </a:r>
+            <a:r>
+              <a:rPr lang="en-US" altLang="en-GB" sz="2800" b="1" dirty="0" err="1"/>
+              <a:t>licence</a:t>
+            </a:r>
+            <a:r>
+              <a:rPr lang="en-US" altLang="en-GB" sz="2800" b="1" dirty="0"/>
+              <a:t>: </a:t>
+            </a:r>
+            <a:r>
+              <a:rPr lang="en-US" altLang="en-GB" sz="2800" dirty="0"/>
               <a:t>it identifies that you as a licensed driver, first condition to drive. earned by pass an examination</a:t>
             </a:r>
-            <a:endParaRPr lang="en-US" altLang="en-GB" sz="2800"/>
           </a:p>
           <a:p>
             <a:pPr lvl="2" indent="-457200">
@@ -4059,42 +4432,39 @@
               <a:buChar char="•"/>
             </a:pPr>
             <a:r>
-              <a:rPr lang="en-US" altLang="en-GB" sz="2800" b="1">
+              <a:rPr lang="en-US" altLang="en-GB" sz="2800" b="1" dirty="0">
                 <a:sym typeface="+mn-ea"/>
               </a:rPr>
               <a:t>Obey traffic rules:</a:t>
             </a:r>
-            <a:endParaRPr lang="en-US" altLang="en-GB" sz="2800" b="1">
-              <a:sym typeface="+mn-ea"/>
-            </a:endParaRPr>
           </a:p>
           <a:p>
             <a:pPr marL="457200" lvl="2" indent="0">
               <a:buFont typeface="Arial" panose="020B0604020202020204" pitchFamily="34" charset="0"/>
               <a:buNone/>
             </a:pPr>
-            <a:endParaRPr lang="en-US" altLang="en-GB" sz="2800"/>
+            <a:endParaRPr lang="en-US" altLang="en-GB" sz="2800" dirty="0"/>
           </a:p>
           <a:p>
             <a:pPr lvl="2" indent="-457200">
               <a:buFont typeface="Arial" panose="020B0604020202020204" pitchFamily="34" charset="0"/>
               <a:buChar char="•"/>
             </a:pPr>
-            <a:endParaRPr lang="en-US" altLang="en-GB" sz="2800"/>
+            <a:endParaRPr lang="en-US" altLang="en-GB" sz="2800" dirty="0"/>
           </a:p>
           <a:p>
             <a:pPr marL="914400" lvl="1" indent="-457200">
               <a:buFont typeface="Arial" panose="020B0604020202020204" pitchFamily="34" charset="0"/>
               <a:buChar char="•"/>
             </a:pPr>
-            <a:endParaRPr lang="en-US" altLang="en-GB" sz="2800"/>
+            <a:endParaRPr lang="en-US" altLang="en-GB" sz="2800" dirty="0"/>
           </a:p>
           <a:p>
             <a:pPr marL="914400" lvl="1" indent="-457200">
               <a:buFont typeface="Arial" panose="020B0604020202020204" pitchFamily="34" charset="0"/>
               <a:buChar char="•"/>
             </a:pPr>
-            <a:endParaRPr lang="en-US" altLang="en-GB" sz="2800"/>
+            <a:endParaRPr lang="en-US" altLang="en-GB" sz="2800" dirty="0"/>
           </a:p>
         </p:txBody>
       </p:sp>
@@ -4107,7 +4477,7 @@
           <p:nvPr/>
         </p:nvPicPr>
         <p:blipFill>
-          <a:blip r:embed="rId2"/>
+          <a:blip r:embed="rId4"/>
           <a:stretch>
             <a:fillRect/>
           </a:stretch>
@@ -4188,6 +4558,207 @@
                       </p:childTnLst>
                     </p:cTn>
                   </p:par>
+                  <p:par>
+                    <p:cTn id="8" fill="hold">
+                      <p:stCondLst>
+                        <p:cond delay="indefinite"/>
+                      </p:stCondLst>
+                      <p:childTnLst>
+                        <p:par>
+                          <p:cTn id="9" fill="hold">
+                            <p:stCondLst>
+                              <p:cond delay="0"/>
+                            </p:stCondLst>
+                            <p:childTnLst>
+                              <p:par>
+                                <p:cTn id="10" presetID="1" presetClass="entr" presetSubtype="0" fill="hold" nodeType="clickEffect">
+                                  <p:stCondLst>
+                                    <p:cond delay="0"/>
+                                  </p:stCondLst>
+                                  <p:childTnLst>
+                                    <p:set>
+                                      <p:cBhvr>
+                                        <p:cTn id="11" dur="1" fill="hold">
+                                          <p:stCondLst>
+                                            <p:cond delay="0"/>
+                                          </p:stCondLst>
+                                        </p:cTn>
+                                        <p:tgtEl>
+                                          <p:spTgt spid="13">
+                                            <p:txEl>
+                                              <p:pRg st="0" end="0"/>
+                                            </p:txEl>
+                                          </p:spTgt>
+                                        </p:tgtEl>
+                                        <p:attrNameLst>
+                                          <p:attrName>style.visibility</p:attrName>
+                                        </p:attrNameLst>
+                                      </p:cBhvr>
+                                      <p:to>
+                                        <p:strVal val="visible"/>
+                                      </p:to>
+                                    </p:set>
+                                  </p:childTnLst>
+                                </p:cTn>
+                              </p:par>
+                            </p:childTnLst>
+                          </p:cTn>
+                        </p:par>
+                      </p:childTnLst>
+                    </p:cTn>
+                  </p:par>
+                  <p:par>
+                    <p:cTn id="12" fill="hold">
+                      <p:stCondLst>
+                        <p:cond delay="indefinite"/>
+                      </p:stCondLst>
+                      <p:childTnLst>
+                        <p:par>
+                          <p:cTn id="13" fill="hold">
+                            <p:stCondLst>
+                              <p:cond delay="0"/>
+                            </p:stCondLst>
+                            <p:childTnLst>
+                              <p:par>
+                                <p:cTn id="14" presetID="10" presetClass="entr" presetSubtype="0" fill="hold" nodeType="clickEffect">
+                                  <p:stCondLst>
+                                    <p:cond delay="0"/>
+                                  </p:stCondLst>
+                                  <p:childTnLst>
+                                    <p:set>
+                                      <p:cBhvr>
+                                        <p:cTn id="15" dur="1" fill="hold">
+                                          <p:stCondLst>
+                                            <p:cond delay="0"/>
+                                          </p:stCondLst>
+                                        </p:cTn>
+                                        <p:tgtEl>
+                                          <p:spTgt spid="13">
+                                            <p:txEl>
+                                              <p:pRg st="1" end="1"/>
+                                            </p:txEl>
+                                          </p:spTgt>
+                                        </p:tgtEl>
+                                        <p:attrNameLst>
+                                          <p:attrName>style.visibility</p:attrName>
+                                        </p:attrNameLst>
+                                      </p:cBhvr>
+                                      <p:to>
+                                        <p:strVal val="visible"/>
+                                      </p:to>
+                                    </p:set>
+                                    <p:animEffect transition="in" filter="fade">
+                                      <p:cBhvr>
+                                        <p:cTn id="16" dur="500"/>
+                                        <p:tgtEl>
+                                          <p:spTgt spid="13">
+                                            <p:txEl>
+                                              <p:pRg st="1" end="1"/>
+                                            </p:txEl>
+                                          </p:spTgt>
+                                        </p:tgtEl>
+                                      </p:cBhvr>
+                                    </p:animEffect>
+                                  </p:childTnLst>
+                                </p:cTn>
+                              </p:par>
+                            </p:childTnLst>
+                          </p:cTn>
+                        </p:par>
+                      </p:childTnLst>
+                    </p:cTn>
+                  </p:par>
+                  <p:par>
+                    <p:cTn id="17" fill="hold">
+                      <p:stCondLst>
+                        <p:cond delay="indefinite"/>
+                      </p:stCondLst>
+                      <p:childTnLst>
+                        <p:par>
+                          <p:cTn id="18" fill="hold">
+                            <p:stCondLst>
+                              <p:cond delay="0"/>
+                            </p:stCondLst>
+                            <p:childTnLst>
+                              <p:par>
+                                <p:cTn id="19" presetID="2" presetClass="entr" presetSubtype="4" fill="hold" nodeType="clickEffect">
+                                  <p:stCondLst>
+                                    <p:cond delay="0"/>
+                                  </p:stCondLst>
+                                  <p:childTnLst>
+                                    <p:set>
+                                      <p:cBhvr>
+                                        <p:cTn id="20" dur="1" fill="hold">
+                                          <p:stCondLst>
+                                            <p:cond delay="0"/>
+                                          </p:stCondLst>
+                                        </p:cTn>
+                                        <p:tgtEl>
+                                          <p:spTgt spid="2"/>
+                                        </p:tgtEl>
+                                        <p:attrNameLst>
+                                          <p:attrName>style.visibility</p:attrName>
+                                        </p:attrNameLst>
+                                      </p:cBhvr>
+                                      <p:to>
+                                        <p:strVal val="visible"/>
+                                      </p:to>
+                                    </p:set>
+                                    <p:anim calcmode="lin" valueType="num">
+                                      <p:cBhvr additive="base">
+                                        <p:cTn id="21" dur="250" fill="hold"/>
+                                        <p:tgtEl>
+                                          <p:spTgt spid="2"/>
+                                        </p:tgtEl>
+                                        <p:attrNameLst>
+                                          <p:attrName>ppt_x</p:attrName>
+                                        </p:attrNameLst>
+                                      </p:cBhvr>
+                                      <p:tavLst>
+                                        <p:tav tm="0">
+                                          <p:val>
+                                            <p:strVal val="#ppt_x"/>
+                                          </p:val>
+                                        </p:tav>
+                                        <p:tav tm="100000">
+                                          <p:val>
+                                            <p:strVal val="#ppt_x"/>
+                                          </p:val>
+                                        </p:tav>
+                                      </p:tavLst>
+                                    </p:anim>
+                                    <p:anim calcmode="lin" valueType="num">
+                                      <p:cBhvr additive="base">
+                                        <p:cTn id="22" dur="250" fill="hold"/>
+                                        <p:tgtEl>
+                                          <p:spTgt spid="2"/>
+                                        </p:tgtEl>
+                                        <p:attrNameLst>
+                                          <p:attrName>ppt_y</p:attrName>
+                                        </p:attrNameLst>
+                                      </p:cBhvr>
+                                      <p:tavLst>
+                                        <p:tav tm="0">
+                                          <p:val>
+                                            <p:strVal val="1+#ppt_h/2"/>
+                                          </p:val>
+                                        </p:tav>
+                                        <p:tav tm="100000">
+                                          <p:val>
+                                            <p:strVal val="#ppt_y"/>
+                                          </p:val>
+                                        </p:tav>
+                                      </p:tavLst>
+                                    </p:anim>
+                                  </p:childTnLst>
+                                </p:cTn>
+                              </p:par>
+                            </p:childTnLst>
+                          </p:cTn>
+                        </p:par>
+                      </p:childTnLst>
+                    </p:cTn>
+                  </p:par>
                 </p:childTnLst>
               </p:cTn>
               <p:prevCondLst>
@@ -4222,7 +4793,7 @@
     <p:bg>
       <p:bgPr>
         <a:blipFill rotWithShape="1">
-          <a:blip r:embed="rId1"/>
+          <a:blip r:embed="rId3"/>
           <a:stretch>
             <a:fillRect/>
           </a:stretch>
@@ -4236,7 +4807,14 @@
         <p:cNvGrpSpPr/>
         <p:nvPr/>
       </p:nvGrpSpPr>
-      <p:grpSpPr/>
+      <p:grpSpPr>
+        <a:xfrm>
+          <a:off x="0" y="0"/>
+          <a:ext cx="0" cy="0"/>
+          <a:chOff x="0" y="0"/>
+          <a:chExt cx="0" cy="0"/>
+        </a:xfrm>
+      </p:grpSpPr>
       <p:sp>
         <p:nvSpPr>
           <p:cNvPr id="6" name="Text Box 5"/>
@@ -4257,9 +4835,10 @@
           <a:bodyPr wrap="square" rtlCol="0">
             <a:spAutoFit/>
           </a:bodyPr>
-          <a:p>
-            <a:r>
-              <a:rPr lang="en-US" altLang="en-GB" sz="3200" b="1">
+          <a:lstStyle/>
+          <a:p>
+            <a:r>
+              <a:rPr lang="en-US" altLang="en-GB" sz="3200" b="1" dirty="0">
                 <a:solidFill>
                   <a:schemeClr val="bg1"/>
                 </a:solidFill>
@@ -4267,18 +4846,13 @@
               <a:t>HOW: Driver factor - Obey traffic rules</a:t>
             </a:r>
             <a:r>
-              <a:rPr lang="en-US" altLang="en-GB" sz="2000" b="1">
+              <a:rPr lang="en-US" altLang="en-GB" sz="2000" b="1" dirty="0">
                 <a:solidFill>
                   <a:schemeClr val="bg1"/>
                 </a:solidFill>
               </a:rPr>
               <a:t> </a:t>
             </a:r>
-            <a:endParaRPr lang="en-US" altLang="en-GB" sz="2000" b="1">
-              <a:solidFill>
-                <a:schemeClr val="bg1"/>
-              </a:solidFill>
-            </a:endParaRPr>
           </a:p>
         </p:txBody>
       </p:sp>
@@ -4302,20 +4876,18 @@
           <a:bodyPr wrap="square" rtlCol="0">
             <a:spAutoFit/>
           </a:bodyPr>
+          <a:lstStyle/>
           <a:p>
             <a:pPr marL="914400" lvl="1" indent="-457200">
               <a:buFont typeface="Arial" panose="020B0604020202020204" pitchFamily="34" charset="0"/>
               <a:buChar char="•"/>
             </a:pPr>
             <a:r>
-              <a:rPr lang="en-US" altLang="en-GB" sz="2800" b="1">
+              <a:rPr lang="en-US" altLang="en-GB" sz="2800" b="1" dirty="0">
                 <a:sym typeface="+mn-ea"/>
               </a:rPr>
               <a:t>Obey traffic signs and signals:</a:t>
             </a:r>
-            <a:endParaRPr lang="en-US" altLang="en-GB" sz="2800" b="1">
-              <a:sym typeface="+mn-ea"/>
-            </a:endParaRPr>
           </a:p>
           <a:p>
             <a:pPr marL="1371600" lvl="2" indent="-457200">
@@ -4323,14 +4895,11 @@
               <a:buChar char=""/>
             </a:pPr>
             <a:r>
-              <a:rPr lang="en-US" altLang="en-GB" sz="2800" b="1">
+              <a:rPr lang="en-US" altLang="en-GB" sz="2800" b="1" dirty="0">
                 <a:sym typeface="+mn-ea"/>
               </a:rPr>
               <a:t>Prohibitive signs</a:t>
             </a:r>
-            <a:endParaRPr lang="en-US" altLang="en-GB" sz="2800" b="1">
-              <a:sym typeface="+mn-ea"/>
-            </a:endParaRPr>
           </a:p>
           <a:p>
             <a:pPr marL="1371600" lvl="2" indent="-457200">
@@ -4338,14 +4907,11 @@
               <a:buChar char=""/>
             </a:pPr>
             <a:r>
-              <a:rPr lang="en-US" altLang="en-GB" sz="2800" b="1">
+              <a:rPr lang="en-US" altLang="en-GB" sz="2800" b="1" dirty="0">
                 <a:sym typeface="+mn-ea"/>
               </a:rPr>
               <a:t>Danger warning signs</a:t>
             </a:r>
-            <a:endParaRPr lang="en-US" altLang="en-GB" sz="2800" b="1">
-              <a:sym typeface="+mn-ea"/>
-            </a:endParaRPr>
           </a:p>
           <a:p>
             <a:pPr marL="1371600" lvl="2" indent="-457200">
@@ -4353,14 +4919,11 @@
               <a:buChar char=""/>
             </a:pPr>
             <a:r>
-              <a:rPr lang="en-US" altLang="en-GB" sz="2800" b="1">
+              <a:rPr lang="en-US" altLang="en-GB" sz="2800" b="1" dirty="0">
                 <a:sym typeface="+mn-ea"/>
               </a:rPr>
               <a:t>Direction signs</a:t>
             </a:r>
-            <a:endParaRPr lang="en-US" altLang="en-GB" sz="2800" b="1">
-              <a:sym typeface="+mn-ea"/>
-            </a:endParaRPr>
           </a:p>
           <a:p>
             <a:pPr marL="1371600" lvl="2" indent="-457200">
@@ -4368,21 +4931,18 @@
               <a:buChar char=""/>
             </a:pPr>
             <a:r>
-              <a:rPr lang="en-US" altLang="en-GB" sz="2800" b="1">
+              <a:rPr lang="en-US" altLang="en-GB" sz="2800" b="1" dirty="0">
                 <a:sym typeface="+mn-ea"/>
               </a:rPr>
               <a:t>Mandatory signs</a:t>
             </a:r>
-            <a:endParaRPr lang="en-US" altLang="en-GB" sz="2800" b="1">
-              <a:sym typeface="+mn-ea"/>
-            </a:endParaRPr>
           </a:p>
           <a:p>
             <a:pPr marL="1371600" lvl="2" indent="-457200">
               <a:buFont typeface="Arial" panose="020B0604020202020204" pitchFamily="34" charset="0"/>
               <a:buNone/>
             </a:pPr>
-            <a:endParaRPr lang="en-US" altLang="en-GB" sz="2800" b="1">
+            <a:endParaRPr lang="en-US" altLang="en-GB" sz="2800" b="1" dirty="0">
               <a:sym typeface="+mn-ea"/>
             </a:endParaRPr>
           </a:p>
@@ -4391,28 +4951,28 @@
               <a:buFont typeface="Arial" panose="020B0604020202020204" pitchFamily="34" charset="0"/>
               <a:buNone/>
             </a:pPr>
-            <a:endParaRPr lang="en-US" altLang="en-GB" sz="2800"/>
+            <a:endParaRPr lang="en-US" altLang="en-GB" sz="2800" dirty="0"/>
           </a:p>
           <a:p>
             <a:pPr lvl="2" indent="-457200">
               <a:buFont typeface="Arial" panose="020B0604020202020204" pitchFamily="34" charset="0"/>
               <a:buChar char="•"/>
             </a:pPr>
-            <a:endParaRPr lang="en-US" altLang="en-GB" sz="2800"/>
+            <a:endParaRPr lang="en-US" altLang="en-GB" sz="2800" dirty="0"/>
           </a:p>
           <a:p>
             <a:pPr marL="914400" lvl="1" indent="-457200">
               <a:buFont typeface="Arial" panose="020B0604020202020204" pitchFamily="34" charset="0"/>
               <a:buChar char="•"/>
             </a:pPr>
-            <a:endParaRPr lang="en-US" altLang="en-GB" sz="2800"/>
+            <a:endParaRPr lang="en-US" altLang="en-GB" sz="2800" dirty="0"/>
           </a:p>
           <a:p>
             <a:pPr marL="914400" lvl="1" indent="-457200">
               <a:buFont typeface="Arial" panose="020B0604020202020204" pitchFamily="34" charset="0"/>
               <a:buChar char="•"/>
             </a:pPr>
-            <a:endParaRPr lang="en-US" altLang="en-GB" sz="2800"/>
+            <a:endParaRPr lang="en-US" altLang="en-GB" sz="2800" dirty="0"/>
           </a:p>
         </p:txBody>
       </p:sp>
@@ -4425,7 +4985,7 @@
           <p:nvPr/>
         </p:nvPicPr>
         <p:blipFill>
-          <a:blip r:embed="rId2"/>
+          <a:blip r:embed="rId4"/>
           <a:stretch>
             <a:fillRect/>
           </a:stretch>
@@ -4540,7 +5100,7 @@
     <p:bg>
       <p:bgPr>
         <a:blipFill rotWithShape="1">
-          <a:blip r:embed="rId1"/>
+          <a:blip r:embed="rId3"/>
           <a:stretch>
             <a:fillRect/>
           </a:stretch>
@@ -4554,7 +5114,14 @@
         <p:cNvGrpSpPr/>
         <p:nvPr/>
       </p:nvGrpSpPr>
-      <p:grpSpPr/>
+      <p:grpSpPr>
+        <a:xfrm>
+          <a:off x="0" y="0"/>
+          <a:ext cx="0" cy="0"/>
+          <a:chOff x="0" y="0"/>
+          <a:chExt cx="0" cy="0"/>
+        </a:xfrm>
+      </p:grpSpPr>
       <p:sp>
         <p:nvSpPr>
           <p:cNvPr id="6" name="Text Box 5"/>
@@ -4575,6 +5142,7 @@
           <a:bodyPr wrap="square" rtlCol="0">
             <a:spAutoFit/>
           </a:bodyPr>
+          <a:lstStyle/>
           <a:p>
             <a:r>
               <a:rPr lang="en-US" altLang="en-GB" sz="3200" b="1">
@@ -4592,11 +5160,6 @@
               </a:rPr>
               <a:t> </a:t>
             </a:r>
-            <a:endParaRPr lang="en-US" altLang="en-GB" sz="2000" b="1">
-              <a:solidFill>
-                <a:schemeClr val="bg1"/>
-              </a:solidFill>
-            </a:endParaRPr>
           </a:p>
         </p:txBody>
       </p:sp>
@@ -4620,6 +5183,7 @@
           <a:bodyPr wrap="square" rtlCol="0">
             <a:spAutoFit/>
           </a:bodyPr>
+          <a:lstStyle/>
           <a:p>
             <a:pPr marL="914400" lvl="1" indent="-457200">
               <a:buFont typeface="Arial" panose="020B0604020202020204" pitchFamily="34" charset="0"/>
@@ -4637,9 +5201,6 @@
               </a:rPr>
               <a:t>are usually red bordered white circles. They sometimes have a red slash on them.</a:t>
             </a:r>
-            <a:endParaRPr lang="en-US" altLang="en-GB" sz="2800">
-              <a:sym typeface="+mn-ea"/>
-            </a:endParaRPr>
           </a:p>
           <a:p>
             <a:pPr marL="914400" lvl="1" indent="-457200">
@@ -4698,7 +5259,7 @@
           <p:nvPr/>
         </p:nvPicPr>
         <p:blipFill>
-          <a:blip r:embed="rId2"/>
+          <a:blip r:embed="rId4"/>
           <a:stretch>
             <a:fillRect/>
           </a:stretch>
@@ -4722,7 +5283,7 @@
           <p:nvPr/>
         </p:nvPicPr>
         <p:blipFill>
-          <a:blip r:embed="rId3"/>
+          <a:blip r:embed="rId5"/>
           <a:stretch>
             <a:fillRect/>
           </a:stretch>
@@ -4746,7 +5307,7 @@
           <p:nvPr/>
         </p:nvPicPr>
         <p:blipFill>
-          <a:blip r:embed="rId4"/>
+          <a:blip r:embed="rId6"/>
           <a:stretch>
             <a:fillRect/>
           </a:stretch>
@@ -5002,7 +5563,7 @@
     <p:bg>
       <p:bgPr>
         <a:blipFill rotWithShape="1">
-          <a:blip r:embed="rId1"/>
+          <a:blip r:embed="rId3"/>
           <a:stretch>
             <a:fillRect/>
           </a:stretch>
@@ -5016,7 +5577,14 @@
         <p:cNvGrpSpPr/>
         <p:nvPr/>
       </p:nvGrpSpPr>
-      <p:grpSpPr/>
+      <p:grpSpPr>
+        <a:xfrm>
+          <a:off x="0" y="0"/>
+          <a:ext cx="0" cy="0"/>
+          <a:chOff x="0" y="0"/>
+          <a:chExt cx="0" cy="0"/>
+        </a:xfrm>
+      </p:grpSpPr>
       <p:sp>
         <p:nvSpPr>
           <p:cNvPr id="6" name="Text Box 5"/>
@@ -5037,6 +5605,7 @@
           <a:bodyPr wrap="square" rtlCol="0">
             <a:spAutoFit/>
           </a:bodyPr>
+          <a:lstStyle/>
           <a:p>
             <a:r>
               <a:rPr lang="en-US" altLang="en-GB" sz="3200" b="1">
@@ -5054,11 +5623,6 @@
               </a:rPr>
               <a:t> </a:t>
             </a:r>
-            <a:endParaRPr lang="en-US" altLang="en-GB" sz="2000" b="1">
-              <a:solidFill>
-                <a:schemeClr val="bg1"/>
-              </a:solidFill>
-            </a:endParaRPr>
           </a:p>
         </p:txBody>
       </p:sp>
@@ -5082,39 +5646,31 @@
           <a:bodyPr wrap="square" rtlCol="0">
             <a:spAutoFit/>
           </a:bodyPr>
+          <a:lstStyle/>
           <a:p>
             <a:pPr marL="914400" lvl="1" indent="-457200">
               <a:buFont typeface="Arial" panose="020B0604020202020204" pitchFamily="34" charset="0"/>
               <a:buChar char="•"/>
             </a:pPr>
             <a:r>
-              <a:rPr lang="en-US" altLang="en-GB" sz="2800" b="1">
+              <a:rPr lang="en-US" altLang="en-GB" sz="2800" b="1" dirty="0">
                 <a:sym typeface="+mn-ea"/>
               </a:rPr>
-              <a:t>Danger warning signs</a:t>
-            </a:r>
-            <a:r>
-              <a:rPr lang="en-US" altLang="en-GB" sz="2800" b="1">
-                <a:sym typeface="+mn-ea"/>
-              </a:rPr>
-              <a:t>: </a:t>
-            </a:r>
-            <a:r>
-              <a:rPr lang="en-US" altLang="en-GB" sz="2800">
+              <a:t>Danger warning signs: </a:t>
+            </a:r>
+            <a:r>
+              <a:rPr lang="en-US" altLang="en-GB" sz="2800" dirty="0">
                 <a:sym typeface="+mn-ea"/>
               </a:rPr>
               <a:t>are red bordered yellow triangles.</a:t>
             </a:r>
-            <a:endParaRPr lang="en-US" altLang="en-GB" sz="2800">
-              <a:sym typeface="+mn-ea"/>
-            </a:endParaRPr>
           </a:p>
           <a:p>
             <a:pPr marL="1371600" lvl="2" indent="-457200">
               <a:buFont typeface="Arial" panose="020B0604020202020204" pitchFamily="34" charset="0"/>
               <a:buNone/>
             </a:pPr>
-            <a:endParaRPr lang="en-US" altLang="en-GB" sz="2800" b="1">
+            <a:endParaRPr lang="en-US" altLang="en-GB" sz="2800" b="1" dirty="0">
               <a:sym typeface="+mn-ea"/>
             </a:endParaRPr>
           </a:p>
@@ -5123,97 +5679,55 @@
               <a:buFont typeface="Arial" panose="020B0604020202020204" pitchFamily="34" charset="0"/>
               <a:buNone/>
             </a:pPr>
-            <a:endParaRPr lang="en-US" altLang="en-GB" sz="2800"/>
+            <a:endParaRPr lang="en-US" altLang="en-GB" sz="2800" dirty="0"/>
           </a:p>
           <a:p>
             <a:pPr lvl="2" indent="-457200">
               <a:buFont typeface="Arial" panose="020B0604020202020204" pitchFamily="34" charset="0"/>
               <a:buChar char="•"/>
             </a:pPr>
-            <a:endParaRPr lang="en-US" altLang="en-GB" sz="2800"/>
+            <a:endParaRPr lang="en-US" altLang="en-GB" sz="2800" dirty="0"/>
           </a:p>
           <a:p>
             <a:pPr marL="914400" lvl="1" indent="-457200">
               <a:buFont typeface="Arial" panose="020B0604020202020204" pitchFamily="34" charset="0"/>
               <a:buChar char="•"/>
             </a:pPr>
-            <a:endParaRPr lang="en-US" altLang="en-GB" sz="2800"/>
+            <a:endParaRPr lang="en-US" altLang="en-GB" sz="2800" dirty="0"/>
           </a:p>
           <a:p>
             <a:pPr marL="914400" lvl="1" indent="-457200">
               <a:buFont typeface="Arial" panose="020B0604020202020204" pitchFamily="34" charset="0"/>
               <a:buChar char="•"/>
             </a:pPr>
-            <a:endParaRPr lang="en-US" altLang="en-GB" sz="2800"/>
+            <a:endParaRPr lang="en-US" altLang="en-GB" sz="2800" dirty="0"/>
           </a:p>
         </p:txBody>
       </p:sp>
       <p:pic>
         <p:nvPicPr>
-          <p:cNvPr id="2" name="Picture 1" descr="Image 3"/>
+          <p:cNvPr id="5" name="Picture 4"/>
           <p:cNvPicPr>
             <a:picLocks noChangeAspect="1"/>
           </p:cNvPicPr>
           <p:nvPr/>
         </p:nvPicPr>
         <p:blipFill>
-          <a:blip r:embed="rId2"/>
+          <a:blip r:embed="rId4">
+            <a:extLst>
+              <a:ext uri="{28A0092B-C50C-407E-A947-70E740481C1C}">
+                <a14:useLocalDpi xmlns:a14="http://schemas.microsoft.com/office/drawing/2010/main" val="0"/>
+              </a:ext>
+            </a:extLst>
+          </a:blip>
           <a:stretch>
             <a:fillRect/>
           </a:stretch>
         </p:blipFill>
         <p:spPr>
           <a:xfrm>
-            <a:off x="869315" y="2493010"/>
-            <a:ext cx="6666865" cy="1362075"/>
-          </a:xfrm>
-          <a:prstGeom prst="rect">
-            <a:avLst/>
-          </a:prstGeom>
-        </p:spPr>
-      </p:pic>
-      <p:pic>
-        <p:nvPicPr>
-          <p:cNvPr id="4" name="Picture 3" descr="Image 4"/>
-          <p:cNvPicPr>
-            <a:picLocks noChangeAspect="1"/>
-          </p:cNvPicPr>
-          <p:nvPr/>
-        </p:nvPicPr>
-        <p:blipFill>
-          <a:blip r:embed="rId3"/>
-          <a:stretch>
-            <a:fillRect/>
-          </a:stretch>
-        </p:blipFill>
-        <p:spPr>
-          <a:xfrm>
-            <a:off x="888365" y="4271645"/>
-            <a:ext cx="6647815" cy="1362075"/>
-          </a:xfrm>
-          <a:prstGeom prst="rect">
-            <a:avLst/>
-          </a:prstGeom>
-        </p:spPr>
-      </p:pic>
-      <p:pic>
-        <p:nvPicPr>
-          <p:cNvPr id="7" name="Picture 6" descr="Image 6"/>
-          <p:cNvPicPr>
-            <a:picLocks noChangeAspect="1"/>
-          </p:cNvPicPr>
-          <p:nvPr/>
-        </p:nvPicPr>
-        <p:blipFill>
-          <a:blip r:embed="rId4"/>
-          <a:stretch>
-            <a:fillRect/>
-          </a:stretch>
-        </p:blipFill>
-        <p:spPr>
-          <a:xfrm>
-            <a:off x="7982585" y="1228725"/>
-            <a:ext cx="7641590" cy="5621655"/>
+            <a:off x="1054734" y="2228447"/>
+            <a:ext cx="6376375" cy="4362783"/>
           </a:xfrm>
           <a:prstGeom prst="rect">
             <a:avLst/>
@@ -5286,33 +5800,265 @@
                       </p:childTnLst>
                     </p:cTn>
                   </p:par>
+                </p:childTnLst>
+              </p:cTn>
+              <p:prevCondLst>
+                <p:cond evt="onPrev" delay="0">
+                  <p:tgtEl>
+                    <p:sldTgt/>
+                  </p:tgtEl>
+                </p:cond>
+              </p:prevCondLst>
+              <p:nextCondLst>
+                <p:cond evt="onNext" delay="0">
+                  <p:tgtEl>
+                    <p:sldTgt/>
+                  </p:tgtEl>
+                </p:cond>
+              </p:nextCondLst>
+            </p:seq>
+          </p:childTnLst>
+        </p:cTn>
+      </p:par>
+    </p:tnLst>
+    <p:bldLst>
+      <p:bldP spid="13" grpId="0"/>
+    </p:bldLst>
+  </p:timing>
+</p:sld>
+</file>
+
+<file path=ppt/slides/slide15.xml><?xml version="1.0" encoding="utf-8"?>
+<p:sld xmlns:a="http://schemas.openxmlformats.org/drawingml/2006/main" xmlns:r="http://schemas.openxmlformats.org/officeDocument/2006/relationships" xmlns:p="http://schemas.openxmlformats.org/presentationml/2006/main">
+  <p:cSld>
+    <p:bg>
+      <p:bgPr>
+        <a:blipFill rotWithShape="1">
+          <a:blip r:embed="rId3"/>
+          <a:stretch>
+            <a:fillRect/>
+          </a:stretch>
+        </a:blipFill>
+        <a:effectLst/>
+      </p:bgPr>
+    </p:bg>
+    <p:spTree>
+      <p:nvGrpSpPr>
+        <p:cNvPr id="1" name=""/>
+        <p:cNvGrpSpPr/>
+        <p:nvPr/>
+      </p:nvGrpSpPr>
+      <p:grpSpPr>
+        <a:xfrm>
+          <a:off x="0" y="0"/>
+          <a:ext cx="0" cy="0"/>
+          <a:chOff x="0" y="0"/>
+          <a:chExt cx="0" cy="0"/>
+        </a:xfrm>
+      </p:grpSpPr>
+      <p:sp>
+        <p:nvSpPr>
+          <p:cNvPr id="6" name="Text Box 5"/>
+          <p:cNvSpPr txBox="1"/>
+          <p:nvPr/>
+        </p:nvSpPr>
+        <p:spPr>
+          <a:xfrm>
+            <a:off x="1054735" y="372745"/>
+            <a:ext cx="7292340" cy="583565"/>
+          </a:xfrm>
+          <a:prstGeom prst="rect">
+            <a:avLst/>
+          </a:prstGeom>
+          <a:noFill/>
+        </p:spPr>
+        <p:txBody>
+          <a:bodyPr wrap="square" rtlCol="0">
+            <a:spAutoFit/>
+          </a:bodyPr>
+          <a:lstStyle/>
+          <a:p>
+            <a:r>
+              <a:rPr lang="en-US" altLang="en-GB" sz="3200" b="1">
+                <a:solidFill>
+                  <a:schemeClr val="bg1"/>
+                </a:solidFill>
+              </a:rPr>
+              <a:t>HOW: Obey traffic signs and signals</a:t>
+            </a:r>
+            <a:r>
+              <a:rPr lang="en-US" altLang="en-GB" sz="2000" b="1">
+                <a:solidFill>
+                  <a:schemeClr val="bg1"/>
+                </a:solidFill>
+              </a:rPr>
+              <a:t> </a:t>
+            </a:r>
+          </a:p>
+        </p:txBody>
+      </p:sp>
+      <p:sp>
+        <p:nvSpPr>
+          <p:cNvPr id="13" name="Text Box 12"/>
+          <p:cNvSpPr txBox="1"/>
+          <p:nvPr/>
+        </p:nvSpPr>
+        <p:spPr>
+          <a:xfrm>
+            <a:off x="0" y="1228725"/>
+            <a:ext cx="8241030" cy="2677656"/>
+          </a:xfrm>
+          <a:prstGeom prst="rect">
+            <a:avLst/>
+          </a:prstGeom>
+          <a:noFill/>
+        </p:spPr>
+        <p:txBody>
+          <a:bodyPr wrap="square" rtlCol="0">
+            <a:spAutoFit/>
+          </a:bodyPr>
+          <a:lstStyle/>
+          <a:p>
+            <a:pPr marL="914400" lvl="1" indent="-457200">
+              <a:buFont typeface="Arial" panose="020B0604020202020204" pitchFamily="34" charset="0"/>
+              <a:buChar char="•"/>
+            </a:pPr>
+            <a:r>
+              <a:rPr lang="en-US" altLang="en-GB" sz="2800" b="1" dirty="0" smtClean="0">
+                <a:sym typeface="+mn-ea"/>
+              </a:rPr>
+              <a:t>Information signs: </a:t>
+            </a:r>
+            <a:r>
+              <a:rPr lang="en-US" altLang="en-GB" sz="2800" dirty="0">
+                <a:sym typeface="+mn-ea"/>
+              </a:rPr>
+              <a:t>are </a:t>
+            </a:r>
+            <a:r>
+              <a:rPr lang="en-US" altLang="en-GB" sz="2800" dirty="0" smtClean="0">
+                <a:sym typeface="+mn-ea"/>
+              </a:rPr>
+              <a:t>blue rectangles.</a:t>
+            </a:r>
+            <a:endParaRPr lang="en-US" altLang="en-GB" sz="2800" dirty="0">
+              <a:sym typeface="+mn-ea"/>
+            </a:endParaRPr>
+          </a:p>
+          <a:p>
+            <a:pPr marL="1371600" lvl="2" indent="-457200">
+              <a:buFont typeface="Arial" panose="020B0604020202020204" pitchFamily="34" charset="0"/>
+              <a:buNone/>
+            </a:pPr>
+            <a:endParaRPr lang="en-US" altLang="en-GB" sz="2800" b="1" dirty="0">
+              <a:sym typeface="+mn-ea"/>
+            </a:endParaRPr>
+          </a:p>
+          <a:p>
+            <a:pPr marL="457200" lvl="2" indent="0">
+              <a:buFont typeface="Arial" panose="020B0604020202020204" pitchFamily="34" charset="0"/>
+              <a:buNone/>
+            </a:pPr>
+            <a:endParaRPr lang="en-US" altLang="en-GB" sz="2800" dirty="0"/>
+          </a:p>
+          <a:p>
+            <a:pPr lvl="2" indent="-457200">
+              <a:buFont typeface="Arial" panose="020B0604020202020204" pitchFamily="34" charset="0"/>
+              <a:buChar char="•"/>
+            </a:pPr>
+            <a:endParaRPr lang="en-US" altLang="en-GB" sz="2800" dirty="0"/>
+          </a:p>
+          <a:p>
+            <a:pPr marL="914400" lvl="1" indent="-457200">
+              <a:buFont typeface="Arial" panose="020B0604020202020204" pitchFamily="34" charset="0"/>
+              <a:buChar char="•"/>
+            </a:pPr>
+            <a:endParaRPr lang="en-US" altLang="en-GB" sz="2800" dirty="0"/>
+          </a:p>
+          <a:p>
+            <a:pPr marL="914400" lvl="1" indent="-457200">
+              <a:buFont typeface="Arial" panose="020B0604020202020204" pitchFamily="34" charset="0"/>
+              <a:buChar char="•"/>
+            </a:pPr>
+            <a:endParaRPr lang="en-US" altLang="en-GB" sz="2800" dirty="0"/>
+          </a:p>
+        </p:txBody>
+      </p:sp>
+      <p:pic>
+        <p:nvPicPr>
+          <p:cNvPr id="2" name="Picture 1"/>
+          <p:cNvPicPr>
+            <a:picLocks noChangeAspect="1"/>
+          </p:cNvPicPr>
+          <p:nvPr/>
+        </p:nvPicPr>
+        <p:blipFill>
+          <a:blip r:embed="rId4">
+            <a:extLst>
+              <a:ext uri="{28A0092B-C50C-407E-A947-70E740481C1C}">
+                <a14:useLocalDpi xmlns:a14="http://schemas.microsoft.com/office/drawing/2010/main" val="0"/>
+              </a:ext>
+            </a:extLst>
+          </a:blip>
+          <a:stretch>
+            <a:fillRect/>
+          </a:stretch>
+        </p:blipFill>
+        <p:spPr>
+          <a:xfrm>
+            <a:off x="517996" y="1839018"/>
+            <a:ext cx="7723033" cy="4704029"/>
+          </a:xfrm>
+          <a:prstGeom prst="rect">
+            <a:avLst/>
+          </a:prstGeom>
+        </p:spPr>
+      </p:pic>
+    </p:spTree>
+    <p:extLst>
+      <p:ext uri="{BB962C8B-B14F-4D97-AF65-F5344CB8AC3E}">
+        <p14:creationId xmlns:p14="http://schemas.microsoft.com/office/powerpoint/2010/main" val="3912907017"/>
+      </p:ext>
+    </p:extLst>
+  </p:cSld>
+  <p:clrMapOvr>
+    <a:masterClrMapping/>
+  </p:clrMapOvr>
+  <p:timing>
+    <p:tnLst>
+      <p:par>
+        <p:cTn id="1" dur="indefinite" restart="never" nodeType="tmRoot">
+          <p:childTnLst>
+            <p:seq concurrent="1" nextAc="seek">
+              <p:cTn id="2" dur="indefinite" nodeType="mainSeq">
+                <p:childTnLst>
                   <p:par>
-                    <p:cTn id="8" fill="hold">
+                    <p:cTn id="3" fill="hold">
                       <p:stCondLst>
                         <p:cond delay="indefinite"/>
                       </p:stCondLst>
                       <p:childTnLst>
                         <p:par>
-                          <p:cTn id="9" fill="hold">
+                          <p:cTn id="4" fill="hold">
                             <p:stCondLst>
                               <p:cond delay="0"/>
                             </p:stCondLst>
                             <p:childTnLst>
                               <p:par>
-                                <p:cTn id="10" presetID="5" presetClass="entr" presetSubtype="10" fill="hold" nodeType="clickEffect">
+                                <p:cTn id="5" presetID="5" presetClass="entr" presetSubtype="10" fill="hold" grpId="0" nodeType="clickEffect">
                                   <p:stCondLst>
                                     <p:cond delay="0"/>
                                   </p:stCondLst>
                                   <p:childTnLst>
                                     <p:set>
                                       <p:cBhvr>
-                                        <p:cTn id="11" dur="1" fill="hold">
+                                        <p:cTn id="6" dur="1" fill="hold">
                                           <p:stCondLst>
                                             <p:cond delay="0"/>
                                           </p:stCondLst>
                                         </p:cTn>
                                         <p:tgtEl>
-                                          <p:spTgt spid="4"/>
+                                          <p:spTgt spid="13"/>
                                         </p:tgtEl>
                                         <p:attrNameLst>
                                           <p:attrName>style.visibility</p:attrName>
@@ -5324,44 +6070,9 @@
                                     </p:set>
                                     <p:animEffect transition="in" filter="checkerboard(across)">
                                       <p:cBhvr>
-                                        <p:cTn id="12" dur="500"/>
+                                        <p:cTn id="7" dur="500"/>
                                         <p:tgtEl>
-                                          <p:spTgt spid="4"/>
-                                        </p:tgtEl>
-                                      </p:cBhvr>
-                                    </p:animEffect>
-                                  </p:childTnLst>
-                                </p:cTn>
-                              </p:par>
-                              <p:par>
-                                <p:cTn id="13" presetID="5" presetClass="entr" presetSubtype="10" fill="hold" nodeType="withEffect">
-                                  <p:stCondLst>
-                                    <p:cond delay="0"/>
-                                  </p:stCondLst>
-                                  <p:childTnLst>
-                                    <p:set>
-                                      <p:cBhvr>
-                                        <p:cTn id="14" dur="1" fill="hold">
-                                          <p:stCondLst>
-                                            <p:cond delay="0"/>
-                                          </p:stCondLst>
-                                        </p:cTn>
-                                        <p:tgtEl>
-                                          <p:spTgt spid="2"/>
-                                        </p:tgtEl>
-                                        <p:attrNameLst>
-                                          <p:attrName>style.visibility</p:attrName>
-                                        </p:attrNameLst>
-                                      </p:cBhvr>
-                                      <p:to>
-                                        <p:strVal val="visible"/>
-                                      </p:to>
-                                    </p:set>
-                                    <p:animEffect transition="in" filter="checkerboard(across)">
-                                      <p:cBhvr>
-                                        <p:cTn id="15" dur="500"/>
-                                        <p:tgtEl>
-                                          <p:spTgt spid="2"/>
+                                          <p:spTgt spid="13"/>
                                         </p:tgtEl>
                                       </p:cBhvr>
                                     </p:animEffect>
@@ -5374,33 +6085,475 @@
                       </p:childTnLst>
                     </p:cTn>
                   </p:par>
+                </p:childTnLst>
+              </p:cTn>
+              <p:prevCondLst>
+                <p:cond evt="onPrev" delay="0">
+                  <p:tgtEl>
+                    <p:sldTgt/>
+                  </p:tgtEl>
+                </p:cond>
+              </p:prevCondLst>
+              <p:nextCondLst>
+                <p:cond evt="onNext" delay="0">
+                  <p:tgtEl>
+                    <p:sldTgt/>
+                  </p:tgtEl>
+                </p:cond>
+              </p:nextCondLst>
+            </p:seq>
+          </p:childTnLst>
+        </p:cTn>
+      </p:par>
+    </p:tnLst>
+    <p:bldLst>
+      <p:bldP spid="13" grpId="0"/>
+    </p:bldLst>
+  </p:timing>
+</p:sld>
+</file>
+
+<file path=ppt/slides/slide16.xml><?xml version="1.0" encoding="utf-8"?>
+<p:sld xmlns:a="http://schemas.openxmlformats.org/drawingml/2006/main" xmlns:r="http://schemas.openxmlformats.org/officeDocument/2006/relationships" xmlns:p="http://schemas.openxmlformats.org/presentationml/2006/main">
+  <p:cSld>
+    <p:bg>
+      <p:bgPr>
+        <a:blipFill rotWithShape="1">
+          <a:blip r:embed="rId3"/>
+          <a:stretch>
+            <a:fillRect/>
+          </a:stretch>
+        </a:blipFill>
+        <a:effectLst/>
+      </p:bgPr>
+    </p:bg>
+    <p:spTree>
+      <p:nvGrpSpPr>
+        <p:cNvPr id="1" name=""/>
+        <p:cNvGrpSpPr/>
+        <p:nvPr/>
+      </p:nvGrpSpPr>
+      <p:grpSpPr>
+        <a:xfrm>
+          <a:off x="0" y="0"/>
+          <a:ext cx="0" cy="0"/>
+          <a:chOff x="0" y="0"/>
+          <a:chExt cx="0" cy="0"/>
+        </a:xfrm>
+      </p:grpSpPr>
+      <p:sp>
+        <p:nvSpPr>
+          <p:cNvPr id="6" name="Text Box 5"/>
+          <p:cNvSpPr txBox="1"/>
+          <p:nvPr/>
+        </p:nvSpPr>
+        <p:spPr>
+          <a:xfrm>
+            <a:off x="1054735" y="372745"/>
+            <a:ext cx="7292340" cy="583565"/>
+          </a:xfrm>
+          <a:prstGeom prst="rect">
+            <a:avLst/>
+          </a:prstGeom>
+          <a:noFill/>
+        </p:spPr>
+        <p:txBody>
+          <a:bodyPr wrap="square" rtlCol="0">
+            <a:spAutoFit/>
+          </a:bodyPr>
+          <a:lstStyle/>
+          <a:p>
+            <a:r>
+              <a:rPr lang="en-US" altLang="en-GB" sz="3200" b="1">
+                <a:solidFill>
+                  <a:schemeClr val="bg1"/>
+                </a:solidFill>
+              </a:rPr>
+              <a:t>HOW: Obey traffic signs and signals</a:t>
+            </a:r>
+            <a:r>
+              <a:rPr lang="en-US" altLang="en-GB" sz="2000" b="1">
+                <a:solidFill>
+                  <a:schemeClr val="bg1"/>
+                </a:solidFill>
+              </a:rPr>
+              <a:t> </a:t>
+            </a:r>
+          </a:p>
+        </p:txBody>
+      </p:sp>
+      <p:sp>
+        <p:nvSpPr>
+          <p:cNvPr id="13" name="Text Box 12"/>
+          <p:cNvSpPr txBox="1"/>
+          <p:nvPr/>
+        </p:nvSpPr>
+        <p:spPr>
+          <a:xfrm>
+            <a:off x="0" y="1228725"/>
+            <a:ext cx="8241030" cy="2677656"/>
+          </a:xfrm>
+          <a:prstGeom prst="rect">
+            <a:avLst/>
+          </a:prstGeom>
+          <a:noFill/>
+        </p:spPr>
+        <p:txBody>
+          <a:bodyPr wrap="square" rtlCol="0">
+            <a:spAutoFit/>
+          </a:bodyPr>
+          <a:lstStyle/>
+          <a:p>
+            <a:pPr marL="914400" lvl="1" indent="-457200">
+              <a:buFont typeface="Arial" panose="020B0604020202020204" pitchFamily="34" charset="0"/>
+              <a:buChar char="•"/>
+            </a:pPr>
+            <a:r>
+              <a:rPr lang="en-US" altLang="en-GB" sz="2800" b="1" dirty="0" smtClean="0">
+                <a:sym typeface="+mn-ea"/>
+              </a:rPr>
+              <a:t>Mandatory signs: </a:t>
+            </a:r>
+            <a:r>
+              <a:rPr lang="en-US" altLang="en-GB" sz="2800" dirty="0" smtClean="0">
+                <a:sym typeface="+mn-ea"/>
+              </a:rPr>
+              <a:t>normally are blue circle</a:t>
+            </a:r>
+            <a:r>
+              <a:rPr lang="en-US" altLang="en-GB" sz="2800" dirty="0" smtClean="0">
+                <a:sym typeface="+mn-ea"/>
+              </a:rPr>
+              <a:t>.</a:t>
+            </a:r>
+            <a:endParaRPr lang="en-US" altLang="en-GB" sz="2800" dirty="0">
+              <a:sym typeface="+mn-ea"/>
+            </a:endParaRPr>
+          </a:p>
+          <a:p>
+            <a:pPr marL="1371600" lvl="2" indent="-457200">
+              <a:buFont typeface="Arial" panose="020B0604020202020204" pitchFamily="34" charset="0"/>
+              <a:buNone/>
+            </a:pPr>
+            <a:endParaRPr lang="en-US" altLang="en-GB" sz="2800" b="1" dirty="0">
+              <a:sym typeface="+mn-ea"/>
+            </a:endParaRPr>
+          </a:p>
+          <a:p>
+            <a:pPr marL="457200" lvl="2" indent="0">
+              <a:buFont typeface="Arial" panose="020B0604020202020204" pitchFamily="34" charset="0"/>
+              <a:buNone/>
+            </a:pPr>
+            <a:endParaRPr lang="en-US" altLang="en-GB" sz="2800" dirty="0"/>
+          </a:p>
+          <a:p>
+            <a:pPr lvl="2" indent="-457200">
+              <a:buFont typeface="Arial" panose="020B0604020202020204" pitchFamily="34" charset="0"/>
+              <a:buChar char="•"/>
+            </a:pPr>
+            <a:endParaRPr lang="en-US" altLang="en-GB" sz="2800" dirty="0"/>
+          </a:p>
+          <a:p>
+            <a:pPr marL="914400" lvl="1" indent="-457200">
+              <a:buFont typeface="Arial" panose="020B0604020202020204" pitchFamily="34" charset="0"/>
+              <a:buChar char="•"/>
+            </a:pPr>
+            <a:endParaRPr lang="en-US" altLang="en-GB" sz="2800" dirty="0"/>
+          </a:p>
+          <a:p>
+            <a:pPr marL="914400" lvl="1" indent="-457200">
+              <a:buFont typeface="Arial" panose="020B0604020202020204" pitchFamily="34" charset="0"/>
+              <a:buChar char="•"/>
+            </a:pPr>
+            <a:endParaRPr lang="en-US" altLang="en-GB" sz="2800" dirty="0"/>
+          </a:p>
+        </p:txBody>
+      </p:sp>
+      <p:pic>
+        <p:nvPicPr>
+          <p:cNvPr id="7" name="Picture 6"/>
+          <p:cNvPicPr>
+            <a:picLocks noChangeAspect="1"/>
+          </p:cNvPicPr>
+          <p:nvPr/>
+        </p:nvPicPr>
+        <p:blipFill>
+          <a:blip r:embed="rId4">
+            <a:extLst>
+              <a:ext uri="{28A0092B-C50C-407E-A947-70E740481C1C}">
+                <a14:useLocalDpi xmlns:a14="http://schemas.microsoft.com/office/drawing/2010/main" val="0"/>
+              </a:ext>
+            </a:extLst>
+          </a:blip>
+          <a:stretch>
+            <a:fillRect/>
+          </a:stretch>
+        </p:blipFill>
+        <p:spPr>
+          <a:xfrm>
+            <a:off x="1006102" y="1959472"/>
+            <a:ext cx="1337341" cy="1337341"/>
+          </a:xfrm>
+          <a:prstGeom prst="rect">
+            <a:avLst/>
+          </a:prstGeom>
+        </p:spPr>
+      </p:pic>
+      <p:pic>
+        <p:nvPicPr>
+          <p:cNvPr id="8" name="Picture 7"/>
+          <p:cNvPicPr>
+            <a:picLocks noChangeAspect="1"/>
+          </p:cNvPicPr>
+          <p:nvPr/>
+        </p:nvPicPr>
+        <p:blipFill>
+          <a:blip r:embed="rId5">
+            <a:extLst>
+              <a:ext uri="{28A0092B-C50C-407E-A947-70E740481C1C}">
+                <a14:useLocalDpi xmlns:a14="http://schemas.microsoft.com/office/drawing/2010/main" val="0"/>
+              </a:ext>
+            </a:extLst>
+          </a:blip>
+          <a:stretch>
+            <a:fillRect/>
+          </a:stretch>
+        </p:blipFill>
+        <p:spPr>
+          <a:xfrm>
+            <a:off x="2888355" y="1959472"/>
+            <a:ext cx="1337341" cy="1337341"/>
+          </a:xfrm>
+          <a:prstGeom prst="rect">
+            <a:avLst/>
+          </a:prstGeom>
+        </p:spPr>
+      </p:pic>
+      <p:pic>
+        <p:nvPicPr>
+          <p:cNvPr id="9" name="Picture 8"/>
+          <p:cNvPicPr>
+            <a:picLocks noChangeAspect="1"/>
+          </p:cNvPicPr>
+          <p:nvPr/>
+        </p:nvPicPr>
+        <p:blipFill>
+          <a:blip r:embed="rId6">
+            <a:extLst>
+              <a:ext uri="{28A0092B-C50C-407E-A947-70E740481C1C}">
+                <a14:useLocalDpi xmlns:a14="http://schemas.microsoft.com/office/drawing/2010/main" val="0"/>
+              </a:ext>
+            </a:extLst>
+          </a:blip>
+          <a:stretch>
+            <a:fillRect/>
+          </a:stretch>
+        </p:blipFill>
+        <p:spPr>
+          <a:xfrm>
+            <a:off x="4863193" y="1959472"/>
+            <a:ext cx="1337341" cy="1337341"/>
+          </a:xfrm>
+          <a:prstGeom prst="rect">
+            <a:avLst/>
+          </a:prstGeom>
+        </p:spPr>
+      </p:pic>
+      <p:pic>
+        <p:nvPicPr>
+          <p:cNvPr id="10" name="Picture 9"/>
+          <p:cNvPicPr>
+            <a:picLocks noChangeAspect="1"/>
+          </p:cNvPicPr>
+          <p:nvPr/>
+        </p:nvPicPr>
+        <p:blipFill>
+          <a:blip r:embed="rId7">
+            <a:extLst>
+              <a:ext uri="{28A0092B-C50C-407E-A947-70E740481C1C}">
+                <a14:useLocalDpi xmlns:a14="http://schemas.microsoft.com/office/drawing/2010/main" val="0"/>
+              </a:ext>
+            </a:extLst>
+          </a:blip>
+          <a:stretch>
+            <a:fillRect/>
+          </a:stretch>
+        </p:blipFill>
+        <p:spPr>
+          <a:xfrm>
+            <a:off x="6814120" y="1959472"/>
+            <a:ext cx="1337341" cy="1337341"/>
+          </a:xfrm>
+          <a:prstGeom prst="rect">
+            <a:avLst/>
+          </a:prstGeom>
+        </p:spPr>
+      </p:pic>
+      <p:pic>
+        <p:nvPicPr>
+          <p:cNvPr id="11" name="Picture 10"/>
+          <p:cNvPicPr>
+            <a:picLocks noChangeAspect="1"/>
+          </p:cNvPicPr>
+          <p:nvPr/>
+        </p:nvPicPr>
+        <p:blipFill>
+          <a:blip r:embed="rId8">
+            <a:extLst>
+              <a:ext uri="{28A0092B-C50C-407E-A947-70E740481C1C}">
+                <a14:useLocalDpi xmlns:a14="http://schemas.microsoft.com/office/drawing/2010/main" val="0"/>
+              </a:ext>
+            </a:extLst>
+          </a:blip>
+          <a:stretch>
+            <a:fillRect/>
+          </a:stretch>
+        </p:blipFill>
+        <p:spPr>
+          <a:xfrm>
+            <a:off x="1006102" y="4178796"/>
+            <a:ext cx="1337341" cy="1337341"/>
+          </a:xfrm>
+          <a:prstGeom prst="rect">
+            <a:avLst/>
+          </a:prstGeom>
+        </p:spPr>
+      </p:pic>
+      <p:pic>
+        <p:nvPicPr>
+          <p:cNvPr id="12" name="Picture 11"/>
+          <p:cNvPicPr>
+            <a:picLocks noChangeAspect="1"/>
+          </p:cNvPicPr>
+          <p:nvPr/>
+        </p:nvPicPr>
+        <p:blipFill>
+          <a:blip r:embed="rId9">
+            <a:extLst>
+              <a:ext uri="{28A0092B-C50C-407E-A947-70E740481C1C}">
+                <a14:useLocalDpi xmlns:a14="http://schemas.microsoft.com/office/drawing/2010/main" val="0"/>
+              </a:ext>
+            </a:extLst>
+          </a:blip>
+          <a:stretch>
+            <a:fillRect/>
+          </a:stretch>
+        </p:blipFill>
+        <p:spPr>
+          <a:xfrm>
+            <a:off x="4863193" y="4156324"/>
+            <a:ext cx="1337341" cy="1337341"/>
+          </a:xfrm>
+          <a:prstGeom prst="rect">
+            <a:avLst/>
+          </a:prstGeom>
+        </p:spPr>
+      </p:pic>
+      <p:pic>
+        <p:nvPicPr>
+          <p:cNvPr id="14" name="Picture 13"/>
+          <p:cNvPicPr>
+            <a:picLocks noChangeAspect="1"/>
+          </p:cNvPicPr>
+          <p:nvPr/>
+        </p:nvPicPr>
+        <p:blipFill>
+          <a:blip r:embed="rId10">
+            <a:extLst>
+              <a:ext uri="{28A0092B-C50C-407E-A947-70E740481C1C}">
+                <a14:useLocalDpi xmlns:a14="http://schemas.microsoft.com/office/drawing/2010/main" val="0"/>
+              </a:ext>
+            </a:extLst>
+          </a:blip>
+          <a:stretch>
+            <a:fillRect/>
+          </a:stretch>
+        </p:blipFill>
+        <p:spPr>
+          <a:xfrm>
+            <a:off x="2902000" y="4156324"/>
+            <a:ext cx="1337341" cy="1337341"/>
+          </a:xfrm>
+          <a:prstGeom prst="rect">
+            <a:avLst/>
+          </a:prstGeom>
+        </p:spPr>
+      </p:pic>
+      <p:pic>
+        <p:nvPicPr>
+          <p:cNvPr id="15" name="Picture 14"/>
+          <p:cNvPicPr>
+            <a:picLocks noChangeAspect="1"/>
+          </p:cNvPicPr>
+          <p:nvPr/>
+        </p:nvPicPr>
+        <p:blipFill>
+          <a:blip r:embed="rId11">
+            <a:extLst>
+              <a:ext uri="{28A0092B-C50C-407E-A947-70E740481C1C}">
+                <a14:useLocalDpi xmlns:a14="http://schemas.microsoft.com/office/drawing/2010/main" val="0"/>
+              </a:ext>
+            </a:extLst>
+          </a:blip>
+          <a:stretch>
+            <a:fillRect/>
+          </a:stretch>
+        </p:blipFill>
+        <p:spPr>
+          <a:xfrm>
+            <a:off x="6923420" y="3893433"/>
+            <a:ext cx="1177498" cy="1674853"/>
+          </a:xfrm>
+          <a:prstGeom prst="rect">
+            <a:avLst/>
+          </a:prstGeom>
+        </p:spPr>
+      </p:pic>
+    </p:spTree>
+    <p:extLst>
+      <p:ext uri="{BB962C8B-B14F-4D97-AF65-F5344CB8AC3E}">
+        <p14:creationId xmlns:p14="http://schemas.microsoft.com/office/powerpoint/2010/main" val="3006331266"/>
+      </p:ext>
+    </p:extLst>
+  </p:cSld>
+  <p:clrMapOvr>
+    <a:masterClrMapping/>
+  </p:clrMapOvr>
+  <p:timing>
+    <p:tnLst>
+      <p:par>
+        <p:cTn id="1" dur="indefinite" restart="never" nodeType="tmRoot">
+          <p:childTnLst>
+            <p:seq concurrent="1" nextAc="seek">
+              <p:cTn id="2" dur="indefinite" nodeType="mainSeq">
+                <p:childTnLst>
                   <p:par>
-                    <p:cTn id="16" fill="hold">
+                    <p:cTn id="3" fill="hold">
                       <p:stCondLst>
                         <p:cond delay="indefinite"/>
                       </p:stCondLst>
                       <p:childTnLst>
                         <p:par>
-                          <p:cTn id="17" fill="hold">
+                          <p:cTn id="4" fill="hold">
                             <p:stCondLst>
                               <p:cond delay="0"/>
                             </p:stCondLst>
                             <p:childTnLst>
                               <p:par>
-                                <p:cTn id="18" presetID="5" presetClass="entr" presetSubtype="10" fill="hold" nodeType="clickEffect">
+                                <p:cTn id="5" presetID="5" presetClass="entr" presetSubtype="10" fill="hold" grpId="0" nodeType="clickEffect">
                                   <p:stCondLst>
                                     <p:cond delay="0"/>
                                   </p:stCondLst>
                                   <p:childTnLst>
                                     <p:set>
                                       <p:cBhvr>
-                                        <p:cTn id="19" dur="1" fill="hold">
+                                        <p:cTn id="6" dur="1" fill="hold">
                                           <p:stCondLst>
                                             <p:cond delay="0"/>
                                           </p:stCondLst>
                                         </p:cTn>
                                         <p:tgtEl>
-                                          <p:spTgt spid="7"/>
+                                          <p:spTgt spid="13"/>
                                         </p:tgtEl>
                                         <p:attrNameLst>
                                           <p:attrName>style.visibility</p:attrName>
@@ -5412,9 +6565,599 @@
                                     </p:set>
                                     <p:animEffect transition="in" filter="checkerboard(across)">
                                       <p:cBhvr>
-                                        <p:cTn id="20" dur="500"/>
+                                        <p:cTn id="7" dur="500"/>
                                         <p:tgtEl>
-                                          <p:spTgt spid="7"/>
+                                          <p:spTgt spid="13"/>
+                                        </p:tgtEl>
+                                      </p:cBhvr>
+                                    </p:animEffect>
+                                  </p:childTnLst>
+                                </p:cTn>
+                              </p:par>
+                            </p:childTnLst>
+                          </p:cTn>
+                        </p:par>
+                      </p:childTnLst>
+                    </p:cTn>
+                  </p:par>
+                </p:childTnLst>
+              </p:cTn>
+              <p:prevCondLst>
+                <p:cond evt="onPrev" delay="0">
+                  <p:tgtEl>
+                    <p:sldTgt/>
+                  </p:tgtEl>
+                </p:cond>
+              </p:prevCondLst>
+              <p:nextCondLst>
+                <p:cond evt="onNext" delay="0">
+                  <p:tgtEl>
+                    <p:sldTgt/>
+                  </p:tgtEl>
+                </p:cond>
+              </p:nextCondLst>
+            </p:seq>
+          </p:childTnLst>
+        </p:cTn>
+      </p:par>
+    </p:tnLst>
+    <p:bldLst>
+      <p:bldP spid="13" grpId="0"/>
+    </p:bldLst>
+  </p:timing>
+</p:sld>
+</file>
+
+<file path=ppt/slides/slide17.xml><?xml version="1.0" encoding="utf-8"?>
+<p:sld xmlns:a="http://schemas.openxmlformats.org/drawingml/2006/main" xmlns:r="http://schemas.openxmlformats.org/officeDocument/2006/relationships" xmlns:p="http://schemas.openxmlformats.org/presentationml/2006/main">
+  <p:cSld>
+    <p:bg>
+      <p:bgPr>
+        <a:blipFill rotWithShape="1">
+          <a:blip r:embed="rId3"/>
+          <a:stretch>
+            <a:fillRect/>
+          </a:stretch>
+        </a:blipFill>
+        <a:effectLst/>
+      </p:bgPr>
+    </p:bg>
+    <p:spTree>
+      <p:nvGrpSpPr>
+        <p:cNvPr id="1" name=""/>
+        <p:cNvGrpSpPr/>
+        <p:nvPr/>
+      </p:nvGrpSpPr>
+      <p:grpSpPr>
+        <a:xfrm>
+          <a:off x="0" y="0"/>
+          <a:ext cx="0" cy="0"/>
+          <a:chOff x="0" y="0"/>
+          <a:chExt cx="0" cy="0"/>
+        </a:xfrm>
+      </p:grpSpPr>
+      <p:sp>
+        <p:nvSpPr>
+          <p:cNvPr id="6" name="Text Box 5"/>
+          <p:cNvSpPr txBox="1"/>
+          <p:nvPr/>
+        </p:nvSpPr>
+        <p:spPr>
+          <a:xfrm>
+            <a:off x="1054735" y="372745"/>
+            <a:ext cx="7292340" cy="583565"/>
+          </a:xfrm>
+          <a:prstGeom prst="rect">
+            <a:avLst/>
+          </a:prstGeom>
+          <a:noFill/>
+        </p:spPr>
+        <p:txBody>
+          <a:bodyPr wrap="square" rtlCol="0">
+            <a:spAutoFit/>
+          </a:bodyPr>
+          <a:lstStyle/>
+          <a:p>
+            <a:r>
+              <a:rPr lang="en-US" altLang="en-GB" sz="3200" b="1">
+                <a:solidFill>
+                  <a:schemeClr val="bg1"/>
+                </a:solidFill>
+              </a:rPr>
+              <a:t>HOW: Obey traffic signs and signals</a:t>
+            </a:r>
+            <a:r>
+              <a:rPr lang="en-US" altLang="en-GB" sz="2000" b="1">
+                <a:solidFill>
+                  <a:schemeClr val="bg1"/>
+                </a:solidFill>
+              </a:rPr>
+              <a:t> </a:t>
+            </a:r>
+          </a:p>
+        </p:txBody>
+      </p:sp>
+      <p:sp>
+        <p:nvSpPr>
+          <p:cNvPr id="13" name="Text Box 12"/>
+          <p:cNvSpPr txBox="1"/>
+          <p:nvPr/>
+        </p:nvSpPr>
+        <p:spPr>
+          <a:xfrm>
+            <a:off x="0" y="1228725"/>
+            <a:ext cx="8241030" cy="2246769"/>
+          </a:xfrm>
+          <a:prstGeom prst="rect">
+            <a:avLst/>
+          </a:prstGeom>
+          <a:noFill/>
+        </p:spPr>
+        <p:txBody>
+          <a:bodyPr wrap="square" rtlCol="0">
+            <a:spAutoFit/>
+          </a:bodyPr>
+          <a:lstStyle/>
+          <a:p>
+            <a:pPr marL="914400" lvl="1" indent="-457200">
+              <a:buFont typeface="Arial" panose="020B0604020202020204" pitchFamily="34" charset="0"/>
+              <a:buChar char="•"/>
+            </a:pPr>
+            <a:r>
+              <a:rPr lang="en-US" altLang="en-GB" sz="2800" b="1" dirty="0" smtClean="0">
+                <a:sym typeface="+mn-ea"/>
+              </a:rPr>
+              <a:t>Additional signs</a:t>
+            </a:r>
+            <a:endParaRPr lang="en-US" altLang="en-GB" sz="2800" b="1" dirty="0">
+              <a:sym typeface="+mn-ea"/>
+            </a:endParaRPr>
+          </a:p>
+          <a:p>
+            <a:pPr marL="457200" lvl="2" indent="0">
+              <a:buFont typeface="Arial" panose="020B0604020202020204" pitchFamily="34" charset="0"/>
+              <a:buNone/>
+            </a:pPr>
+            <a:endParaRPr lang="en-US" altLang="en-GB" sz="2800" dirty="0"/>
+          </a:p>
+          <a:p>
+            <a:pPr lvl="2" indent="-457200">
+              <a:buFont typeface="Arial" panose="020B0604020202020204" pitchFamily="34" charset="0"/>
+              <a:buChar char="•"/>
+            </a:pPr>
+            <a:endParaRPr lang="en-US" altLang="en-GB" sz="2800" dirty="0"/>
+          </a:p>
+          <a:p>
+            <a:pPr marL="914400" lvl="1" indent="-457200">
+              <a:buFont typeface="Arial" panose="020B0604020202020204" pitchFamily="34" charset="0"/>
+              <a:buChar char="•"/>
+            </a:pPr>
+            <a:endParaRPr lang="en-US" altLang="en-GB" sz="2800" dirty="0"/>
+          </a:p>
+          <a:p>
+            <a:pPr marL="914400" lvl="1" indent="-457200">
+              <a:buFont typeface="Arial" panose="020B0604020202020204" pitchFamily="34" charset="0"/>
+              <a:buChar char="•"/>
+            </a:pPr>
+            <a:endParaRPr lang="en-US" altLang="en-GB" sz="2800" dirty="0"/>
+          </a:p>
+        </p:txBody>
+      </p:sp>
+    </p:spTree>
+    <p:extLst>
+      <p:ext uri="{BB962C8B-B14F-4D97-AF65-F5344CB8AC3E}">
+        <p14:creationId xmlns:p14="http://schemas.microsoft.com/office/powerpoint/2010/main" val="215276378"/>
+      </p:ext>
+    </p:extLst>
+  </p:cSld>
+  <p:clrMapOvr>
+    <a:masterClrMapping/>
+  </p:clrMapOvr>
+  <p:timing>
+    <p:tnLst>
+      <p:par>
+        <p:cTn id="1" dur="indefinite" restart="never" nodeType="tmRoot">
+          <p:childTnLst>
+            <p:seq concurrent="1" nextAc="seek">
+              <p:cTn id="2" dur="indefinite" nodeType="mainSeq">
+                <p:childTnLst>
+                  <p:par>
+                    <p:cTn id="3" fill="hold">
+                      <p:stCondLst>
+                        <p:cond delay="indefinite"/>
+                      </p:stCondLst>
+                      <p:childTnLst>
+                        <p:par>
+                          <p:cTn id="4" fill="hold">
+                            <p:stCondLst>
+                              <p:cond delay="0"/>
+                            </p:stCondLst>
+                            <p:childTnLst>
+                              <p:par>
+                                <p:cTn id="5" presetID="5" presetClass="entr" presetSubtype="10" fill="hold" grpId="0" nodeType="clickEffect">
+                                  <p:stCondLst>
+                                    <p:cond delay="0"/>
+                                  </p:stCondLst>
+                                  <p:childTnLst>
+                                    <p:set>
+                                      <p:cBhvr>
+                                        <p:cTn id="6" dur="1" fill="hold">
+                                          <p:stCondLst>
+                                            <p:cond delay="0"/>
+                                          </p:stCondLst>
+                                        </p:cTn>
+                                        <p:tgtEl>
+                                          <p:spTgt spid="13"/>
+                                        </p:tgtEl>
+                                        <p:attrNameLst>
+                                          <p:attrName>style.visibility</p:attrName>
+                                        </p:attrNameLst>
+                                      </p:cBhvr>
+                                      <p:to>
+                                        <p:strVal val="visible"/>
+                                      </p:to>
+                                    </p:set>
+                                    <p:animEffect transition="in" filter="checkerboard(across)">
+                                      <p:cBhvr>
+                                        <p:cTn id="7" dur="500"/>
+                                        <p:tgtEl>
+                                          <p:spTgt spid="13"/>
+                                        </p:tgtEl>
+                                      </p:cBhvr>
+                                    </p:animEffect>
+                                  </p:childTnLst>
+                                </p:cTn>
+                              </p:par>
+                            </p:childTnLst>
+                          </p:cTn>
+                        </p:par>
+                      </p:childTnLst>
+                    </p:cTn>
+                  </p:par>
+                </p:childTnLst>
+              </p:cTn>
+              <p:prevCondLst>
+                <p:cond evt="onPrev" delay="0">
+                  <p:tgtEl>
+                    <p:sldTgt/>
+                  </p:tgtEl>
+                </p:cond>
+              </p:prevCondLst>
+              <p:nextCondLst>
+                <p:cond evt="onNext" delay="0">
+                  <p:tgtEl>
+                    <p:sldTgt/>
+                  </p:tgtEl>
+                </p:cond>
+              </p:nextCondLst>
+            </p:seq>
+          </p:childTnLst>
+        </p:cTn>
+      </p:par>
+    </p:tnLst>
+    <p:bldLst>
+      <p:bldP spid="13" grpId="0"/>
+    </p:bldLst>
+  </p:timing>
+</p:sld>
+</file>
+
+<file path=ppt/slides/slide18.xml><?xml version="1.0" encoding="utf-8"?>
+<p:sld xmlns:a="http://schemas.openxmlformats.org/drawingml/2006/main" xmlns:r="http://schemas.openxmlformats.org/officeDocument/2006/relationships" xmlns:p="http://schemas.openxmlformats.org/presentationml/2006/main">
+  <p:cSld>
+    <p:bg>
+      <p:bgPr>
+        <a:blipFill rotWithShape="1">
+          <a:blip r:embed="rId3"/>
+          <a:stretch>
+            <a:fillRect/>
+          </a:stretch>
+        </a:blipFill>
+        <a:effectLst/>
+      </p:bgPr>
+    </p:bg>
+    <p:spTree>
+      <p:nvGrpSpPr>
+        <p:cNvPr id="1" name=""/>
+        <p:cNvGrpSpPr/>
+        <p:nvPr/>
+      </p:nvGrpSpPr>
+      <p:grpSpPr>
+        <a:xfrm>
+          <a:off x="0" y="0"/>
+          <a:ext cx="0" cy="0"/>
+          <a:chOff x="0" y="0"/>
+          <a:chExt cx="0" cy="0"/>
+        </a:xfrm>
+      </p:grpSpPr>
+      <p:sp>
+        <p:nvSpPr>
+          <p:cNvPr id="6" name="Text Box 5"/>
+          <p:cNvSpPr txBox="1"/>
+          <p:nvPr/>
+        </p:nvSpPr>
+        <p:spPr>
+          <a:xfrm>
+            <a:off x="1054735" y="372745"/>
+            <a:ext cx="7292340" cy="583565"/>
+          </a:xfrm>
+          <a:prstGeom prst="rect">
+            <a:avLst/>
+          </a:prstGeom>
+          <a:noFill/>
+        </p:spPr>
+        <p:txBody>
+          <a:bodyPr wrap="square" rtlCol="0">
+            <a:spAutoFit/>
+          </a:bodyPr>
+          <a:lstStyle/>
+          <a:p>
+            <a:r>
+              <a:rPr lang="en-US" altLang="en-GB" sz="3200" b="1" dirty="0">
+                <a:solidFill>
+                  <a:schemeClr val="bg1"/>
+                </a:solidFill>
+              </a:rPr>
+              <a:t>HOW: Driver factor </a:t>
+            </a:r>
+            <a:r>
+              <a:rPr lang="en-US" altLang="en-GB" sz="3200" b="1" dirty="0" smtClean="0">
+                <a:solidFill>
+                  <a:schemeClr val="bg1"/>
+                </a:solidFill>
+              </a:rPr>
+              <a:t>– other things</a:t>
+            </a:r>
+            <a:endParaRPr lang="en-US" altLang="en-GB" sz="2000" b="1" dirty="0">
+              <a:solidFill>
+                <a:schemeClr val="bg1"/>
+              </a:solidFill>
+            </a:endParaRPr>
+          </a:p>
+        </p:txBody>
+      </p:sp>
+      <p:sp>
+        <p:nvSpPr>
+          <p:cNvPr id="13" name="Text Box 12"/>
+          <p:cNvSpPr txBox="1"/>
+          <p:nvPr/>
+        </p:nvSpPr>
+        <p:spPr>
+          <a:xfrm>
+            <a:off x="0" y="1228725"/>
+            <a:ext cx="8241030" cy="4832092"/>
+          </a:xfrm>
+          <a:prstGeom prst="rect">
+            <a:avLst/>
+          </a:prstGeom>
+          <a:noFill/>
+        </p:spPr>
+        <p:txBody>
+          <a:bodyPr wrap="square" rtlCol="0">
+            <a:spAutoFit/>
+          </a:bodyPr>
+          <a:lstStyle/>
+          <a:p>
+            <a:pPr marL="914400" lvl="1" indent="-457200">
+              <a:buFont typeface="Arial" panose="020B0604020202020204" pitchFamily="34" charset="0"/>
+              <a:buChar char="•"/>
+            </a:pPr>
+            <a:r>
+              <a:rPr lang="en-US" altLang="en-GB" sz="2800" b="1" dirty="0" smtClean="0">
+                <a:sym typeface="+mn-ea"/>
+              </a:rPr>
+              <a:t>Wear </a:t>
+            </a:r>
+            <a:r>
+              <a:rPr lang="en-US" altLang="en-GB" sz="2800" b="1" dirty="0">
+                <a:sym typeface="+mn-ea"/>
+              </a:rPr>
+              <a:t>a helmet/seat </a:t>
+            </a:r>
+            <a:r>
+              <a:rPr lang="en-US" altLang="en-GB" sz="2800" b="1" dirty="0" smtClean="0">
+                <a:sym typeface="+mn-ea"/>
+              </a:rPr>
+              <a:t>belts</a:t>
+            </a:r>
+          </a:p>
+          <a:p>
+            <a:pPr marL="914400" lvl="1" indent="-457200">
+              <a:buFont typeface="Arial" panose="020B0604020202020204" pitchFamily="34" charset="0"/>
+              <a:buChar char="•"/>
+            </a:pPr>
+            <a:r>
+              <a:rPr lang="en-US" altLang="en-GB" sz="2800" b="1" dirty="0">
+                <a:sym typeface="+mn-ea"/>
+              </a:rPr>
+              <a:t>Don’t Drink or Take Drugs and </a:t>
+            </a:r>
+            <a:r>
+              <a:rPr lang="en-US" altLang="en-GB" sz="2800" b="1" dirty="0" smtClean="0">
+                <a:sym typeface="+mn-ea"/>
+              </a:rPr>
+              <a:t>Drive</a:t>
+            </a:r>
+          </a:p>
+          <a:p>
+            <a:pPr marL="914400" lvl="1" indent="-457200">
+              <a:buFont typeface="Arial" panose="020B0604020202020204" pitchFamily="34" charset="0"/>
+              <a:buChar char="•"/>
+            </a:pPr>
+            <a:r>
+              <a:rPr lang="en-US" altLang="en-GB" sz="2800" b="1" dirty="0">
+                <a:sym typeface="+mn-ea"/>
+              </a:rPr>
+              <a:t>Don’t </a:t>
+            </a:r>
+            <a:r>
+              <a:rPr lang="en-US" altLang="en-GB" sz="2800" b="1" dirty="0" smtClean="0">
+                <a:sym typeface="+mn-ea"/>
+              </a:rPr>
+              <a:t>overload</a:t>
+            </a:r>
+          </a:p>
+          <a:p>
+            <a:pPr marL="914400" lvl="1" indent="-457200">
+              <a:buFont typeface="Arial" panose="020B0604020202020204" pitchFamily="34" charset="0"/>
+              <a:buChar char="•"/>
+            </a:pPr>
+            <a:r>
+              <a:rPr lang="en-US" altLang="en-GB" sz="2800" b="1" dirty="0">
+                <a:sym typeface="+mn-ea"/>
+              </a:rPr>
+              <a:t>Make sure cargo is properly </a:t>
+            </a:r>
+            <a:r>
+              <a:rPr lang="en-US" altLang="en-GB" sz="2800" b="1" dirty="0" smtClean="0">
+                <a:sym typeface="+mn-ea"/>
+              </a:rPr>
+              <a:t>secured</a:t>
+            </a:r>
+          </a:p>
+          <a:p>
+            <a:pPr marL="914400" lvl="1" indent="-457200">
+              <a:buFont typeface="Arial" panose="020B0604020202020204" pitchFamily="34" charset="0"/>
+              <a:buChar char="•"/>
+            </a:pPr>
+            <a:r>
+              <a:rPr lang="en-US" altLang="en-GB" sz="2800" b="1" dirty="0">
+                <a:sym typeface="+mn-ea"/>
+              </a:rPr>
+              <a:t>Clear </a:t>
+            </a:r>
+            <a:r>
+              <a:rPr lang="en-US" altLang="en-GB" sz="2800" b="1" dirty="0" smtClean="0">
+                <a:sym typeface="+mn-ea"/>
+              </a:rPr>
+              <a:t>vision</a:t>
+            </a:r>
+          </a:p>
+          <a:p>
+            <a:pPr marL="914400" lvl="1" indent="-457200">
+              <a:buFont typeface="Arial" panose="020B0604020202020204" pitchFamily="34" charset="0"/>
+              <a:buChar char="•"/>
+            </a:pPr>
+            <a:r>
+              <a:rPr lang="en-US" altLang="en-GB" sz="2800" b="1" dirty="0">
+                <a:sym typeface="+mn-ea"/>
+              </a:rPr>
+              <a:t>Slow speed is </a:t>
+            </a:r>
+            <a:r>
+              <a:rPr lang="en-US" altLang="en-GB" sz="2800" b="1" dirty="0" err="1">
+                <a:sym typeface="+mn-ea"/>
+              </a:rPr>
+              <a:t>amost</a:t>
+            </a:r>
+            <a:r>
+              <a:rPr lang="en-US" altLang="en-GB" sz="2800" b="1" dirty="0">
+                <a:sym typeface="+mn-ea"/>
+              </a:rPr>
+              <a:t> better</a:t>
+            </a:r>
+            <a:endParaRPr lang="en-US" altLang="en-GB" sz="2800" b="1" dirty="0" smtClean="0">
+              <a:sym typeface="+mn-ea"/>
+            </a:endParaRPr>
+          </a:p>
+          <a:p>
+            <a:pPr marL="914400" lvl="1" indent="-457200">
+              <a:buFont typeface="Arial" panose="020B0604020202020204" pitchFamily="34" charset="0"/>
+              <a:buChar char="•"/>
+            </a:pPr>
+            <a:endParaRPr lang="en-US" altLang="en-GB" sz="2800" b="1" dirty="0">
+              <a:sym typeface="+mn-ea"/>
+            </a:endParaRPr>
+          </a:p>
+          <a:p>
+            <a:pPr marL="457200" lvl="2" indent="0">
+              <a:buFont typeface="Arial" panose="020B0604020202020204" pitchFamily="34" charset="0"/>
+              <a:buNone/>
+            </a:pPr>
+            <a:endParaRPr lang="en-US" altLang="en-GB" sz="2800" dirty="0"/>
+          </a:p>
+          <a:p>
+            <a:pPr lvl="2" indent="-457200">
+              <a:buFont typeface="Arial" panose="020B0604020202020204" pitchFamily="34" charset="0"/>
+              <a:buChar char="•"/>
+            </a:pPr>
+            <a:endParaRPr lang="en-US" altLang="en-GB" sz="2800" dirty="0"/>
+          </a:p>
+          <a:p>
+            <a:pPr marL="914400" lvl="1" indent="-457200">
+              <a:buFont typeface="Arial" panose="020B0604020202020204" pitchFamily="34" charset="0"/>
+              <a:buChar char="•"/>
+            </a:pPr>
+            <a:endParaRPr lang="en-US" altLang="en-GB" sz="2800" dirty="0"/>
+          </a:p>
+          <a:p>
+            <a:pPr marL="914400" lvl="1" indent="-457200">
+              <a:buFont typeface="Arial" panose="020B0604020202020204" pitchFamily="34" charset="0"/>
+              <a:buChar char="•"/>
+            </a:pPr>
+            <a:endParaRPr lang="en-US" altLang="en-GB" sz="2800" dirty="0"/>
+          </a:p>
+        </p:txBody>
+      </p:sp>
+    </p:spTree>
+    <p:extLst>
+      <p:ext uri="{BB962C8B-B14F-4D97-AF65-F5344CB8AC3E}">
+        <p14:creationId xmlns:p14="http://schemas.microsoft.com/office/powerpoint/2010/main" val="231082865"/>
+      </p:ext>
+    </p:extLst>
+  </p:cSld>
+  <p:clrMapOvr>
+    <a:masterClrMapping/>
+  </p:clrMapOvr>
+  <p:timing>
+    <p:tnLst>
+      <p:par>
+        <p:cTn id="1" dur="indefinite" restart="never" nodeType="tmRoot">
+          <p:childTnLst>
+            <p:seq concurrent="1" nextAc="seek">
+              <p:cTn id="2" dur="indefinite" nodeType="mainSeq">
+                <p:childTnLst>
+                  <p:par>
+                    <p:cTn id="3" fill="hold">
+                      <p:stCondLst>
+                        <p:cond delay="indefinite"/>
+                      </p:stCondLst>
+                      <p:childTnLst>
+                        <p:par>
+                          <p:cTn id="4" fill="hold">
+                            <p:stCondLst>
+                              <p:cond delay="0"/>
+                            </p:stCondLst>
+                            <p:childTnLst>
+                              <p:par>
+                                <p:cTn id="5" presetID="5" presetClass="entr" presetSubtype="10" fill="hold" grpId="0" nodeType="clickEffect">
+                                  <p:stCondLst>
+                                    <p:cond delay="0"/>
+                                  </p:stCondLst>
+                                  <p:childTnLst>
+                                    <p:set>
+                                      <p:cBhvr>
+                                        <p:cTn id="6" dur="1" fill="hold">
+                                          <p:stCondLst>
+                                            <p:cond delay="0"/>
+                                          </p:stCondLst>
+                                        </p:cTn>
+                                        <p:tgtEl>
+                                          <p:spTgt spid="13"/>
+                                        </p:tgtEl>
+                                        <p:attrNameLst>
+                                          <p:attrName>style.visibility</p:attrName>
+                                        </p:attrNameLst>
+                                      </p:cBhvr>
+                                      <p:to>
+                                        <p:strVal val="visible"/>
+                                      </p:to>
+                                    </p:set>
+                                    <p:animEffect transition="in" filter="checkerboard(across)">
+                                      <p:cBhvr>
+                                        <p:cTn id="7" dur="500"/>
+                                        <p:tgtEl>
+                                          <p:spTgt spid="13"/>
                                         </p:tgtEl>
                                       </p:cBhvr>
                                     </p:animEffect>
@@ -5461,7 +7204,7 @@
     <p:bg>
       <p:bgPr>
         <a:blipFill rotWithShape="1">
-          <a:blip r:embed="rId1"/>
+          <a:blip r:embed="rId2"/>
           <a:stretch>
             <a:fillRect/>
           </a:stretch>
@@ -5475,7 +7218,14 @@
         <p:cNvGrpSpPr/>
         <p:nvPr/>
       </p:nvGrpSpPr>
-      <p:grpSpPr/>
+      <p:grpSpPr>
+        <a:xfrm>
+          <a:off x="0" y="0"/>
+          <a:ext cx="0" cy="0"/>
+          <a:chOff x="0" y="0"/>
+          <a:chExt cx="0" cy="0"/>
+        </a:xfrm>
+      </p:grpSpPr>
       <p:sp>
         <p:nvSpPr>
           <p:cNvPr id="3" name="Content Placeholder 2"/>
@@ -5494,19 +7244,18 @@
         </p:spPr>
         <p:txBody>
           <a:bodyPr/>
+          <a:lstStyle/>
           <a:p>
             <a:r>
               <a:rPr lang="en-US" altLang="en-GB"/>
               <a:t>Avoid the accidents</a:t>
             </a:r>
-            <a:endParaRPr lang="en-US" altLang="en-GB"/>
           </a:p>
           <a:p>
             <a:r>
               <a:rPr lang="en-US" altLang="en-GB"/>
               <a:t>Avoid Liability Costs</a:t>
             </a:r>
-            <a:endParaRPr lang="en-US" altLang="en-GB"/>
           </a:p>
           <a:p>
             <a:endParaRPr lang="en-US" altLang="en-GB"/>
@@ -5533,6 +7282,7 @@
           <a:bodyPr wrap="square" rtlCol="0">
             <a:spAutoFit/>
           </a:bodyPr>
+          <a:lstStyle/>
           <a:p>
             <a:r>
               <a:rPr lang="en-US" altLang="en-GB" sz="3200" b="1">
@@ -5542,11 +7292,6 @@
               </a:rPr>
               <a:t>WHY?</a:t>
             </a:r>
-            <a:endParaRPr lang="en-US" altLang="en-GB" sz="3200" b="1">
-              <a:solidFill>
-                <a:schemeClr val="bg1"/>
-              </a:solidFill>
-            </a:endParaRPr>
           </a:p>
         </p:txBody>
       </p:sp>
@@ -5719,7 +7464,7 @@
     <p:bg>
       <p:bgPr>
         <a:blipFill rotWithShape="1">
-          <a:blip r:embed="rId1"/>
+          <a:blip r:embed="rId2"/>
           <a:stretch>
             <a:fillRect/>
           </a:stretch>
@@ -5733,7 +7478,14 @@
         <p:cNvGrpSpPr/>
         <p:nvPr/>
       </p:nvGrpSpPr>
-      <p:grpSpPr/>
+      <p:grpSpPr>
+        <a:xfrm>
+          <a:off x="0" y="0"/>
+          <a:ext cx="0" cy="0"/>
+          <a:chOff x="0" y="0"/>
+          <a:chExt cx="0" cy="0"/>
+        </a:xfrm>
+      </p:grpSpPr>
       <p:sp>
         <p:nvSpPr>
           <p:cNvPr id="6" name="Text Box 5"/>
@@ -5754,6 +7506,7 @@
           <a:bodyPr wrap="square" rtlCol="0">
             <a:spAutoFit/>
           </a:bodyPr>
+          <a:lstStyle/>
           <a:p>
             <a:r>
               <a:rPr lang="en-US" altLang="en-GB" sz="3200" b="1">
@@ -5763,11 +7516,6 @@
               </a:rPr>
               <a:t>WHY: avoid the accidents</a:t>
             </a:r>
-            <a:endParaRPr lang="en-US" altLang="en-GB" sz="3200" b="1">
-              <a:solidFill>
-                <a:schemeClr val="bg1"/>
-              </a:solidFill>
-            </a:endParaRPr>
           </a:p>
         </p:txBody>
       </p:sp>
@@ -5791,6 +7539,7 @@
           <a:bodyPr wrap="square" rtlCol="0">
             <a:spAutoFit/>
           </a:bodyPr>
+          <a:lstStyle/>
           <a:p>
             <a:endParaRPr lang="en-US" dirty="0"/>
           </a:p>
@@ -5815,6 +7564,7 @@
           <a:bodyPr wrap="none">
             <a:spAutoFit/>
           </a:bodyPr>
+          <a:lstStyle/>
           <a:p>
             <a:pPr algn="ctr"/>
             <a:r>
@@ -5847,30 +7597,6 @@
       <p:pic>
         <p:nvPicPr>
           <p:cNvPr id="7" name="Picture 6"/>
-          <p:cNvPicPr>
-            <a:picLocks noChangeAspect="1"/>
-          </p:cNvPicPr>
-          <p:nvPr/>
-        </p:nvPicPr>
-        <p:blipFill>
-          <a:blip r:embed="rId2" cstate="email"/>
-          <a:stretch>
-            <a:fillRect/>
-          </a:stretch>
-        </p:blipFill>
-        <p:spPr>
-          <a:xfrm>
-            <a:off x="1076960" y="1294130"/>
-            <a:ext cx="2529205" cy="1256030"/>
-          </a:xfrm>
-          <a:prstGeom prst="rect">
-            <a:avLst/>
-          </a:prstGeom>
-        </p:spPr>
-      </p:pic>
-      <p:pic>
-        <p:nvPicPr>
-          <p:cNvPr id="8" name="Picture 7"/>
           <p:cNvPicPr>
             <a:picLocks noChangeAspect="1"/>
           </p:cNvPicPr>
@@ -5884,8 +7610,8 @@
         </p:blipFill>
         <p:spPr>
           <a:xfrm>
-            <a:off x="2997835" y="2889885"/>
-            <a:ext cx="1543050" cy="1396365"/>
+            <a:off x="1076960" y="1294130"/>
+            <a:ext cx="2529205" cy="1256030"/>
           </a:xfrm>
           <a:prstGeom prst="rect">
             <a:avLst/>
@@ -5894,7 +7620,7 @@
       </p:pic>
       <p:pic>
         <p:nvPicPr>
-          <p:cNvPr id="9" name="Picture 8"/>
+          <p:cNvPr id="8" name="Picture 7"/>
           <p:cNvPicPr>
             <a:picLocks noChangeAspect="1"/>
           </p:cNvPicPr>
@@ -5908,14 +7634,38 @@
         </p:blipFill>
         <p:spPr>
           <a:xfrm>
-            <a:off x="415252" y="4012548"/>
-            <a:ext cx="1338482" cy="1910732"/>
+            <a:off x="2997835" y="2889885"/>
+            <a:ext cx="1543050" cy="1396365"/>
           </a:xfrm>
           <a:prstGeom prst="rect">
             <a:avLst/>
           </a:prstGeom>
         </p:spPr>
       </p:pic>
+      <p:pic>
+        <p:nvPicPr>
+          <p:cNvPr id="9" name="Picture 8"/>
+          <p:cNvPicPr>
+            <a:picLocks noChangeAspect="1"/>
+          </p:cNvPicPr>
+          <p:nvPr/>
+        </p:nvPicPr>
+        <p:blipFill>
+          <a:blip r:embed="rId5" cstate="email"/>
+          <a:stretch>
+            <a:fillRect/>
+          </a:stretch>
+        </p:blipFill>
+        <p:spPr>
+          <a:xfrm>
+            <a:off x="415252" y="4012548"/>
+            <a:ext cx="1338482" cy="1910732"/>
+          </a:xfrm>
+          <a:prstGeom prst="rect">
+            <a:avLst/>
+          </a:prstGeom>
+        </p:spPr>
+      </p:pic>
       <p:sp>
         <p:nvSpPr>
           <p:cNvPr id="10" name="Rectangle 9"/>
@@ -5935,6 +7685,7 @@
           <a:bodyPr wrap="none">
             <a:spAutoFit/>
           </a:bodyPr>
+          <a:lstStyle/>
           <a:p>
             <a:pPr algn="ctr"/>
             <a:r>
@@ -5978,6 +7729,7 @@
           <a:bodyPr wrap="none">
             <a:spAutoFit/>
           </a:bodyPr>
+          <a:lstStyle/>
           <a:p>
             <a:pPr algn="ctr"/>
             <a:r>
@@ -6022,12 +7774,12 @@
           <a:bodyPr wrap="square" rtlCol="0">
             <a:spAutoFit/>
           </a:bodyPr>
+          <a:lstStyle/>
           <a:p>
             <a:r>
               <a:rPr lang="en-GB" altLang="en-US" sz="2800"/>
               <a:t>The Global Status Report released by WHO this year confirms that road traffic injuries are still a big global health and development problem.</a:t>
             </a:r>
-            <a:endParaRPr lang="en-GB" altLang="en-US" sz="2800"/>
           </a:p>
         </p:txBody>
       </p:sp>
@@ -6398,7 +8150,7 @@
     <p:bg>
       <p:bgPr>
         <a:blipFill rotWithShape="1">
-          <a:blip r:embed="rId1"/>
+          <a:blip r:embed="rId2"/>
           <a:stretch>
             <a:fillRect/>
           </a:stretch>
@@ -6412,7 +8164,14 @@
         <p:cNvGrpSpPr/>
         <p:nvPr/>
       </p:nvGrpSpPr>
-      <p:grpSpPr/>
+      <p:grpSpPr>
+        <a:xfrm>
+          <a:off x="0" y="0"/>
+          <a:ext cx="0" cy="0"/>
+          <a:chOff x="0" y="0"/>
+          <a:chExt cx="0" cy="0"/>
+        </a:xfrm>
+      </p:grpSpPr>
       <p:sp>
         <p:nvSpPr>
           <p:cNvPr id="6" name="Text Box 5"/>
@@ -6433,6 +8192,7 @@
           <a:bodyPr wrap="square" rtlCol="0">
             <a:spAutoFit/>
           </a:bodyPr>
+          <a:lstStyle/>
           <a:p>
             <a:r>
               <a:rPr lang="en-US" altLang="en-GB" sz="3200" b="1">
@@ -6442,11 +8202,6 @@
               </a:rPr>
               <a:t>WHY: avoid lost Liability Costs</a:t>
             </a:r>
-            <a:endParaRPr lang="en-US" altLang="en-GB" sz="3200" b="1">
-              <a:solidFill>
-                <a:schemeClr val="bg1"/>
-              </a:solidFill>
-            </a:endParaRPr>
           </a:p>
         </p:txBody>
       </p:sp>
@@ -6470,19 +8225,18 @@
           <a:bodyPr wrap="square" rtlCol="0">
             <a:spAutoFit/>
           </a:bodyPr>
+          <a:lstStyle/>
           <a:p>
             <a:r>
               <a:rPr lang="en-US" altLang="en-GB" sz="2800"/>
               <a:t>If you don't drive safely, you may infringe the traffic rules.</a:t>
             </a:r>
-            <a:endParaRPr lang="en-US" altLang="en-GB" sz="2800"/>
           </a:p>
           <a:p>
             <a:r>
               <a:rPr lang="en-US" altLang="en-GB" sz="2800"/>
               <a:t>Infringement offences include, for example, parking offences, toll offences, speeding and overloading offences, and some lower-level drink-driving offences.</a:t>
             </a:r>
-            <a:endParaRPr lang="en-US" altLang="en-GB" sz="2800"/>
           </a:p>
           <a:p>
             <a:endParaRPr lang="en-US" altLang="en-GB" sz="2800"/>
@@ -6492,7 +8246,6 @@
               <a:rPr lang="en-US" altLang="en-GB" sz="2800"/>
               <a:t>Then you have to: </a:t>
             </a:r>
-            <a:endParaRPr lang="en-US" altLang="en-GB" sz="2800"/>
           </a:p>
           <a:p>
             <a:pPr marL="457200" indent="-457200">
@@ -6503,7 +8256,6 @@
               <a:rPr lang="en-US" altLang="en-GB" sz="2800"/>
               <a:t>Pay infringement fee.</a:t>
             </a:r>
-            <a:endParaRPr lang="en-US" altLang="en-GB" sz="2800"/>
           </a:p>
           <a:p>
             <a:pPr marL="457200" indent="-457200">
@@ -6514,14 +8266,12 @@
               <a:rPr lang="en-US" altLang="en-GB" sz="2800"/>
               <a:t>Your licence may be kept by the police temporarily.</a:t>
             </a:r>
-            <a:endParaRPr lang="en-US" altLang="en-GB" sz="2800"/>
           </a:p>
           <a:p>
             <a:r>
               <a:rPr lang="en-US" altLang="en-GB" sz="2800"/>
               <a:t> </a:t>
             </a:r>
-            <a:endParaRPr lang="en-US" altLang="en-GB" sz="2800"/>
           </a:p>
         </p:txBody>
       </p:sp>
@@ -6625,7 +8375,7 @@
     <p:bg>
       <p:bgPr>
         <a:blipFill rotWithShape="1">
-          <a:blip r:embed="rId1"/>
+          <a:blip r:embed="rId2"/>
           <a:stretch>
             <a:fillRect/>
           </a:stretch>
@@ -6639,7 +8389,14 @@
         <p:cNvGrpSpPr/>
         <p:nvPr/>
       </p:nvGrpSpPr>
-      <p:grpSpPr/>
+      <p:grpSpPr>
+        <a:xfrm>
+          <a:off x="0" y="0"/>
+          <a:ext cx="0" cy="0"/>
+          <a:chOff x="0" y="0"/>
+          <a:chExt cx="0" cy="0"/>
+        </a:xfrm>
+      </p:grpSpPr>
       <p:sp>
         <p:nvSpPr>
           <p:cNvPr id="6" name="Text Box 5"/>
@@ -6660,6 +8417,7 @@
           <a:bodyPr wrap="square" rtlCol="0">
             <a:spAutoFit/>
           </a:bodyPr>
+          <a:lstStyle/>
           <a:p>
             <a:r>
               <a:rPr lang="en-US" altLang="en-GB" sz="3200" b="1">
@@ -6669,11 +8427,6 @@
               </a:rPr>
               <a:t>HOW: Factors that help driving safely </a:t>
             </a:r>
-            <a:endParaRPr lang="en-US" altLang="en-GB" sz="3200" b="1">
-              <a:solidFill>
-                <a:schemeClr val="bg1"/>
-              </a:solidFill>
-            </a:endParaRPr>
           </a:p>
         </p:txBody>
       </p:sp>
@@ -6697,6 +8450,7 @@
           <a:bodyPr wrap="square" rtlCol="0">
             <a:spAutoFit/>
           </a:bodyPr>
+          <a:lstStyle/>
           <a:p>
             <a:pPr marL="457200" indent="-457200">
               <a:buFont typeface="Arial" panose="020B0604020202020204" pitchFamily="34" charset="0"/>
@@ -6706,7 +8460,6 @@
               <a:rPr lang="en-US" altLang="en-GB" sz="2800"/>
               <a:t>Traffic vehicles preparing.</a:t>
             </a:r>
-            <a:endParaRPr lang="en-US" altLang="en-GB" sz="2800"/>
           </a:p>
           <a:p>
             <a:pPr marL="457200" indent="-457200">
@@ -6717,7 +8470,6 @@
               <a:rPr lang="en-US" altLang="en-GB" sz="2800"/>
               <a:t>Deal with weather &amp; road conditions.</a:t>
             </a:r>
-            <a:endParaRPr lang="en-US" altLang="en-GB" sz="2800"/>
           </a:p>
           <a:p>
             <a:pPr marL="457200" indent="-457200">
@@ -6728,7 +8480,6 @@
               <a:rPr lang="en-US" altLang="en-GB" sz="2800"/>
               <a:t>Drivers.</a:t>
             </a:r>
-            <a:endParaRPr lang="en-US" altLang="en-GB" sz="2800"/>
           </a:p>
         </p:txBody>
       </p:sp>
@@ -6832,7 +8583,7 @@
     <p:bg>
       <p:bgPr>
         <a:blipFill rotWithShape="1">
-          <a:blip r:embed="rId1"/>
+          <a:blip r:embed="rId2"/>
           <a:stretch>
             <a:fillRect/>
           </a:stretch>
@@ -6846,7 +8597,14 @@
         <p:cNvGrpSpPr/>
         <p:nvPr/>
       </p:nvGrpSpPr>
-      <p:grpSpPr/>
+      <p:grpSpPr>
+        <a:xfrm>
+          <a:off x="0" y="0"/>
+          <a:ext cx="0" cy="0"/>
+          <a:chOff x="0" y="0"/>
+          <a:chExt cx="0" cy="0"/>
+        </a:xfrm>
+      </p:grpSpPr>
       <p:sp>
         <p:nvSpPr>
           <p:cNvPr id="6" name="Text Box 5"/>
@@ -6867,6 +8625,7 @@
           <a:bodyPr wrap="square" rtlCol="0">
             <a:spAutoFit/>
           </a:bodyPr>
+          <a:lstStyle/>
           <a:p>
             <a:r>
               <a:rPr lang="en-US" altLang="en-GB" sz="3200" b="1">
@@ -6882,21 +8641,8 @@
                   <a:schemeClr val="bg1"/>
                 </a:solidFill>
               </a:rPr>
-              <a:t>V</a:t>
-            </a:r>
-            <a:r>
-              <a:rPr lang="en-US" altLang="en-GB" b="1">
-                <a:solidFill>
-                  <a:schemeClr val="bg1"/>
-                </a:solidFill>
-              </a:rPr>
-              <a:t>ehicles preparing: vehicle inspection and maintenance </a:t>
-            </a:r>
-            <a:endParaRPr lang="en-US" altLang="en-GB" b="1">
-              <a:solidFill>
-                <a:schemeClr val="bg1"/>
-              </a:solidFill>
-            </a:endParaRPr>
+              <a:t>Vehicles preparing: vehicle inspection and maintenance </a:t>
+            </a:r>
           </a:p>
         </p:txBody>
       </p:sp>
@@ -6909,7 +8655,7 @@
           <p:nvPr/>
         </p:nvPicPr>
         <p:blipFill>
-          <a:blip r:embed="rId2" cstate="email"/>
+          <a:blip r:embed="rId3" cstate="email"/>
           <a:stretch>
             <a:fillRect/>
           </a:stretch>
@@ -6943,6 +8689,7 @@
           <a:bodyPr wrap="square">
             <a:spAutoFit/>
           </a:bodyPr>
+          <a:lstStyle/>
           <a:p>
             <a:pPr algn="ctr"/>
             <a:r>
@@ -6989,6 +8736,7 @@
           <a:bodyPr wrap="square" rtlCol="0">
             <a:spAutoFit/>
           </a:bodyPr>
+          <a:lstStyle/>
           <a:p>
             <a:pPr marL="285750" indent="-285750" algn="l">
               <a:buFont typeface="Arial" panose="020B0604020202020204" pitchFamily="34" charset="0"/>
@@ -7002,11 +8750,6 @@
               </a:rPr>
               <a:t>Regular tune-ups and check: daily, weekly and periodically</a:t>
             </a:r>
-            <a:endParaRPr lang="en-US" dirty="0">
-              <a:latin typeface="Verdana" panose="020B0604030504040204" pitchFamily="34" charset="0"/>
-              <a:ea typeface="Verdana" panose="020B0604030504040204" pitchFamily="34" charset="0"/>
-              <a:cs typeface="Verdana" panose="020B0604030504040204" pitchFamily="34" charset="0"/>
-            </a:endParaRPr>
           </a:p>
           <a:p>
             <a:pPr algn="l"/>
@@ -7034,6 +8777,7 @@
           <a:bodyPr wrap="square" rtlCol="0">
             <a:spAutoFit/>
           </a:bodyPr>
+          <a:lstStyle/>
           <a:p>
             <a:pPr algn="ctr"/>
             <a:r>
@@ -7072,6 +8816,7 @@
           <a:bodyPr wrap="square" rtlCol="0">
             <a:spAutoFit/>
           </a:bodyPr>
+          <a:lstStyle/>
           <a:p>
             <a:pPr algn="ctr"/>
             <a:r>
@@ -7082,11 +8827,6 @@
               </a:rPr>
               <a:t>Windows clean, wipers, nothing blocking vision</a:t>
             </a:r>
-            <a:endParaRPr lang="en-US" b="1" dirty="0">
-              <a:latin typeface="Verdana" panose="020B0604030504040204" pitchFamily="34" charset="0"/>
-              <a:ea typeface="Verdana" panose="020B0604030504040204" pitchFamily="34" charset="0"/>
-              <a:cs typeface="Verdana" panose="020B0604030504040204" pitchFamily="34" charset="0"/>
-            </a:endParaRPr>
           </a:p>
         </p:txBody>
       </p:sp>
@@ -7110,6 +8850,7 @@
           <a:bodyPr wrap="square" rtlCol="0">
             <a:spAutoFit/>
           </a:bodyPr>
+          <a:lstStyle/>
           <a:p>
             <a:pPr algn="ctr"/>
             <a:r>
@@ -7120,11 +8861,6 @@
               </a:rPr>
               <a:t>rearview, mirrors properly adjusted</a:t>
             </a:r>
-            <a:endParaRPr lang="en-US" b="1" dirty="0">
-              <a:latin typeface="Verdana" panose="020B0604030504040204" pitchFamily="34" charset="0"/>
-              <a:ea typeface="Verdana" panose="020B0604030504040204" pitchFamily="34" charset="0"/>
-              <a:cs typeface="Verdana" panose="020B0604030504040204" pitchFamily="34" charset="0"/>
-            </a:endParaRPr>
           </a:p>
         </p:txBody>
       </p:sp>
@@ -7335,6 +9071,7 @@
           <a:bodyPr wrap="square" rtlCol="0">
             <a:spAutoFit/>
           </a:bodyPr>
+          <a:lstStyle/>
           <a:p>
             <a:pPr algn="ctr"/>
             <a:r>
@@ -7345,11 +9082,6 @@
               </a:rPr>
               <a:t>check inside: engine, brake, ...</a:t>
             </a:r>
-            <a:endParaRPr lang="en-US" b="1" dirty="0">
-              <a:latin typeface="Verdana" panose="020B0604030504040204" pitchFamily="34" charset="0"/>
-              <a:ea typeface="Verdana" panose="020B0604030504040204" pitchFamily="34" charset="0"/>
-              <a:cs typeface="Verdana" panose="020B0604030504040204" pitchFamily="34" charset="0"/>
-            </a:endParaRPr>
           </a:p>
         </p:txBody>
       </p:sp>
@@ -7373,6 +9105,7 @@
           <a:bodyPr wrap="square" rtlCol="0">
             <a:spAutoFit/>
           </a:bodyPr>
+          <a:lstStyle/>
           <a:p>
             <a:pPr algn="ctr"/>
             <a:r>
@@ -7383,11 +9116,6 @@
               </a:rPr>
               <a:t>Walk around inspection</a:t>
             </a:r>
-            <a:endParaRPr lang="en-US" b="1" dirty="0">
-              <a:latin typeface="Verdana" panose="020B0604030504040204" pitchFamily="34" charset="0"/>
-              <a:ea typeface="Verdana" panose="020B0604030504040204" pitchFamily="34" charset="0"/>
-              <a:cs typeface="Verdana" panose="020B0604030504040204" pitchFamily="34" charset="0"/>
-            </a:endParaRPr>
           </a:p>
           <a:p>
             <a:pPr algn="ctr"/>
@@ -7446,6 +9174,7 @@
         </p:style>
         <p:txBody>
           <a:bodyPr rtlCol="0" anchor="ctr"/>
+          <a:lstStyle/>
           <a:p>
             <a:pPr algn="ctr"/>
             <a:endParaRPr lang="en-US">
@@ -7476,6 +9205,7 @@
           <a:bodyPr wrap="square" rtlCol="0">
             <a:spAutoFit/>
           </a:bodyPr>
+          <a:lstStyle/>
           <a:p>
             <a:pPr algn="ctr"/>
             <a:r>
@@ -7554,7 +9284,7 @@
     <p:bg>
       <p:bgPr>
         <a:blipFill rotWithShape="1">
-          <a:blip r:embed="rId1"/>
+          <a:blip r:embed="rId2"/>
           <a:stretch>
             <a:fillRect/>
           </a:stretch>
@@ -7568,7 +9298,14 @@
         <p:cNvGrpSpPr/>
         <p:nvPr/>
       </p:nvGrpSpPr>
-      <p:grpSpPr/>
+      <p:grpSpPr>
+        <a:xfrm>
+          <a:off x="0" y="0"/>
+          <a:ext cx="0" cy="0"/>
+          <a:chOff x="0" y="0"/>
+          <a:chExt cx="0" cy="0"/>
+        </a:xfrm>
+      </p:grpSpPr>
       <p:sp>
         <p:nvSpPr>
           <p:cNvPr id="6" name="Text Box 5"/>
@@ -7589,6 +9326,7 @@
           <a:bodyPr wrap="square" rtlCol="0">
             <a:spAutoFit/>
           </a:bodyPr>
+          <a:lstStyle/>
           <a:p>
             <a:r>
               <a:rPr lang="en-US" altLang="en-GB" sz="3200" b="1">
@@ -7615,11 +9353,6 @@
               </a:rPr>
               <a:t> </a:t>
             </a:r>
-            <a:endParaRPr lang="en-US" altLang="en-GB" sz="2000" b="1">
-              <a:solidFill>
-                <a:schemeClr val="bg1"/>
-              </a:solidFill>
-            </a:endParaRPr>
           </a:p>
         </p:txBody>
       </p:sp>
@@ -7632,7 +9365,7 @@
           <p:nvPr/>
         </p:nvPicPr>
         <p:blipFill>
-          <a:blip r:embed="rId2"/>
+          <a:blip r:embed="rId3"/>
           <a:stretch>
             <a:fillRect/>
           </a:stretch>
@@ -7668,7 +9401,7 @@
     <p:bg>
       <p:bgPr>
         <a:blipFill rotWithShape="1">
-          <a:blip r:embed="rId1"/>
+          <a:blip r:embed="rId2"/>
           <a:stretch>
             <a:fillRect/>
           </a:stretch>
@@ -7682,7 +9415,14 @@
         <p:cNvGrpSpPr/>
         <p:nvPr/>
       </p:nvGrpSpPr>
-      <p:grpSpPr/>
+      <p:grpSpPr>
+        <a:xfrm>
+          <a:off x="0" y="0"/>
+          <a:ext cx="0" cy="0"/>
+          <a:chOff x="0" y="0"/>
+          <a:chExt cx="0" cy="0"/>
+        </a:xfrm>
+      </p:grpSpPr>
       <p:sp>
         <p:nvSpPr>
           <p:cNvPr id="6" name="Text Box 5"/>
@@ -7703,6 +9443,7 @@
           <a:bodyPr wrap="square" rtlCol="0">
             <a:spAutoFit/>
           </a:bodyPr>
+          <a:lstStyle/>
           <a:p>
             <a:r>
               <a:rPr lang="en-US" altLang="en-GB" sz="3200" b="1">
@@ -7738,11 +9479,6 @@
               </a:rPr>
               <a:t> </a:t>
             </a:r>
-            <a:endParaRPr lang="en-US" altLang="en-GB" sz="2000" b="1">
-              <a:solidFill>
-                <a:schemeClr val="bg1"/>
-              </a:solidFill>
-            </a:endParaRPr>
           </a:p>
         </p:txBody>
       </p:sp>
@@ -7755,7 +9491,7 @@
           <p:nvPr/>
         </p:nvPicPr>
         <p:blipFill>
-          <a:blip r:embed="rId2"/>
+          <a:blip r:embed="rId3"/>
           <a:stretch>
             <a:fillRect/>
           </a:stretch>
@@ -7867,7 +9603,7 @@
     <p:bg>
       <p:bgPr>
         <a:blipFill rotWithShape="1">
-          <a:blip r:embed="rId1"/>
+          <a:blip r:embed="rId2"/>
           <a:stretch>
             <a:fillRect/>
           </a:stretch>
@@ -7881,7 +9617,14 @@
         <p:cNvGrpSpPr/>
         <p:nvPr/>
       </p:nvGrpSpPr>
-      <p:grpSpPr/>
+      <p:grpSpPr>
+        <a:xfrm>
+          <a:off x="0" y="0"/>
+          <a:ext cx="0" cy="0"/>
+          <a:chOff x="0" y="0"/>
+          <a:chExt cx="0" cy="0"/>
+        </a:xfrm>
+      </p:grpSpPr>
       <p:sp>
         <p:nvSpPr>
           <p:cNvPr id="6" name="Text Box 5"/>
@@ -7902,6 +9645,7 @@
           <a:bodyPr wrap="square" rtlCol="0">
             <a:spAutoFit/>
           </a:bodyPr>
+          <a:lstStyle/>
           <a:p>
             <a:r>
               <a:rPr lang="en-US" altLang="en-GB" sz="3200" b="1">
@@ -7928,11 +9672,6 @@
               </a:rPr>
               <a:t> </a:t>
             </a:r>
-            <a:endParaRPr lang="en-US" altLang="en-GB" sz="2000" b="1">
-              <a:solidFill>
-                <a:schemeClr val="bg1"/>
-              </a:solidFill>
-            </a:endParaRPr>
           </a:p>
         </p:txBody>
       </p:sp>
@@ -7956,6 +9695,7 @@
           <a:bodyPr wrap="square" rtlCol="0">
             <a:spAutoFit/>
           </a:bodyPr>
+          <a:lstStyle/>
           <a:p>
             <a:pPr marL="457200" indent="-457200">
               <a:buFont typeface="Arial" panose="020B0604020202020204" pitchFamily="34" charset="0"/>
@@ -7965,7 +9705,6 @@
               <a:rPr lang="en-US" altLang="en-GB" sz="2800" b="1"/>
               <a:t>Read weather news before drive.</a:t>
             </a:r>
-            <a:endParaRPr lang="en-US" altLang="en-GB" sz="2800" b="1"/>
           </a:p>
           <a:p>
             <a:pPr marL="457200" indent="-457200">
@@ -7983,7 +9722,6 @@
               <a:rPr lang="en-US" altLang="en-GB" sz="2800" b="1"/>
               <a:t>Prepare Your vehicle for Bad Weather</a:t>
             </a:r>
-            <a:endParaRPr lang="en-US" altLang="en-GB" sz="2800" b="1"/>
           </a:p>
           <a:p>
             <a:pPr marL="457200" indent="-457200">
@@ -8001,7 +9739,6 @@
               <a:rPr lang="en-US" altLang="en-GB" sz="2800" b="1"/>
               <a:t>If You’re Driving on Snowy or Icy Roads:</a:t>
             </a:r>
-            <a:endParaRPr lang="en-US" altLang="en-GB" sz="2800" b="1"/>
           </a:p>
           <a:p>
             <a:pPr marL="914400" lvl="1" indent="-457200">
@@ -8012,7 +9749,6 @@
               <a:rPr lang="en-US" altLang="en-GB" sz="2800"/>
               <a:t>Slow down</a:t>
             </a:r>
-            <a:endParaRPr lang="en-US" altLang="en-GB" sz="2800"/>
           </a:p>
           <a:p>
             <a:pPr marL="914400" lvl="1" indent="-457200">
@@ -8023,7 +9759,6 @@
               <a:rPr lang="en-US" altLang="en-GB" sz="2800"/>
               <a:t>Keep a safe following distance</a:t>
             </a:r>
-            <a:endParaRPr lang="en-US" altLang="en-GB" sz="2800"/>
           </a:p>
           <a:p>
             <a:pPr marL="914400" lvl="1" indent="-457200">
@@ -8041,7 +9776,6 @@
               <a:rPr lang="en-US" altLang="en-GB" sz="2800" b="1"/>
               <a:t>If You’re Driving in Foggy Conditions:</a:t>
             </a:r>
-            <a:endParaRPr lang="en-US" altLang="en-GB" sz="2800" b="1"/>
           </a:p>
           <a:p>
             <a:pPr marL="914400" lvl="1" indent="-457200">
@@ -8052,7 +9786,6 @@
               <a:rPr lang="en-US" altLang="en-GB" sz="2800"/>
               <a:t>Turn on the fog lights</a:t>
             </a:r>
-            <a:endParaRPr lang="en-US" altLang="en-GB" sz="2800"/>
           </a:p>
           <a:p>
             <a:pPr marL="914400" lvl="1" indent="-457200">
@@ -8063,7 +9796,6 @@
               <a:rPr lang="en-US" altLang="en-GB" sz="2800"/>
               <a:t>Slow down</a:t>
             </a:r>
-            <a:endParaRPr lang="en-US" altLang="en-GB" sz="2800"/>
           </a:p>
           <a:p>
             <a:pPr lvl="0" indent="-457200">
@@ -8419,6 +10151,8 @@
       </a:bgFillStyleLst>
     </a:fmtScheme>
   </a:themeElements>
+  <a:objectDefaults/>
+  <a:extraClrSchemeLst/>
   <a:extLst>
     <a:ext uri="{05A4C25C-085E-4340-85A3-A5531E510DB2}">
       <thm15:themeFamily xmlns:thm15="http://schemas.microsoft.com/office/thememl/2012/main" name="Office Theme" id="{62F939B6-93AF-4DB8-9C6B-D6C7DFDC589F}" vid="{4A3C46E8-61CC-4603-A589-7422A47A8E4A}"/>
@@ -8678,6 +10412,8 @@
       </a:bgFillStyleLst>
     </a:fmtScheme>
   </a:themeElements>
+  <a:objectDefaults/>
+  <a:extraClrSchemeLst/>
   <a:extLst>
     <a:ext uri="{05A4C25C-085E-4340-85A3-A5531E510DB2}">
       <thm15:themeFamily xmlns:thm15="http://schemas.microsoft.com/office/thememl/2012/main" name="Office Theme" id="{62F939B6-93AF-4DB8-9C6B-D6C7DFDC589F}" vid="{4A3C46E8-61CC-4603-A589-7422A47A8E4A}"/>

--- a/Lanh Nguyen.pptx
+++ b/Lanh Nguyen.pptx
@@ -5,30 +5,31 @@
     <p:sldMasterId id="2147483648" r:id="rId1"/>
   </p:sldMasterIdLst>
   <p:notesMasterIdLst>
-    <p:notesMasterId r:id="rId20"/>
+    <p:notesMasterId r:id="rId6"/>
   </p:notesMasterIdLst>
   <p:sldIdLst>
-    <p:sldId id="256" r:id="rId2"/>
-    <p:sldId id="257" r:id="rId3"/>
-    <p:sldId id="258" r:id="rId4"/>
-    <p:sldId id="259" r:id="rId5"/>
-    <p:sldId id="260" r:id="rId6"/>
-    <p:sldId id="261" r:id="rId7"/>
-    <p:sldId id="262" r:id="rId8"/>
-    <p:sldId id="263" r:id="rId9"/>
-    <p:sldId id="264" r:id="rId10"/>
-    <p:sldId id="265" r:id="rId11"/>
-    <p:sldId id="266" r:id="rId12"/>
-    <p:sldId id="267" r:id="rId13"/>
-    <p:sldId id="268" r:id="rId14"/>
-    <p:sldId id="269" r:id="rId15"/>
-    <p:sldId id="270" r:id="rId16"/>
-    <p:sldId id="271" r:id="rId17"/>
-    <p:sldId id="272" r:id="rId18"/>
-    <p:sldId id="273" r:id="rId19"/>
+    <p:sldId id="256" r:id="rId3"/>
+    <p:sldId id="257" r:id="rId4"/>
+    <p:sldId id="258" r:id="rId5"/>
+    <p:sldId id="259" r:id="rId7"/>
+    <p:sldId id="260" r:id="rId8"/>
+    <p:sldId id="261" r:id="rId9"/>
+    <p:sldId id="262" r:id="rId10"/>
+    <p:sldId id="263" r:id="rId11"/>
+    <p:sldId id="264" r:id="rId12"/>
+    <p:sldId id="265" r:id="rId13"/>
+    <p:sldId id="266" r:id="rId14"/>
+    <p:sldId id="267" r:id="rId15"/>
+    <p:sldId id="268" r:id="rId16"/>
+    <p:sldId id="269" r:id="rId17"/>
+    <p:sldId id="270" r:id="rId18"/>
+    <p:sldId id="271" r:id="rId19"/>
+    <p:sldId id="272" r:id="rId20"/>
+    <p:sldId id="273" r:id="rId21"/>
+    <p:sldId id="274" r:id="rId22"/>
   </p:sldIdLst>
   <p:sldSz cx="9144000" cy="6858000" type="screen4x3"/>
-  <p:notesSz cx="7104063" cy="10234613"/>
+  <p:notesSz cx="7103745" cy="10234295"/>
   <p:defaultTextStyle>
     <a:defPPr>
       <a:defRPr lang="en-US"/>
@@ -124,14 +125,6 @@
       </a:defRPr>
     </a:lvl9pPr>
   </p:defaultTextStyle>
-  <p:extLst>
-    <p:ext uri="{EFAFB233-063F-42B5-8137-9DF3F51BA10A}">
-      <p15:sldGuideLst xmlns:p15="http://schemas.microsoft.com/office/powerpoint/2012/main"/>
-    </p:ext>
-    <p:ext uri="{2D200454-40CA-4A62-9FC3-DE9A4176ACB9}">
-      <p15:notesGuideLst xmlns:p15="http://schemas.microsoft.com/office/powerpoint/2012/main"/>
-    </p:ext>
-  </p:extLst>
 </p:presentation>
 </file>
 
@@ -217,7 +210,6 @@
           <a:p>
             <a:fld id="{3EFD42F7-718C-4B98-AAEC-167E6DDD60A7}" type="datetimeFigureOut">
               <a:rPr lang="en-US" smtClean="0"/>
-              <a:t>26-Jun-18</a:t>
             </a:fld>
             <a:endParaRPr lang="en-US"/>
           </a:p>
@@ -284,6 +276,7 @@
               <a:rPr lang="en-US" smtClean="0"/>
               <a:t>Click to edit Master text styles</a:t>
             </a:r>
+            <a:endParaRPr lang="en-US" smtClean="0"/>
           </a:p>
           <a:p>
             <a:pPr lvl="1"/>
@@ -291,6 +284,7 @@
               <a:rPr lang="en-US" smtClean="0"/>
               <a:t>Second level</a:t>
             </a:r>
+            <a:endParaRPr lang="en-US" smtClean="0"/>
           </a:p>
           <a:p>
             <a:pPr lvl="2"/>
@@ -298,6 +292,7 @@
               <a:rPr lang="en-US" smtClean="0"/>
               <a:t>Third level</a:t>
             </a:r>
+            <a:endParaRPr lang="en-US" smtClean="0"/>
           </a:p>
           <a:p>
             <a:pPr lvl="3"/>
@@ -305,6 +300,7 @@
               <a:rPr lang="en-US" smtClean="0"/>
               <a:t>Fourth level</a:t>
             </a:r>
+            <a:endParaRPr lang="en-US" smtClean="0"/>
           </a:p>
           <a:p>
             <a:pPr lvl="4"/>
@@ -376,18 +372,12 @@
           <a:p>
             <a:fld id="{21B2AA4F-B828-4D7C-AFD3-893933DAFCB4}" type="slidenum">
               <a:rPr lang="en-US" smtClean="0"/>
-              <a:t>‹#›</a:t>
             </a:fld>
             <a:endParaRPr lang="en-US"/>
           </a:p>
         </p:txBody>
       </p:sp>
     </p:spTree>
-    <p:extLst>
-      <p:ext uri="{BB962C8B-B14F-4D97-AF65-F5344CB8AC3E}">
-        <p14:creationId xmlns:p14="http://schemas.microsoft.com/office/powerpoint/2010/main" val="140245143"/>
-      </p:ext>
-    </p:extLst>
   </p:cSld>
   <p:clrMap bg1="lt1" tx1="dk1" bg2="lt2" tx2="dk2" accent1="accent1" accent2="accent2" accent3="accent3" accent4="accent4" accent5="accent5" accent6="accent6" hlink="hlink" folHlink="folHlink"/>
   <p:notesStyle>
@@ -494,6 +484,58 @@
         <p:cNvGrpSpPr/>
         <p:nvPr/>
       </p:nvGrpSpPr>
+      <p:grpSpPr/>
+      <p:sp>
+        <p:nvSpPr>
+          <p:cNvPr id="2" name="Slide Image Placeholder 1"/>
+          <p:cNvSpPr/>
+          <p:nvPr>
+            <p:ph type="sldImg" idx="2"/>
+          </p:nvPr>
+        </p:nvSpPr>
+        <p:spPr/>
+      </p:sp>
+      <p:sp>
+        <p:nvSpPr>
+          <p:cNvPr id="3" name="Text Placeholder 2"/>
+          <p:cNvSpPr/>
+          <p:nvPr>
+            <p:ph type="body" idx="3"/>
+          </p:nvPr>
+        </p:nvSpPr>
+        <p:spPr/>
+        <p:txBody>
+          <a:bodyPr/>
+          <a:p>
+            <a:r>
+              <a:rPr lang="en-US" altLang="en-GB"/>
+              <a:t>- </a:t>
+            </a:r>
+            <a:r>
+              <a:rPr lang="en-GB" altLang="en-US"/>
+              <a:t>injured </a:t>
+            </a:r>
+            <a:endParaRPr lang="en-GB" altLang="en-US"/>
+          </a:p>
+        </p:txBody>
+      </p:sp>
+    </p:spTree>
+  </p:cSld>
+  <p:clrMapOvr>
+    <a:masterClrMapping/>
+  </p:clrMapOvr>
+</p:notes>
+</file>
+
+<file path=ppt/notesSlides/notesSlide10.xml><?xml version="1.0" encoding="utf-8"?>
+<p:notes xmlns:a="http://schemas.openxmlformats.org/drawingml/2006/main" xmlns:r="http://schemas.openxmlformats.org/officeDocument/2006/relationships" xmlns:p="http://schemas.openxmlformats.org/presentationml/2006/main">
+  <p:cSld>
+    <p:spTree>
+      <p:nvGrpSpPr>
+        <p:cNvPr id="1" name=""/>
+        <p:cNvGrpSpPr/>
+        <p:nvPr/>
+      </p:nvGrpSpPr>
       <p:grpSpPr>
         <a:xfrm>
           <a:off x="0" y="0"/>
@@ -512,7 +554,12 @@
             <p:ph type="sldImg" idx="2"/>
           </p:nvPr>
         </p:nvSpPr>
-        <p:spPr/>
+        <p:spPr>
+          <a:xfrm>
+            <a:off x="1247775" y="1279525"/>
+            <a:ext cx="4606925" cy="3454400"/>
+          </a:xfrm>
+        </p:spPr>
       </p:sp>
       <p:sp>
         <p:nvSpPr>
@@ -529,16 +576,83 @@
           <a:bodyPr/>
           <a:lstStyle/>
           <a:p>
-            <a:endParaRPr lang="en-GB" altLang="en-US"/>
+            <a:r>
+              <a:rPr lang="en-US" altLang="en-GB"/>
+              <a:t>- impair: pare down</a:t>
+            </a:r>
+            <a:endParaRPr lang="en-US" altLang="en-GB"/>
+          </a:p>
+          <a:p>
+            <a:r>
+              <a:rPr lang="en-US" altLang="en-GB"/>
+              <a:t>- seat belts: to protected passengers/drivers to against harmful movement  or sudden stop</a:t>
+            </a:r>
+            <a:endParaRPr lang="en-US" altLang="en-GB"/>
           </a:p>
         </p:txBody>
       </p:sp>
     </p:spTree>
-    <p:extLst>
-      <p:ext uri="{BB962C8B-B14F-4D97-AF65-F5344CB8AC3E}">
-        <p14:creationId xmlns:p14="http://schemas.microsoft.com/office/powerpoint/2010/main" val="1584091980"/>
-      </p:ext>
-    </p:extLst>
+  </p:cSld>
+  <p:clrMapOvr>
+    <a:masterClrMapping/>
+  </p:clrMapOvr>
+</p:notes>
+</file>
+
+<file path=ppt/notesSlides/notesSlide11.xml><?xml version="1.0" encoding="utf-8"?>
+<p:notes xmlns:a="http://schemas.openxmlformats.org/drawingml/2006/main" xmlns:r="http://schemas.openxmlformats.org/officeDocument/2006/relationships" xmlns:p="http://schemas.openxmlformats.org/presentationml/2006/main">
+  <p:cSld>
+    <p:spTree>
+      <p:nvGrpSpPr>
+        <p:cNvPr id="1" name=""/>
+        <p:cNvGrpSpPr/>
+        <p:nvPr/>
+      </p:nvGrpSpPr>
+      <p:grpSpPr>
+        <a:xfrm>
+          <a:off x="0" y="0"/>
+          <a:ext cx="0" cy="0"/>
+          <a:chOff x="0" y="0"/>
+          <a:chExt cx="0" cy="0"/>
+        </a:xfrm>
+      </p:grpSpPr>
+      <p:sp>
+        <p:nvSpPr>
+          <p:cNvPr id="2" name="Slide Image Placeholder 1"/>
+          <p:cNvSpPr>
+            <a:spLocks noGrp="1" noRot="1" noChangeAspect="1"/>
+          </p:cNvSpPr>
+          <p:nvPr>
+            <p:ph type="sldImg" idx="2"/>
+          </p:nvPr>
+        </p:nvSpPr>
+        <p:spPr>
+          <a:xfrm>
+            <a:off x="1247775" y="1279525"/>
+            <a:ext cx="4606925" cy="3454400"/>
+          </a:xfrm>
+        </p:spPr>
+      </p:sp>
+      <p:sp>
+        <p:nvSpPr>
+          <p:cNvPr id="3" name="Text Placeholder 2"/>
+          <p:cNvSpPr>
+            <a:spLocks noGrp="1"/>
+          </p:cNvSpPr>
+          <p:nvPr>
+            <p:ph type="body" idx="3"/>
+          </p:nvPr>
+        </p:nvSpPr>
+        <p:spPr/>
+        <p:txBody>
+          <a:bodyPr/>
+          <a:lstStyle/>
+          <a:p>
+            <a:endParaRPr lang="en-US" altLang="en-GB"/>
+          </a:p>
+        </p:txBody>
+      </p:sp>
+    </p:spTree>
   </p:cSld>
   <p:clrMapOvr>
     <a:masterClrMapping/>
@@ -595,11 +709,6 @@
         </p:txBody>
       </p:sp>
     </p:spTree>
-    <p:extLst>
-      <p:ext uri="{BB962C8B-B14F-4D97-AF65-F5344CB8AC3E}">
-        <p14:creationId xmlns:p14="http://schemas.microsoft.com/office/powerpoint/2010/main" val="582835867"/>
-      </p:ext>
-    </p:extLst>
   </p:cSld>
   <p:clrMapOvr>
     <a:masterClrMapping/>
@@ -656,11 +765,6 @@
         </p:txBody>
       </p:sp>
     </p:spTree>
-    <p:extLst>
-      <p:ext uri="{BB962C8B-B14F-4D97-AF65-F5344CB8AC3E}">
-        <p14:creationId xmlns:p14="http://schemas.microsoft.com/office/powerpoint/2010/main" val="4069491294"/>
-      </p:ext>
-    </p:extLst>
   </p:cSld>
   <p:clrMapOvr>
     <a:masterClrMapping/>
@@ -712,19 +816,11 @@
           <a:bodyPr/>
           <a:lstStyle/>
           <a:p>
-            <a:r>
-              <a:rPr lang="en-GB" altLang="en-US" dirty="0"/>
-              <a:t>Yield to oncoming traffic</a:t>
-            </a:r>
+            <a:endParaRPr lang="en-GB" altLang="en-US"/>
           </a:p>
         </p:txBody>
       </p:sp>
     </p:spTree>
-    <p:extLst>
-      <p:ext uri="{BB962C8B-B14F-4D97-AF65-F5344CB8AC3E}">
-        <p14:creationId xmlns:p14="http://schemas.microsoft.com/office/powerpoint/2010/main" val="830262855"/>
-      </p:ext>
-    </p:extLst>
   </p:cSld>
   <p:clrMapOvr>
     <a:masterClrMapping/>
@@ -759,12 +855,7 @@
             <p:ph type="sldImg" idx="2"/>
           </p:nvPr>
         </p:nvSpPr>
-        <p:spPr>
-          <a:xfrm>
-            <a:off x="1247775" y="1279525"/>
-            <a:ext cx="4606925" cy="3454400"/>
-          </a:xfrm>
-        </p:spPr>
+        <p:spPr/>
       </p:sp>
       <p:sp>
         <p:nvSpPr>
@@ -782,18 +873,23 @@
           <a:lstStyle/>
           <a:p>
             <a:r>
-              <a:rPr lang="en-GB" altLang="en-US"/>
+              <a:rPr lang="en-GB" altLang="en-US" dirty="0"/>
               <a:t>Yield to oncoming traffic</a:t>
             </a:r>
+            <a:endParaRPr lang="en-GB" altLang="en-US" dirty="0"/>
+          </a:p>
+          <a:p>
+            <a:r>
+              <a:rPr lang="en-US" altLang="en-GB">
+                <a:sym typeface="+mn-ea"/>
+              </a:rPr>
+              <a:t>are usually red bordered white circles. They sometimes have a red slash on them.</a:t>
+            </a:r>
+            <a:endParaRPr lang="en-GB" altLang="en-US" dirty="0"/>
           </a:p>
         </p:txBody>
       </p:sp>
     </p:spTree>
-    <p:extLst>
-      <p:ext uri="{BB962C8B-B14F-4D97-AF65-F5344CB8AC3E}">
-        <p14:creationId xmlns:p14="http://schemas.microsoft.com/office/powerpoint/2010/main" val="238283167"/>
-      </p:ext>
-    </p:extLst>
   </p:cSld>
   <p:clrMapOvr>
     <a:masterClrMapping/>
@@ -850,19 +946,29 @@
           <a:bodyPr/>
           <a:lstStyle/>
           <a:p>
-            <a:r>
-              <a:rPr lang="en-GB" altLang="en-US"/>
-              <a:t>Yield to oncoming traffic</a:t>
-            </a:r>
+            <a:pPr marL="0" lvl="1"/>
+            <a:r>
+              <a:rPr lang="en-US" altLang="en-GB" b="1" dirty="0">
+                <a:sym typeface="+mn-ea"/>
+              </a:rPr>
+              <a:t> </a:t>
+            </a:r>
+            <a:r>
+              <a:rPr lang="en-US" altLang="en-GB" dirty="0">
+                <a:sym typeface="+mn-ea"/>
+              </a:rPr>
+              <a:t>are red bordered yellow triangles.</a:t>
+            </a:r>
+            <a:endParaRPr lang="en-US" altLang="en-GB" dirty="0">
+              <a:sym typeface="+mn-ea"/>
+            </a:endParaRPr>
+          </a:p>
+          <a:p>
+            <a:endParaRPr lang="en-GB" altLang="en-US"/>
           </a:p>
         </p:txBody>
       </p:sp>
     </p:spTree>
-    <p:extLst>
-      <p:ext uri="{BB962C8B-B14F-4D97-AF65-F5344CB8AC3E}">
-        <p14:creationId xmlns:p14="http://schemas.microsoft.com/office/powerpoint/2010/main" val="563222164"/>
-      </p:ext>
-    </p:extLst>
   </p:cSld>
   <p:clrMapOvr>
     <a:masterClrMapping/>
@@ -920,18 +1026,28 @@
           <a:lstStyle/>
           <a:p>
             <a:r>
-              <a:rPr lang="en-GB" altLang="en-US"/>
-              <a:t>Yield to oncoming traffic</a:t>
-            </a:r>
+              <a:rPr lang="en-US" altLang="en-GB" b="1" dirty="0" smtClean="0">
+                <a:sym typeface="+mn-ea"/>
+              </a:rPr>
+              <a:t> </a:t>
+            </a:r>
+            <a:r>
+              <a:rPr lang="en-US" altLang="en-GB" dirty="0">
+                <a:sym typeface="+mn-ea"/>
+              </a:rPr>
+              <a:t>are </a:t>
+            </a:r>
+            <a:r>
+              <a:rPr lang="en-US" altLang="en-GB" dirty="0" smtClean="0">
+                <a:sym typeface="+mn-ea"/>
+              </a:rPr>
+              <a:t>blue rectangles.</a:t>
+            </a:r>
+            <a:endParaRPr lang="en-GB" altLang="en-US"/>
           </a:p>
         </p:txBody>
       </p:sp>
     </p:spTree>
-    <p:extLst>
-      <p:ext uri="{BB962C8B-B14F-4D97-AF65-F5344CB8AC3E}">
-        <p14:creationId xmlns:p14="http://schemas.microsoft.com/office/powerpoint/2010/main" val="4271321998"/>
-      </p:ext>
-    </p:extLst>
   </p:cSld>
   <p:clrMapOvr>
     <a:masterClrMapping/>
@@ -989,18 +1105,47 @@
           <a:lstStyle/>
           <a:p>
             <a:r>
+              <a:rPr lang="en-US" altLang="en-GB" dirty="0" smtClean="0">
+                <a:sym typeface="+mn-ea"/>
+              </a:rPr>
+              <a:t>- normally are blue circle</a:t>
+            </a:r>
+            <a:endParaRPr lang="en-US" altLang="en-GB" dirty="0" smtClean="0">
+              <a:sym typeface="+mn-ea"/>
+            </a:endParaRPr>
+          </a:p>
+          <a:p>
+            <a:r>
+              <a:rPr lang="en-US" altLang="en-GB"/>
+              <a:t>- str</a:t>
+            </a:r>
+            <a:r>
               <a:rPr lang="en-GB" altLang="en-US"/>
-              <a:t>Yield to oncoming traffic</a:t>
-            </a:r>
+              <a:t>aight ahead or turning right</a:t>
+            </a:r>
+            <a:endParaRPr lang="en-GB" altLang="en-US"/>
+          </a:p>
+          <a:p>
+            <a:r>
+              <a:rPr lang="en-US" altLang="en-GB"/>
+              <a:t>- </a:t>
+            </a:r>
+            <a:r>
+              <a:rPr lang="en-GB" altLang="en-US"/>
+              <a:t>roundabout</a:t>
+            </a:r>
+            <a:endParaRPr lang="en-GB" altLang="en-US"/>
+          </a:p>
+          <a:p>
+            <a:r>
+              <a:rPr lang="en-US" altLang="en-GB"/>
+              <a:t>- honk</a:t>
+            </a:r>
+            <a:endParaRPr lang="en-US" altLang="en-GB"/>
           </a:p>
         </p:txBody>
       </p:sp>
     </p:spTree>
-    <p:extLst>
-      <p:ext uri="{BB962C8B-B14F-4D97-AF65-F5344CB8AC3E}">
-        <p14:creationId xmlns:p14="http://schemas.microsoft.com/office/powerpoint/2010/main" val="3058262205"/>
-      </p:ext>
-    </p:extLst>
   </p:cSld>
   <p:clrMapOvr>
     <a:masterClrMapping/>
@@ -1061,15 +1206,11 @@
               <a:rPr lang="en-GB" altLang="en-US"/>
               <a:t>Yield to oncoming traffic</a:t>
             </a:r>
+            <a:endParaRPr lang="en-GB" altLang="en-US"/>
           </a:p>
         </p:txBody>
       </p:sp>
     </p:spTree>
-    <p:extLst>
-      <p:ext uri="{BB962C8B-B14F-4D97-AF65-F5344CB8AC3E}">
-        <p14:creationId xmlns:p14="http://schemas.microsoft.com/office/powerpoint/2010/main" val="2072766186"/>
-      </p:ext>
-    </p:extLst>
   </p:cSld>
   <p:clrMapOvr>
     <a:masterClrMapping/>
@@ -1208,7 +1349,6 @@
           <a:p>
             <a:fld id="{FDE934FF-F4E1-47C5-9CA5-30A81DDE2BE4}" type="datetimeFigureOut">
               <a:rPr lang="en-US" smtClean="0"/>
-              <a:t>26-Jun-18</a:t>
             </a:fld>
             <a:endParaRPr lang="en-US"/>
           </a:p>
@@ -1250,7 +1390,6 @@
           <a:p>
             <a:fld id="{B3561BA9-CDCF-4958-B8AB-66F3BF063E13}" type="slidenum">
               <a:rPr lang="en-US" smtClean="0"/>
-              <a:t>‹#›</a:t>
             </a:fld>
             <a:endParaRPr lang="en-US"/>
           </a:p>
@@ -1306,6 +1445,7 @@
               <a:rPr lang="en-US" smtClean="0"/>
               <a:t>Click to edit Master text styles</a:t>
             </a:r>
+            <a:endParaRPr lang="en-US" smtClean="0"/>
           </a:p>
           <a:p>
             <a:pPr lvl="1"/>
@@ -1313,6 +1453,7 @@
               <a:rPr lang="en-US" smtClean="0"/>
               <a:t>Second level</a:t>
             </a:r>
+            <a:endParaRPr lang="en-US" smtClean="0"/>
           </a:p>
           <a:p>
             <a:pPr lvl="2"/>
@@ -1320,6 +1461,7 @@
               <a:rPr lang="en-US" smtClean="0"/>
               <a:t>Third level</a:t>
             </a:r>
+            <a:endParaRPr lang="en-US" smtClean="0"/>
           </a:p>
           <a:p>
             <a:pPr lvl="3"/>
@@ -1327,6 +1469,7 @@
               <a:rPr lang="en-US" smtClean="0"/>
               <a:t>Fourth level</a:t>
             </a:r>
+            <a:endParaRPr lang="en-US" smtClean="0"/>
           </a:p>
           <a:p>
             <a:pPr lvl="4"/>
@@ -1355,7 +1498,6 @@
           <a:p>
             <a:fld id="{FDE934FF-F4E1-47C5-9CA5-30A81DDE2BE4}" type="datetimeFigureOut">
               <a:rPr lang="en-US" smtClean="0"/>
-              <a:t>26-Jun-18</a:t>
             </a:fld>
             <a:endParaRPr lang="en-US"/>
           </a:p>
@@ -1397,7 +1539,6 @@
           <a:p>
             <a:fld id="{B3561BA9-CDCF-4958-B8AB-66F3BF063E13}" type="slidenum">
               <a:rPr lang="en-US" smtClean="0"/>
-              <a:t>‹#›</a:t>
             </a:fld>
             <a:endParaRPr lang="en-US"/>
           </a:p>
@@ -1471,6 +1612,7 @@
               <a:rPr lang="en-US" smtClean="0"/>
               <a:t>Click to edit Master text styles</a:t>
             </a:r>
+            <a:endParaRPr lang="en-US" smtClean="0"/>
           </a:p>
           <a:p>
             <a:pPr lvl="1"/>
@@ -1478,6 +1620,7 @@
               <a:rPr lang="en-US" smtClean="0"/>
               <a:t>Second level</a:t>
             </a:r>
+            <a:endParaRPr lang="en-US" smtClean="0"/>
           </a:p>
           <a:p>
             <a:pPr lvl="2"/>
@@ -1485,6 +1628,7 @@
               <a:rPr lang="en-US" smtClean="0"/>
               <a:t>Third level</a:t>
             </a:r>
+            <a:endParaRPr lang="en-US" smtClean="0"/>
           </a:p>
           <a:p>
             <a:pPr lvl="3"/>
@@ -1492,6 +1636,7 @@
               <a:rPr lang="en-US" smtClean="0"/>
               <a:t>Fourth level</a:t>
             </a:r>
+            <a:endParaRPr lang="en-US" smtClean="0"/>
           </a:p>
           <a:p>
             <a:pPr lvl="4"/>
@@ -1520,7 +1665,6 @@
           <a:p>
             <a:fld id="{FDE934FF-F4E1-47C5-9CA5-30A81DDE2BE4}" type="datetimeFigureOut">
               <a:rPr lang="en-US" smtClean="0"/>
-              <a:t>26-Jun-18</a:t>
             </a:fld>
             <a:endParaRPr lang="en-US"/>
           </a:p>
@@ -1562,7 +1706,6 @@
           <a:p>
             <a:fld id="{B3561BA9-CDCF-4958-B8AB-66F3BF063E13}" type="slidenum">
               <a:rPr lang="en-US" smtClean="0"/>
-              <a:t>‹#›</a:t>
             </a:fld>
             <a:endParaRPr lang="en-US"/>
           </a:p>
@@ -1741,6 +1884,7 @@
               <a:rPr lang="en-US" smtClean="0"/>
               <a:t>Click to edit Master text styles</a:t>
             </a:r>
+            <a:endParaRPr lang="en-US" smtClean="0"/>
           </a:p>
         </p:txBody>
       </p:sp>
@@ -1761,7 +1905,6 @@
           <a:p>
             <a:fld id="{FDE934FF-F4E1-47C5-9CA5-30A81DDE2BE4}" type="datetimeFigureOut">
               <a:rPr lang="en-US" smtClean="0"/>
-              <a:t>26-Jun-18</a:t>
             </a:fld>
             <a:endParaRPr lang="en-US"/>
           </a:p>
@@ -1803,7 +1946,6 @@
           <a:p>
             <a:fld id="{B3561BA9-CDCF-4958-B8AB-66F3BF063E13}" type="slidenum">
               <a:rPr lang="en-US" smtClean="0"/>
-              <a:t>‹#›</a:t>
             </a:fld>
             <a:endParaRPr lang="en-US"/>
           </a:p>
@@ -1882,6 +2024,7 @@
               <a:rPr lang="en-US" smtClean="0"/>
               <a:t>Click to edit Master text styles</a:t>
             </a:r>
+            <a:endParaRPr lang="en-US" smtClean="0"/>
           </a:p>
           <a:p>
             <a:pPr lvl="1"/>
@@ -1889,6 +2032,7 @@
               <a:rPr lang="en-US" smtClean="0"/>
               <a:t>Second level</a:t>
             </a:r>
+            <a:endParaRPr lang="en-US" smtClean="0"/>
           </a:p>
           <a:p>
             <a:pPr lvl="2"/>
@@ -1896,6 +2040,7 @@
               <a:rPr lang="en-US" smtClean="0"/>
               <a:t>Third level</a:t>
             </a:r>
+            <a:endParaRPr lang="en-US" smtClean="0"/>
           </a:p>
           <a:p>
             <a:pPr lvl="3"/>
@@ -1903,6 +2048,7 @@
               <a:rPr lang="en-US" smtClean="0"/>
               <a:t>Fourth level</a:t>
             </a:r>
+            <a:endParaRPr lang="en-US" smtClean="0"/>
           </a:p>
           <a:p>
             <a:pPr lvl="4"/>
@@ -1939,6 +2085,7 @@
               <a:rPr lang="en-US" smtClean="0"/>
               <a:t>Click to edit Master text styles</a:t>
             </a:r>
+            <a:endParaRPr lang="en-US" smtClean="0"/>
           </a:p>
           <a:p>
             <a:pPr lvl="1"/>
@@ -1946,6 +2093,7 @@
               <a:rPr lang="en-US" smtClean="0"/>
               <a:t>Second level</a:t>
             </a:r>
+            <a:endParaRPr lang="en-US" smtClean="0"/>
           </a:p>
           <a:p>
             <a:pPr lvl="2"/>
@@ -1953,6 +2101,7 @@
               <a:rPr lang="en-US" smtClean="0"/>
               <a:t>Third level</a:t>
             </a:r>
+            <a:endParaRPr lang="en-US" smtClean="0"/>
           </a:p>
           <a:p>
             <a:pPr lvl="3"/>
@@ -1960,6 +2109,7 @@
               <a:rPr lang="en-US" smtClean="0"/>
               <a:t>Fourth level</a:t>
             </a:r>
+            <a:endParaRPr lang="en-US" smtClean="0"/>
           </a:p>
           <a:p>
             <a:pPr lvl="4"/>
@@ -1988,7 +2138,6 @@
           <a:p>
             <a:fld id="{FDE934FF-F4E1-47C5-9CA5-30A81DDE2BE4}" type="datetimeFigureOut">
               <a:rPr lang="en-US" smtClean="0"/>
-              <a:t>26-Jun-18</a:t>
             </a:fld>
             <a:endParaRPr lang="en-US"/>
           </a:p>
@@ -2030,7 +2179,6 @@
           <a:p>
             <a:fld id="{B3561BA9-CDCF-4958-B8AB-66F3BF063E13}" type="slidenum">
               <a:rPr lang="en-US" smtClean="0"/>
-              <a:t>‹#›</a:t>
             </a:fld>
             <a:endParaRPr lang="en-US"/>
           </a:p>
@@ -2151,6 +2299,7 @@
               <a:rPr lang="en-US" smtClean="0"/>
               <a:t>Click to edit Master text styles</a:t>
             </a:r>
+            <a:endParaRPr lang="en-US" smtClean="0"/>
           </a:p>
         </p:txBody>
       </p:sp>
@@ -2179,6 +2328,7 @@
               <a:rPr lang="en-US" smtClean="0"/>
               <a:t>Click to edit Master text styles</a:t>
             </a:r>
+            <a:endParaRPr lang="en-US" smtClean="0"/>
           </a:p>
           <a:p>
             <a:pPr lvl="1"/>
@@ -2186,6 +2336,7 @@
               <a:rPr lang="en-US" smtClean="0"/>
               <a:t>Second level</a:t>
             </a:r>
+            <a:endParaRPr lang="en-US" smtClean="0"/>
           </a:p>
           <a:p>
             <a:pPr lvl="2"/>
@@ -2193,6 +2344,7 @@
               <a:rPr lang="en-US" smtClean="0"/>
               <a:t>Third level</a:t>
             </a:r>
+            <a:endParaRPr lang="en-US" smtClean="0"/>
           </a:p>
           <a:p>
             <a:pPr lvl="3"/>
@@ -2200,6 +2352,7 @@
               <a:rPr lang="en-US" smtClean="0"/>
               <a:t>Fourth level</a:t>
             </a:r>
+            <a:endParaRPr lang="en-US" smtClean="0"/>
           </a:p>
           <a:p>
             <a:pPr lvl="4"/>
@@ -2273,6 +2426,7 @@
               <a:rPr lang="en-US" smtClean="0"/>
               <a:t>Click to edit Master text styles</a:t>
             </a:r>
+            <a:endParaRPr lang="en-US" smtClean="0"/>
           </a:p>
         </p:txBody>
       </p:sp>
@@ -2301,6 +2455,7 @@
               <a:rPr lang="en-US" smtClean="0"/>
               <a:t>Click to edit Master text styles</a:t>
             </a:r>
+            <a:endParaRPr lang="en-US" smtClean="0"/>
           </a:p>
           <a:p>
             <a:pPr lvl="1"/>
@@ -2308,6 +2463,7 @@
               <a:rPr lang="en-US" smtClean="0"/>
               <a:t>Second level</a:t>
             </a:r>
+            <a:endParaRPr lang="en-US" smtClean="0"/>
           </a:p>
           <a:p>
             <a:pPr lvl="2"/>
@@ -2315,6 +2471,7 @@
               <a:rPr lang="en-US" smtClean="0"/>
               <a:t>Third level</a:t>
             </a:r>
+            <a:endParaRPr lang="en-US" smtClean="0"/>
           </a:p>
           <a:p>
             <a:pPr lvl="3"/>
@@ -2322,6 +2479,7 @@
               <a:rPr lang="en-US" smtClean="0"/>
               <a:t>Fourth level</a:t>
             </a:r>
+            <a:endParaRPr lang="en-US" smtClean="0"/>
           </a:p>
           <a:p>
             <a:pPr lvl="4"/>
@@ -2350,7 +2508,6 @@
           <a:p>
             <a:fld id="{FDE934FF-F4E1-47C5-9CA5-30A81DDE2BE4}" type="datetimeFigureOut">
               <a:rPr lang="en-US" smtClean="0"/>
-              <a:t>26-Jun-18</a:t>
             </a:fld>
             <a:endParaRPr lang="en-US"/>
           </a:p>
@@ -2392,7 +2549,6 @@
           <a:p>
             <a:fld id="{B3561BA9-CDCF-4958-B8AB-66F3BF063E13}" type="slidenum">
               <a:rPr lang="en-US" smtClean="0"/>
-              <a:t>‹#›</a:t>
             </a:fld>
             <a:endParaRPr lang="en-US"/>
           </a:p>
@@ -2463,7 +2619,6 @@
           <a:p>
             <a:fld id="{FDE934FF-F4E1-47C5-9CA5-30A81DDE2BE4}" type="datetimeFigureOut">
               <a:rPr lang="en-US" smtClean="0"/>
-              <a:t>26-Jun-18</a:t>
             </a:fld>
             <a:endParaRPr lang="en-US"/>
           </a:p>
@@ -2505,7 +2660,6 @@
           <a:p>
             <a:fld id="{B3561BA9-CDCF-4958-B8AB-66F3BF063E13}" type="slidenum">
               <a:rPr lang="en-US" smtClean="0"/>
-              <a:t>‹#›</a:t>
             </a:fld>
             <a:endParaRPr lang="en-US"/>
           </a:p>
@@ -2553,7 +2707,6 @@
           <a:p>
             <a:fld id="{FDE934FF-F4E1-47C5-9CA5-30A81DDE2BE4}" type="datetimeFigureOut">
               <a:rPr lang="en-US" smtClean="0"/>
-              <a:t>26-Jun-18</a:t>
             </a:fld>
             <a:endParaRPr lang="en-US"/>
           </a:p>
@@ -2595,7 +2748,6 @@
           <a:p>
             <a:fld id="{B3561BA9-CDCF-4958-B8AB-66F3BF063E13}" type="slidenum">
               <a:rPr lang="en-US" smtClean="0"/>
-              <a:t>‹#›</a:t>
             </a:fld>
             <a:endParaRPr lang="en-US"/>
           </a:p>
@@ -2781,6 +2933,7 @@
               <a:rPr lang="en-US" smtClean="0"/>
               <a:t>Click to edit Master text styles</a:t>
             </a:r>
+            <a:endParaRPr lang="en-US" smtClean="0"/>
           </a:p>
         </p:txBody>
       </p:sp>
@@ -2801,7 +2954,6 @@
           <a:p>
             <a:fld id="{FDE934FF-F4E1-47C5-9CA5-30A81DDE2BE4}" type="datetimeFigureOut">
               <a:rPr lang="en-US" smtClean="0"/>
-              <a:t>26-Jun-18</a:t>
             </a:fld>
             <a:endParaRPr lang="en-US"/>
           </a:p>
@@ -2843,7 +2995,6 @@
           <a:p>
             <a:fld id="{B3561BA9-CDCF-4958-B8AB-66F3BF063E13}" type="slidenum">
               <a:rPr lang="en-US" smtClean="0"/>
-              <a:t>‹#›</a:t>
             </a:fld>
             <a:endParaRPr lang="en-US"/>
           </a:p>
@@ -2934,6 +3085,7 @@
               <a:rPr lang="en-US" smtClean="0"/>
               <a:t>Click to edit Master text styles</a:t>
             </a:r>
+            <a:endParaRPr lang="en-US" smtClean="0"/>
           </a:p>
           <a:p>
             <a:pPr lvl="1"/>
@@ -2941,6 +3093,7 @@
               <a:rPr lang="en-US" smtClean="0"/>
               <a:t>Second level</a:t>
             </a:r>
+            <a:endParaRPr lang="en-US" smtClean="0"/>
           </a:p>
           <a:p>
             <a:pPr lvl="2"/>
@@ -2948,6 +3101,7 @@
               <a:rPr lang="en-US" smtClean="0"/>
               <a:t>Third level</a:t>
             </a:r>
+            <a:endParaRPr lang="en-US" smtClean="0"/>
           </a:p>
           <a:p>
             <a:pPr lvl="3"/>
@@ -2955,6 +3109,7 @@
               <a:rPr lang="en-US" smtClean="0"/>
               <a:t>Fourth level</a:t>
             </a:r>
+            <a:endParaRPr lang="en-US" smtClean="0"/>
           </a:p>
           <a:p>
             <a:pPr lvl="4"/>
@@ -2983,7 +3138,6 @@
           <a:p>
             <a:fld id="{FDE934FF-F4E1-47C5-9CA5-30A81DDE2BE4}" type="datetimeFigureOut">
               <a:rPr lang="en-US" smtClean="0"/>
-              <a:t>26-Jun-18</a:t>
             </a:fld>
             <a:endParaRPr lang="en-US"/>
           </a:p>
@@ -3025,7 +3179,6 @@
           <a:p>
             <a:fld id="{B3561BA9-CDCF-4958-B8AB-66F3BF063E13}" type="slidenum">
               <a:rPr lang="en-US" smtClean="0"/>
-              <a:t>‹#›</a:t>
             </a:fld>
             <a:endParaRPr lang="en-US"/>
           </a:p>
@@ -3124,6 +3277,7 @@
               <a:rPr lang="en-US" smtClean="0"/>
               <a:t>Click to edit Master text styles</a:t>
             </a:r>
+            <a:endParaRPr lang="en-US" smtClean="0"/>
           </a:p>
           <a:p>
             <a:pPr lvl="1"/>
@@ -3131,6 +3285,7 @@
               <a:rPr lang="en-US" smtClean="0"/>
               <a:t>Second level</a:t>
             </a:r>
+            <a:endParaRPr lang="en-US" smtClean="0"/>
           </a:p>
           <a:p>
             <a:pPr lvl="2"/>
@@ -3138,6 +3293,7 @@
               <a:rPr lang="en-US" smtClean="0"/>
               <a:t>Third level</a:t>
             </a:r>
+            <a:endParaRPr lang="en-US" smtClean="0"/>
           </a:p>
           <a:p>
             <a:pPr lvl="3"/>
@@ -3145,6 +3301,7 @@
               <a:rPr lang="en-US" smtClean="0"/>
               <a:t>Fourth level</a:t>
             </a:r>
+            <a:endParaRPr lang="en-US" smtClean="0"/>
           </a:p>
           <a:p>
             <a:pPr lvl="4"/>
@@ -3191,7 +3348,6 @@
           <a:p>
             <a:fld id="{FDE934FF-F4E1-47C5-9CA5-30A81DDE2BE4}" type="datetimeFigureOut">
               <a:rPr lang="en-US" smtClean="0"/>
-              <a:t>26-Jun-18</a:t>
             </a:fld>
             <a:endParaRPr lang="en-US"/>
           </a:p>
@@ -3269,7 +3425,6 @@
           <a:p>
             <a:fld id="{B3561BA9-CDCF-4958-B8AB-66F3BF063E13}" type="slidenum">
               <a:rPr lang="en-US" smtClean="0"/>
-              <a:t>‹#›</a:t>
             </a:fld>
             <a:endParaRPr lang="en-US"/>
           </a:p>
@@ -3579,7 +3734,7 @@
     <p:bg>
       <p:bgPr>
         <a:blipFill rotWithShape="1">
-          <a:blip r:embed="rId2"/>
+          <a:blip r:embed="rId1"/>
           <a:stretch>
             <a:fillRect/>
           </a:stretch>
@@ -3669,6 +3824,11 @@
               </a:rPr>
               <a:t>SAFE DRIVING</a:t>
             </a:r>
+            <a:endParaRPr lang="en-US" altLang="en-GB" sz="3200" b="1">
+              <a:solidFill>
+                <a:schemeClr val="bg1"/>
+              </a:solidFill>
+            </a:endParaRPr>
           </a:p>
         </p:txBody>
       </p:sp>
@@ -3681,7 +3841,7 @@
           <p:nvPr/>
         </p:nvPicPr>
         <p:blipFill>
-          <a:blip r:embed="rId3"/>
+          <a:blip r:embed="rId2"/>
           <a:stretch>
             <a:fillRect/>
           </a:stretch>
@@ -3748,16 +3908,13 @@
               </a:rPr>
               <a:t>WHY</a:t>
             </a:r>
-          </a:p>
-          <a:p>
-            <a:r>
-              <a:rPr lang="en-US" altLang="en-GB" sz="6000" b="1">
-                <a:solidFill>
-                  <a:srgbClr val="FFD800"/>
-                </a:solidFill>
-              </a:rPr>
-              <a:t/>
-            </a:r>
+            <a:endParaRPr lang="en-US" altLang="en-GB" sz="6000" b="1">
+              <a:solidFill>
+                <a:srgbClr val="FFD800"/>
+              </a:solidFill>
+            </a:endParaRPr>
+          </a:p>
+          <a:p>
             <a:br>
               <a:rPr lang="en-US" altLang="en-GB" sz="6000" b="1">
                 <a:solidFill>
@@ -3781,6 +3938,11 @@
               </a:rPr>
               <a:t>and</a:t>
             </a:r>
+            <a:endParaRPr lang="en-US" altLang="en-GB" sz="4000" b="1">
+              <a:solidFill>
+                <a:srgbClr val="FFD800"/>
+              </a:solidFill>
+            </a:endParaRPr>
           </a:p>
           <a:p>
             <a:endParaRPr lang="en-US" altLang="en-GB" sz="6000" b="1">
@@ -3798,6 +3960,11 @@
               </a:rPr>
               <a:t>HOW</a:t>
             </a:r>
+            <a:endParaRPr lang="en-US" altLang="en-GB" sz="6000" b="1">
+              <a:solidFill>
+                <a:srgbClr val="FFD800"/>
+              </a:solidFill>
+            </a:endParaRPr>
           </a:p>
         </p:txBody>
       </p:sp>
@@ -4028,7 +4195,7 @@
     <p:bg>
       <p:bgPr>
         <a:blipFill rotWithShape="1">
-          <a:blip r:embed="rId3"/>
+          <a:blip r:embed="rId1"/>
           <a:stretch>
             <a:fillRect/>
           </a:stretch>
@@ -4097,6 +4264,11 @@
               </a:rPr>
               <a:t> </a:t>
             </a:r>
+            <a:endParaRPr lang="en-US" altLang="en-GB" sz="2000" b="1">
+              <a:solidFill>
+                <a:schemeClr val="bg1"/>
+              </a:solidFill>
+            </a:endParaRPr>
           </a:p>
         </p:txBody>
       </p:sp>
@@ -4171,6 +4343,9 @@
               </a:rPr>
               <a:t>Keep clean vision.</a:t>
             </a:r>
+            <a:endParaRPr lang="en-US" altLang="en-GB" sz="2800">
+              <a:sym typeface="+mn-ea"/>
+            </a:endParaRPr>
           </a:p>
           <a:p>
             <a:pPr lvl="3" indent="-457200">
@@ -4188,6 +4363,7 @@
               <a:rPr lang="en-US" altLang="en-GB" sz="2800" b="1"/>
               <a:t>If You’re Having Car Trouble:</a:t>
             </a:r>
+            <a:endParaRPr lang="en-US" altLang="en-GB" sz="2800" b="1"/>
           </a:p>
           <a:p>
             <a:pPr lvl="3" indent="-457200">
@@ -4198,6 +4374,7 @@
               <a:rPr lang="en-US" altLang="en-GB" sz="2800"/>
               <a:t>Make sure your car is out of the way of traffic: Pull off the road and put on your hazard lights</a:t>
             </a:r>
+            <a:endParaRPr lang="en-US" altLang="en-GB" sz="2800"/>
           </a:p>
           <a:p>
             <a:pPr lvl="3" indent="-457200">
@@ -4208,6 +4385,7 @@
               <a:rPr lang="en-US" altLang="en-GB" sz="2800"/>
               <a:t>Don’t wander off: It’s easy to lose direction in a storm. Stay with your car until help arrives.</a:t>
             </a:r>
+            <a:endParaRPr lang="en-US" altLang="en-GB" sz="2800"/>
           </a:p>
         </p:txBody>
       </p:sp>
@@ -4311,7 +4489,7 @@
     <p:bg>
       <p:bgPr>
         <a:blipFill rotWithShape="1">
-          <a:blip r:embed="rId3"/>
+          <a:blip r:embed="rId1"/>
           <a:stretch>
             <a:fillRect/>
           </a:stretch>
@@ -4380,6 +4558,11 @@
               </a:rPr>
               <a:t> </a:t>
             </a:r>
+            <a:endParaRPr lang="en-US" altLang="en-GB" sz="2000" b="1">
+              <a:solidFill>
+                <a:schemeClr val="bg1"/>
+              </a:solidFill>
+            </a:endParaRPr>
           </a:p>
         </p:txBody>
       </p:sp>
@@ -4392,7 +4575,7 @@
         <p:spPr>
           <a:xfrm>
             <a:off x="293370" y="1353820"/>
-            <a:ext cx="8556625" cy="3538220"/>
+            <a:ext cx="8556625" cy="4399915"/>
           </a:xfrm>
           <a:prstGeom prst="rect">
             <a:avLst/>
@@ -4425,6 +4608,7 @@
               <a:rPr lang="en-US" altLang="en-GB" sz="2800" dirty="0"/>
               <a:t>it identifies that you as a licensed driver, first condition to drive. earned by pass an examination</a:t>
             </a:r>
+            <a:endParaRPr lang="en-US" altLang="en-GB" sz="2800" dirty="0"/>
           </a:p>
           <a:p>
             <a:pPr lvl="2" indent="-457200">
@@ -4437,6 +4621,37 @@
               </a:rPr>
               <a:t>Obey traffic rules:</a:t>
             </a:r>
+            <a:endParaRPr lang="en-US" altLang="en-GB" sz="2800" b="1" dirty="0">
+              <a:sym typeface="+mn-ea"/>
+            </a:endParaRPr>
+          </a:p>
+          <a:p>
+            <a:pPr marL="457200" lvl="2" indent="0">
+              <a:buNone/>
+            </a:pPr>
+            <a:r>
+              <a:rPr lang="en-US" altLang="en-GB" sz="2800" dirty="0">
+                <a:sym typeface="+mn-ea"/>
+              </a:rPr>
+              <a:t>	obey light signals,</a:t>
+            </a:r>
+            <a:endParaRPr lang="en-US" altLang="en-GB" sz="2800" dirty="0">
+              <a:sym typeface="+mn-ea"/>
+            </a:endParaRPr>
+          </a:p>
+          <a:p>
+            <a:pPr marL="457200" lvl="2" indent="0">
+              <a:buNone/>
+            </a:pPr>
+            <a:r>
+              <a:rPr lang="en-US" altLang="en-GB" sz="2800" dirty="0">
+                <a:sym typeface="+mn-ea"/>
+              </a:rPr>
+              <a:t>	traffic controller</a:t>
+            </a:r>
+            <a:endParaRPr lang="en-US" altLang="en-GB" sz="2800" dirty="0">
+              <a:sym typeface="+mn-ea"/>
+            </a:endParaRPr>
           </a:p>
           <a:p>
             <a:pPr marL="457200" lvl="2" indent="0">
@@ -4477,7 +4692,7 @@
           <p:nvPr/>
         </p:nvPicPr>
         <p:blipFill>
-          <a:blip r:embed="rId4"/>
+          <a:blip r:embed="rId2"/>
           <a:stretch>
             <a:fillRect/>
           </a:stretch>
@@ -4681,7 +4896,7 @@
                             </p:stCondLst>
                             <p:childTnLst>
                               <p:par>
-                                <p:cTn id="19" presetID="2" presetClass="entr" presetSubtype="4" fill="hold" nodeType="clickEffect">
+                                <p:cTn id="19" presetID="10" presetClass="entr" presetSubtype="0" fill="hold" nodeType="clickEffect">
                                   <p:stCondLst>
                                     <p:cond delay="0"/>
                                   </p:stCondLst>
@@ -4689,6 +4904,128 @@
                                     <p:set>
                                       <p:cBhvr>
                                         <p:cTn id="20" dur="1" fill="hold">
+                                          <p:stCondLst>
+                                            <p:cond delay="0"/>
+                                          </p:stCondLst>
+                                        </p:cTn>
+                                        <p:tgtEl>
+                                          <p:spTgt spid="13">
+                                            <p:txEl>
+                                              <p:pRg st="2" end="2"/>
+                                            </p:txEl>
+                                          </p:spTgt>
+                                        </p:tgtEl>
+                                        <p:attrNameLst>
+                                          <p:attrName>style.visibility</p:attrName>
+                                        </p:attrNameLst>
+                                      </p:cBhvr>
+                                      <p:to>
+                                        <p:strVal val="visible"/>
+                                      </p:to>
+                                    </p:set>
+                                    <p:animEffect transition="in" filter="fade">
+                                      <p:cBhvr>
+                                        <p:cTn id="21" dur="500"/>
+                                        <p:tgtEl>
+                                          <p:spTgt spid="13">
+                                            <p:txEl>
+                                              <p:pRg st="2" end="2"/>
+                                            </p:txEl>
+                                          </p:spTgt>
+                                        </p:tgtEl>
+                                      </p:cBhvr>
+                                    </p:animEffect>
+                                  </p:childTnLst>
+                                </p:cTn>
+                              </p:par>
+                            </p:childTnLst>
+                          </p:cTn>
+                        </p:par>
+                      </p:childTnLst>
+                    </p:cTn>
+                  </p:par>
+                  <p:par>
+                    <p:cTn id="22" fill="hold">
+                      <p:stCondLst>
+                        <p:cond delay="indefinite"/>
+                      </p:stCondLst>
+                      <p:childTnLst>
+                        <p:par>
+                          <p:cTn id="23" fill="hold">
+                            <p:stCondLst>
+                              <p:cond delay="0"/>
+                            </p:stCondLst>
+                            <p:childTnLst>
+                              <p:par>
+                                <p:cTn id="24" presetID="10" presetClass="entr" presetSubtype="0" fill="hold" nodeType="clickEffect">
+                                  <p:stCondLst>
+                                    <p:cond delay="0"/>
+                                  </p:stCondLst>
+                                  <p:childTnLst>
+                                    <p:set>
+                                      <p:cBhvr>
+                                        <p:cTn id="25" dur="1" fill="hold">
+                                          <p:stCondLst>
+                                            <p:cond delay="0"/>
+                                          </p:stCondLst>
+                                        </p:cTn>
+                                        <p:tgtEl>
+                                          <p:spTgt spid="13">
+                                            <p:txEl>
+                                              <p:pRg st="3" end="3"/>
+                                            </p:txEl>
+                                          </p:spTgt>
+                                        </p:tgtEl>
+                                        <p:attrNameLst>
+                                          <p:attrName>style.visibility</p:attrName>
+                                        </p:attrNameLst>
+                                      </p:cBhvr>
+                                      <p:to>
+                                        <p:strVal val="visible"/>
+                                      </p:to>
+                                    </p:set>
+                                    <p:animEffect transition="in" filter="fade">
+                                      <p:cBhvr>
+                                        <p:cTn id="26" dur="500"/>
+                                        <p:tgtEl>
+                                          <p:spTgt spid="13">
+                                            <p:txEl>
+                                              <p:pRg st="3" end="3"/>
+                                            </p:txEl>
+                                          </p:spTgt>
+                                        </p:tgtEl>
+                                      </p:cBhvr>
+                                    </p:animEffect>
+                                  </p:childTnLst>
+                                </p:cTn>
+                              </p:par>
+                            </p:childTnLst>
+                          </p:cTn>
+                        </p:par>
+                      </p:childTnLst>
+                    </p:cTn>
+                  </p:par>
+                  <p:par>
+                    <p:cTn id="27" fill="hold">
+                      <p:stCondLst>
+                        <p:cond delay="indefinite"/>
+                      </p:stCondLst>
+                      <p:childTnLst>
+                        <p:par>
+                          <p:cTn id="28" fill="hold">
+                            <p:stCondLst>
+                              <p:cond delay="0"/>
+                            </p:stCondLst>
+                            <p:childTnLst>
+                              <p:par>
+                                <p:cTn id="29" presetID="2" presetClass="entr" presetSubtype="4" fill="hold" nodeType="clickEffect">
+                                  <p:stCondLst>
+                                    <p:cond delay="0"/>
+                                  </p:stCondLst>
+                                  <p:childTnLst>
+                                    <p:set>
+                                      <p:cBhvr>
+                                        <p:cTn id="30" dur="1" fill="hold">
                                           <p:stCondLst>
                                             <p:cond delay="0"/>
                                           </p:stCondLst>
@@ -4706,7 +5043,7 @@
                                     </p:set>
                                     <p:anim calcmode="lin" valueType="num">
                                       <p:cBhvr additive="base">
-                                        <p:cTn id="21" dur="250" fill="hold"/>
+                                        <p:cTn id="31" dur="250" fill="hold"/>
                                         <p:tgtEl>
                                           <p:spTgt spid="2"/>
                                         </p:tgtEl>
@@ -4729,7 +5066,7 @@
                                     </p:anim>
                                     <p:anim calcmode="lin" valueType="num">
                                       <p:cBhvr additive="base">
-                                        <p:cTn id="22" dur="250" fill="hold"/>
+                                        <p:cTn id="32" dur="250" fill="hold"/>
                                         <p:tgtEl>
                                           <p:spTgt spid="2"/>
                                         </p:tgtEl>
@@ -4793,7 +5130,7 @@
     <p:bg>
       <p:bgPr>
         <a:blipFill rotWithShape="1">
-          <a:blip r:embed="rId3"/>
+          <a:blip r:embed="rId1"/>
           <a:stretch>
             <a:fillRect/>
           </a:stretch>
@@ -4853,6 +5190,11 @@
               </a:rPr>
               <a:t> </a:t>
             </a:r>
+            <a:endParaRPr lang="en-US" altLang="en-GB" sz="2000" b="1" dirty="0">
+              <a:solidFill>
+                <a:schemeClr val="bg1"/>
+              </a:solidFill>
+            </a:endParaRPr>
           </a:p>
         </p:txBody>
       </p:sp>
@@ -4888,6 +5230,9 @@
               </a:rPr>
               <a:t>Obey traffic signs and signals:</a:t>
             </a:r>
+            <a:endParaRPr lang="en-US" altLang="en-GB" sz="2800" b="1" dirty="0">
+              <a:sym typeface="+mn-ea"/>
+            </a:endParaRPr>
           </a:p>
           <a:p>
             <a:pPr marL="1371600" lvl="2" indent="-457200">
@@ -4900,6 +5245,9 @@
               </a:rPr>
               <a:t>Prohibitive signs</a:t>
             </a:r>
+            <a:endParaRPr lang="en-US" altLang="en-GB" sz="2800" b="1" dirty="0">
+              <a:sym typeface="+mn-ea"/>
+            </a:endParaRPr>
           </a:p>
           <a:p>
             <a:pPr marL="1371600" lvl="2" indent="-457200">
@@ -4912,6 +5260,9 @@
               </a:rPr>
               <a:t>Danger warning signs</a:t>
             </a:r>
+            <a:endParaRPr lang="en-US" altLang="en-GB" sz="2800" b="1" dirty="0">
+              <a:sym typeface="+mn-ea"/>
+            </a:endParaRPr>
           </a:p>
           <a:p>
             <a:pPr marL="1371600" lvl="2" indent="-457200">
@@ -4924,6 +5275,9 @@
               </a:rPr>
               <a:t>Direction signs</a:t>
             </a:r>
+            <a:endParaRPr lang="en-US" altLang="en-GB" sz="2800" b="1" dirty="0">
+              <a:sym typeface="+mn-ea"/>
+            </a:endParaRPr>
           </a:p>
           <a:p>
             <a:pPr marL="1371600" lvl="2" indent="-457200">
@@ -4936,6 +5290,9 @@
               </a:rPr>
               <a:t>Mandatory signs</a:t>
             </a:r>
+            <a:endParaRPr lang="en-US" altLang="en-GB" sz="2800" b="1" dirty="0">
+              <a:sym typeface="+mn-ea"/>
+            </a:endParaRPr>
           </a:p>
           <a:p>
             <a:pPr marL="1371600" lvl="2" indent="-457200">
@@ -4985,7 +5342,7 @@
           <p:nvPr/>
         </p:nvPicPr>
         <p:blipFill>
-          <a:blip r:embed="rId4"/>
+          <a:blip r:embed="rId2"/>
           <a:stretch>
             <a:fillRect/>
           </a:stretch>
@@ -5066,6 +5423,59 @@
                       </p:childTnLst>
                     </p:cTn>
                   </p:par>
+                  <p:par>
+                    <p:cTn id="8" fill="hold">
+                      <p:stCondLst>
+                        <p:cond delay="indefinite"/>
+                      </p:stCondLst>
+                      <p:childTnLst>
+                        <p:par>
+                          <p:cTn id="9" fill="hold">
+                            <p:stCondLst>
+                              <p:cond delay="0"/>
+                            </p:stCondLst>
+                            <p:childTnLst>
+                              <p:par>
+                                <p:cTn id="10" presetID="8" presetClass="entr" presetSubtype="16" fill="hold" nodeType="clickEffect">
+                                  <p:stCondLst>
+                                    <p:cond delay="0"/>
+                                  </p:stCondLst>
+                                  <p:childTnLst>
+                                    <p:set>
+                                      <p:cBhvr>
+                                        <p:cTn id="11" dur="1" fill="hold">
+                                          <p:stCondLst>
+                                            <p:cond delay="0"/>
+                                          </p:stCondLst>
+                                        </p:cTn>
+                                        <p:tgtEl>
+                                          <p:spTgt spid="3"/>
+                                        </p:tgtEl>
+                                        <p:attrNameLst>
+                                          <p:attrName>style.visibility</p:attrName>
+                                        </p:attrNameLst>
+                                      </p:cBhvr>
+                                      <p:to>
+                                        <p:strVal val="visible"/>
+                                      </p:to>
+                                    </p:set>
+                                    <p:animEffect transition="in" filter="diamond(in)">
+                                      <p:cBhvr>
+                                        <p:cTn id="12" dur="500"/>
+                                        <p:tgtEl>
+                                          <p:spTgt spid="3"/>
+                                        </p:tgtEl>
+                                      </p:cBhvr>
+                                    </p:animEffect>
+                                  </p:childTnLst>
+                                </p:cTn>
+                              </p:par>
+                            </p:childTnLst>
+                          </p:cTn>
+                        </p:par>
+                      </p:childTnLst>
+                    </p:cTn>
+                  </p:par>
                 </p:childTnLst>
               </p:cTn>
               <p:prevCondLst>
@@ -5100,7 +5510,7 @@
     <p:bg>
       <p:bgPr>
         <a:blipFill rotWithShape="1">
-          <a:blip r:embed="rId3"/>
+          <a:blip r:embed="rId1"/>
           <a:stretch>
             <a:fillRect/>
           </a:stretch>
@@ -5160,6 +5570,11 @@
               </a:rPr>
               <a:t> </a:t>
             </a:r>
+            <a:endParaRPr lang="en-US" altLang="en-GB" sz="2000" b="1">
+              <a:solidFill>
+                <a:schemeClr val="bg1"/>
+              </a:solidFill>
+            </a:endParaRPr>
           </a:p>
         </p:txBody>
       </p:sp>
@@ -5172,7 +5587,7 @@
         <p:spPr>
           <a:xfrm>
             <a:off x="-315595" y="1228725"/>
-            <a:ext cx="8556625" cy="3538220"/>
+            <a:ext cx="8556625" cy="3107690"/>
           </a:xfrm>
           <a:prstGeom prst="rect">
             <a:avLst/>
@@ -5193,14 +5608,11 @@
               <a:rPr lang="en-US" altLang="en-GB" sz="2800" b="1">
                 <a:sym typeface="+mn-ea"/>
               </a:rPr>
-              <a:t>Prohibitive signs: </a:t>
-            </a:r>
-            <a:r>
-              <a:rPr lang="en-US" altLang="en-GB" sz="2800">
-                <a:sym typeface="+mn-ea"/>
-              </a:rPr>
-              <a:t>are usually red bordered white circles. They sometimes have a red slash on them.</a:t>
-            </a:r>
+              <a:t>Prohibitive signs:</a:t>
+            </a:r>
+            <a:endParaRPr lang="en-US" altLang="en-GB" sz="2800">
+              <a:sym typeface="+mn-ea"/>
+            </a:endParaRPr>
           </a:p>
           <a:p>
             <a:pPr marL="914400" lvl="1" indent="-457200">
@@ -5259,7 +5671,7 @@
           <p:nvPr/>
         </p:nvPicPr>
         <p:blipFill>
-          <a:blip r:embed="rId4"/>
+          <a:blip r:embed="rId2"/>
           <a:stretch>
             <a:fillRect/>
           </a:stretch>
@@ -5283,7 +5695,7 @@
           <p:nvPr/>
         </p:nvPicPr>
         <p:blipFill>
-          <a:blip r:embed="rId5"/>
+          <a:blip r:embed="rId3"/>
           <a:stretch>
             <a:fillRect/>
           </a:stretch>
@@ -5292,30 +5704,6 @@
           <a:xfrm>
             <a:off x="888365" y="4271645"/>
             <a:ext cx="6647815" cy="1362075"/>
-          </a:xfrm>
-          <a:prstGeom prst="rect">
-            <a:avLst/>
-          </a:prstGeom>
-        </p:spPr>
-      </p:pic>
-      <p:pic>
-        <p:nvPicPr>
-          <p:cNvPr id="7" name="Picture 6" descr="Image 6"/>
-          <p:cNvPicPr>
-            <a:picLocks noChangeAspect="1"/>
-          </p:cNvPicPr>
-          <p:nvPr/>
-        </p:nvPicPr>
-        <p:blipFill>
-          <a:blip r:embed="rId6"/>
-          <a:stretch>
-            <a:fillRect/>
-          </a:stretch>
-        </p:blipFill>
-        <p:spPr>
-          <a:xfrm>
-            <a:off x="266065" y="981710"/>
-            <a:ext cx="7641590" cy="5621655"/>
           </a:xfrm>
           <a:prstGeom prst="rect">
             <a:avLst/>
@@ -5476,33 +5864,244 @@
                       </p:childTnLst>
                     </p:cTn>
                   </p:par>
+                </p:childTnLst>
+              </p:cTn>
+              <p:prevCondLst>
+                <p:cond evt="onPrev" delay="0">
+                  <p:tgtEl>
+                    <p:sldTgt/>
+                  </p:tgtEl>
+                </p:cond>
+              </p:prevCondLst>
+              <p:nextCondLst>
+                <p:cond evt="onNext" delay="0">
+                  <p:tgtEl>
+                    <p:sldTgt/>
+                  </p:tgtEl>
+                </p:cond>
+              </p:nextCondLst>
+            </p:seq>
+          </p:childTnLst>
+        </p:cTn>
+      </p:par>
+    </p:tnLst>
+    <p:bldLst>
+      <p:bldP spid="13" grpId="0"/>
+    </p:bldLst>
+  </p:timing>
+</p:sld>
+</file>
+
+<file path=ppt/slides/slide14.xml><?xml version="1.0" encoding="utf-8"?>
+<p:sld xmlns:a="http://schemas.openxmlformats.org/drawingml/2006/main" xmlns:r="http://schemas.openxmlformats.org/officeDocument/2006/relationships" xmlns:p="http://schemas.openxmlformats.org/presentationml/2006/main">
+  <p:cSld>
+    <p:bg>
+      <p:bgPr>
+        <a:blipFill rotWithShape="1">
+          <a:blip r:embed="rId1"/>
+          <a:stretch>
+            <a:fillRect/>
+          </a:stretch>
+        </a:blipFill>
+        <a:effectLst/>
+      </p:bgPr>
+    </p:bg>
+    <p:spTree>
+      <p:nvGrpSpPr>
+        <p:cNvPr id="1" name=""/>
+        <p:cNvGrpSpPr/>
+        <p:nvPr/>
+      </p:nvGrpSpPr>
+      <p:grpSpPr>
+        <a:xfrm>
+          <a:off x="0" y="0"/>
+          <a:ext cx="0" cy="0"/>
+          <a:chOff x="0" y="0"/>
+          <a:chExt cx="0" cy="0"/>
+        </a:xfrm>
+      </p:grpSpPr>
+      <p:sp>
+        <p:nvSpPr>
+          <p:cNvPr id="6" name="Text Box 5"/>
+          <p:cNvSpPr txBox="1"/>
+          <p:nvPr/>
+        </p:nvSpPr>
+        <p:spPr>
+          <a:xfrm>
+            <a:off x="1054735" y="372745"/>
+            <a:ext cx="7292340" cy="583565"/>
+          </a:xfrm>
+          <a:prstGeom prst="rect">
+            <a:avLst/>
+          </a:prstGeom>
+          <a:noFill/>
+        </p:spPr>
+        <p:txBody>
+          <a:bodyPr wrap="square" rtlCol="0">
+            <a:spAutoFit/>
+          </a:bodyPr>
+          <a:lstStyle/>
+          <a:p>
+            <a:r>
+              <a:rPr lang="en-US" altLang="en-GB" sz="3200" b="1">
+                <a:solidFill>
+                  <a:schemeClr val="bg1"/>
+                </a:solidFill>
+              </a:rPr>
+              <a:t>HOW: Obey traffic signs and signals</a:t>
+            </a:r>
+            <a:r>
+              <a:rPr lang="en-US" altLang="en-GB" sz="2000" b="1">
+                <a:solidFill>
+                  <a:schemeClr val="bg1"/>
+                </a:solidFill>
+              </a:rPr>
+              <a:t> </a:t>
+            </a:r>
+            <a:endParaRPr lang="en-US" altLang="en-GB" sz="2000" b="1">
+              <a:solidFill>
+                <a:schemeClr val="bg1"/>
+              </a:solidFill>
+            </a:endParaRPr>
+          </a:p>
+        </p:txBody>
+      </p:sp>
+      <p:sp>
+        <p:nvSpPr>
+          <p:cNvPr id="13" name="Text Box 12"/>
+          <p:cNvSpPr txBox="1"/>
+          <p:nvPr/>
+        </p:nvSpPr>
+        <p:spPr>
+          <a:xfrm>
+            <a:off x="-315595" y="1228725"/>
+            <a:ext cx="8556625" cy="2245360"/>
+          </a:xfrm>
+          <a:prstGeom prst="rect">
+            <a:avLst/>
+          </a:prstGeom>
+          <a:noFill/>
+        </p:spPr>
+        <p:txBody>
+          <a:bodyPr wrap="square" rtlCol="0">
+            <a:spAutoFit/>
+          </a:bodyPr>
+          <a:lstStyle/>
+          <a:p>
+            <a:pPr marL="914400" lvl="1" indent="-457200">
+              <a:buFont typeface="Arial" panose="020B0604020202020204" pitchFamily="34" charset="0"/>
+              <a:buChar char="•"/>
+            </a:pPr>
+            <a:r>
+              <a:rPr lang="en-US" altLang="en-GB" sz="2800" b="1" dirty="0">
+                <a:sym typeface="+mn-ea"/>
+              </a:rPr>
+              <a:t>Danger warning signs:</a:t>
+            </a:r>
+            <a:endParaRPr lang="en-US" altLang="en-GB" sz="2800" b="1" dirty="0">
+              <a:sym typeface="+mn-ea"/>
+            </a:endParaRPr>
+          </a:p>
+          <a:p>
+            <a:pPr marL="457200" lvl="2" indent="0">
+              <a:buFont typeface="Arial" panose="020B0604020202020204" pitchFamily="34" charset="0"/>
+              <a:buNone/>
+            </a:pPr>
+            <a:endParaRPr lang="en-US" altLang="en-GB" sz="2800" dirty="0"/>
+          </a:p>
+          <a:p>
+            <a:pPr lvl="2" indent="-457200">
+              <a:buFont typeface="Arial" panose="020B0604020202020204" pitchFamily="34" charset="0"/>
+              <a:buChar char="•"/>
+            </a:pPr>
+            <a:endParaRPr lang="en-US" altLang="en-GB" sz="2800" dirty="0"/>
+          </a:p>
+          <a:p>
+            <a:pPr marL="914400" lvl="1" indent="-457200">
+              <a:buFont typeface="Arial" panose="020B0604020202020204" pitchFamily="34" charset="0"/>
+              <a:buChar char="•"/>
+            </a:pPr>
+            <a:endParaRPr lang="en-US" altLang="en-GB" sz="2800" dirty="0"/>
+          </a:p>
+          <a:p>
+            <a:pPr marL="914400" lvl="1" indent="-457200">
+              <a:buFont typeface="Arial" panose="020B0604020202020204" pitchFamily="34" charset="0"/>
+              <a:buChar char="•"/>
+            </a:pPr>
+            <a:endParaRPr lang="en-US" altLang="en-GB" sz="2800" dirty="0"/>
+          </a:p>
+        </p:txBody>
+      </p:sp>
+      <p:pic>
+        <p:nvPicPr>
+          <p:cNvPr id="5" name="Picture 4"/>
+          <p:cNvPicPr>
+            <a:picLocks noChangeAspect="1"/>
+          </p:cNvPicPr>
+          <p:nvPr/>
+        </p:nvPicPr>
+        <p:blipFill>
+          <a:blip r:embed="rId2">
+            <a:extLst>
+              <a:ext uri="{28A0092B-C50C-407E-A947-70E740481C1C}">
+                <a14:useLocalDpi xmlns:a14="http://schemas.microsoft.com/office/drawing/2010/main" val="0"/>
+              </a:ext>
+            </a:extLst>
+          </a:blip>
+          <a:stretch>
+            <a:fillRect/>
+          </a:stretch>
+        </p:blipFill>
+        <p:spPr>
+          <a:xfrm>
+            <a:off x="1054734" y="2228447"/>
+            <a:ext cx="6376375" cy="4362783"/>
+          </a:xfrm>
+          <a:prstGeom prst="rect">
+            <a:avLst/>
+          </a:prstGeom>
+        </p:spPr>
+      </p:pic>
+    </p:spTree>
+  </p:cSld>
+  <p:clrMapOvr>
+    <a:masterClrMapping/>
+  </p:clrMapOvr>
+  <p:timing>
+    <p:tnLst>
+      <p:par>
+        <p:cTn id="1" dur="indefinite" restart="never" nodeType="tmRoot">
+          <p:childTnLst>
+            <p:seq concurrent="1" nextAc="seek">
+              <p:cTn id="2" dur="indefinite" nodeType="mainSeq">
+                <p:childTnLst>
                   <p:par>
-                    <p:cTn id="16" fill="hold">
+                    <p:cTn id="3" fill="hold">
                       <p:stCondLst>
                         <p:cond delay="indefinite"/>
                       </p:stCondLst>
                       <p:childTnLst>
                         <p:par>
-                          <p:cTn id="17" fill="hold">
+                          <p:cTn id="4" fill="hold">
                             <p:stCondLst>
                               <p:cond delay="0"/>
                             </p:stCondLst>
                             <p:childTnLst>
                               <p:par>
-                                <p:cTn id="18" presetID="5" presetClass="entr" presetSubtype="10" fill="hold" nodeType="clickEffect">
+                                <p:cTn id="5" presetID="5" presetClass="entr" presetSubtype="10" fill="hold" grpId="0" nodeType="clickEffect">
                                   <p:stCondLst>
                                     <p:cond delay="0"/>
                                   </p:stCondLst>
                                   <p:childTnLst>
                                     <p:set>
                                       <p:cBhvr>
-                                        <p:cTn id="19" dur="1" fill="hold">
+                                        <p:cTn id="6" dur="1" fill="hold">
                                           <p:stCondLst>
                                             <p:cond delay="0"/>
                                           </p:stCondLst>
                                         </p:cTn>
                                         <p:tgtEl>
-                                          <p:spTgt spid="7"/>
+                                          <p:spTgt spid="13"/>
                                         </p:tgtEl>
                                         <p:attrNameLst>
                                           <p:attrName>style.visibility</p:attrName>
@@ -5514,9 +6113,62 @@
                                     </p:set>
                                     <p:animEffect transition="in" filter="checkerboard(across)">
                                       <p:cBhvr>
-                                        <p:cTn id="20" dur="500"/>
+                                        <p:cTn id="7" dur="500"/>
                                         <p:tgtEl>
-                                          <p:spTgt spid="7"/>
+                                          <p:spTgt spid="13"/>
+                                        </p:tgtEl>
+                                      </p:cBhvr>
+                                    </p:animEffect>
+                                  </p:childTnLst>
+                                </p:cTn>
+                              </p:par>
+                            </p:childTnLst>
+                          </p:cTn>
+                        </p:par>
+                      </p:childTnLst>
+                    </p:cTn>
+                  </p:par>
+                  <p:par>
+                    <p:cTn id="8" fill="hold">
+                      <p:stCondLst>
+                        <p:cond delay="indefinite"/>
+                      </p:stCondLst>
+                      <p:childTnLst>
+                        <p:par>
+                          <p:cTn id="9" fill="hold">
+                            <p:stCondLst>
+                              <p:cond delay="0"/>
+                            </p:stCondLst>
+                            <p:childTnLst>
+                              <p:par>
+                                <p:cTn id="10" presetID="8" presetClass="entr" presetSubtype="16" fill="hold" nodeType="clickEffect">
+                                  <p:stCondLst>
+                                    <p:cond delay="0"/>
+                                  </p:stCondLst>
+                                  <p:childTnLst>
+                                    <p:set>
+                                      <p:cBhvr>
+                                        <p:cTn id="11" dur="1" fill="hold">
+                                          <p:stCondLst>
+                                            <p:cond delay="0"/>
+                                          </p:stCondLst>
+                                        </p:cTn>
+                                        <p:tgtEl>
+                                          <p:spTgt spid="5"/>
+                                        </p:tgtEl>
+                                        <p:attrNameLst>
+                                          <p:attrName>style.visibility</p:attrName>
+                                        </p:attrNameLst>
+                                      </p:cBhvr>
+                                      <p:to>
+                                        <p:strVal val="visible"/>
+                                      </p:to>
+                                    </p:set>
+                                    <p:animEffect transition="in" filter="diamond(in)">
+                                      <p:cBhvr>
+                                        <p:cTn id="12" dur="500"/>
+                                        <p:tgtEl>
+                                          <p:spTgt spid="5"/>
                                         </p:tgtEl>
                                       </p:cBhvr>
                                     </p:animEffect>
@@ -5557,13 +6209,13 @@
 </p:sld>
 </file>
 
-<file path=ppt/slides/slide14.xml><?xml version="1.0" encoding="utf-8"?>
+<file path=ppt/slides/slide15.xml><?xml version="1.0" encoding="utf-8"?>
 <p:sld xmlns:a="http://schemas.openxmlformats.org/drawingml/2006/main" xmlns:r="http://schemas.openxmlformats.org/officeDocument/2006/relationships" xmlns:p="http://schemas.openxmlformats.org/presentationml/2006/main">
   <p:cSld>
     <p:bg>
       <p:bgPr>
         <a:blipFill rotWithShape="1">
-          <a:blip r:embed="rId3"/>
+          <a:blip r:embed="rId1"/>
           <a:stretch>
             <a:fillRect/>
           </a:stretch>
@@ -5623,6 +6275,11 @@
               </a:rPr>
               <a:t> </a:t>
             </a:r>
+            <a:endParaRPr lang="en-US" altLang="en-GB" sz="2000" b="1">
+              <a:solidFill>
+                <a:schemeClr val="bg1"/>
+              </a:solidFill>
+            </a:endParaRPr>
           </a:p>
         </p:txBody>
       </p:sp>
@@ -5634,8 +6291,8 @@
         </p:nvSpPr>
         <p:spPr>
           <a:xfrm>
-            <a:off x="-315595" y="1228725"/>
-            <a:ext cx="8556625" cy="3107690"/>
+            <a:off x="0" y="1228725"/>
+            <a:ext cx="8241030" cy="2676525"/>
           </a:xfrm>
           <a:prstGeom prst="rect">
             <a:avLst/>
@@ -5653,17 +6310,14 @@
               <a:buChar char="•"/>
             </a:pPr>
             <a:r>
-              <a:rPr lang="en-US" altLang="en-GB" sz="2800" b="1" dirty="0">
+              <a:rPr lang="en-US" altLang="en-GB" sz="2800" b="1" dirty="0" smtClean="0">
                 <a:sym typeface="+mn-ea"/>
               </a:rPr>
-              <a:t>Danger warning signs: </a:t>
-            </a:r>
-            <a:r>
-              <a:rPr lang="en-US" altLang="en-GB" sz="2800" dirty="0">
-                <a:sym typeface="+mn-ea"/>
-              </a:rPr>
-              <a:t>are red bordered yellow triangles.</a:t>
-            </a:r>
+              <a:t>Information signs:</a:t>
+            </a:r>
+            <a:endParaRPr lang="en-US" altLang="en-GB" sz="2800" dirty="0">
+              <a:sym typeface="+mn-ea"/>
+            </a:endParaRPr>
           </a:p>
           <a:p>
             <a:pPr marL="1371600" lvl="2" indent="-457200">
@@ -5706,7 +6360,393 @@
       </p:sp>
       <p:pic>
         <p:nvPicPr>
-          <p:cNvPr id="5" name="Picture 4"/>
+          <p:cNvPr id="2" name="Picture 1"/>
+          <p:cNvPicPr>
+            <a:picLocks noChangeAspect="1"/>
+          </p:cNvPicPr>
+          <p:nvPr/>
+        </p:nvPicPr>
+        <p:blipFill>
+          <a:blip r:embed="rId2">
+            <a:extLst>
+              <a:ext uri="{28A0092B-C50C-407E-A947-70E740481C1C}">
+                <a14:useLocalDpi xmlns:a14="http://schemas.microsoft.com/office/drawing/2010/main" val="0"/>
+              </a:ext>
+            </a:extLst>
+          </a:blip>
+          <a:stretch>
+            <a:fillRect/>
+          </a:stretch>
+        </p:blipFill>
+        <p:spPr>
+          <a:xfrm>
+            <a:off x="517996" y="1839018"/>
+            <a:ext cx="7723033" cy="4704029"/>
+          </a:xfrm>
+          <a:prstGeom prst="rect">
+            <a:avLst/>
+          </a:prstGeom>
+        </p:spPr>
+      </p:pic>
+    </p:spTree>
+  </p:cSld>
+  <p:clrMapOvr>
+    <a:masterClrMapping/>
+  </p:clrMapOvr>
+  <p:timing>
+    <p:tnLst>
+      <p:par>
+        <p:cTn id="1" dur="indefinite" restart="never" nodeType="tmRoot">
+          <p:childTnLst>
+            <p:seq concurrent="1" nextAc="seek">
+              <p:cTn id="2" dur="indefinite" nodeType="mainSeq">
+                <p:childTnLst>
+                  <p:par>
+                    <p:cTn id="3" fill="hold">
+                      <p:stCondLst>
+                        <p:cond delay="indefinite"/>
+                      </p:stCondLst>
+                      <p:childTnLst>
+                        <p:par>
+                          <p:cTn id="4" fill="hold">
+                            <p:stCondLst>
+                              <p:cond delay="0"/>
+                            </p:stCondLst>
+                            <p:childTnLst>
+                              <p:par>
+                                <p:cTn id="5" presetID="5" presetClass="entr" presetSubtype="10" fill="hold" grpId="0" nodeType="clickEffect">
+                                  <p:stCondLst>
+                                    <p:cond delay="0"/>
+                                  </p:stCondLst>
+                                  <p:childTnLst>
+                                    <p:set>
+                                      <p:cBhvr>
+                                        <p:cTn id="6" dur="1" fill="hold">
+                                          <p:stCondLst>
+                                            <p:cond delay="0"/>
+                                          </p:stCondLst>
+                                        </p:cTn>
+                                        <p:tgtEl>
+                                          <p:spTgt spid="13"/>
+                                        </p:tgtEl>
+                                        <p:attrNameLst>
+                                          <p:attrName>style.visibility</p:attrName>
+                                        </p:attrNameLst>
+                                      </p:cBhvr>
+                                      <p:to>
+                                        <p:strVal val="visible"/>
+                                      </p:to>
+                                    </p:set>
+                                    <p:animEffect transition="in" filter="checkerboard(across)">
+                                      <p:cBhvr>
+                                        <p:cTn id="7" dur="500"/>
+                                        <p:tgtEl>
+                                          <p:spTgt spid="13"/>
+                                        </p:tgtEl>
+                                      </p:cBhvr>
+                                    </p:animEffect>
+                                  </p:childTnLst>
+                                </p:cTn>
+                              </p:par>
+                            </p:childTnLst>
+                          </p:cTn>
+                        </p:par>
+                      </p:childTnLst>
+                    </p:cTn>
+                  </p:par>
+                  <p:par>
+                    <p:cTn id="8" fill="hold">
+                      <p:stCondLst>
+                        <p:cond delay="indefinite"/>
+                      </p:stCondLst>
+                      <p:childTnLst>
+                        <p:par>
+                          <p:cTn id="9" fill="hold">
+                            <p:stCondLst>
+                              <p:cond delay="0"/>
+                            </p:stCondLst>
+                            <p:childTnLst>
+                              <p:par>
+                                <p:cTn id="10" presetID="8" presetClass="entr" presetSubtype="16" fill="hold" nodeType="clickEffect">
+                                  <p:stCondLst>
+                                    <p:cond delay="0"/>
+                                  </p:stCondLst>
+                                  <p:childTnLst>
+                                    <p:set>
+                                      <p:cBhvr>
+                                        <p:cTn id="11" dur="1" fill="hold">
+                                          <p:stCondLst>
+                                            <p:cond delay="0"/>
+                                          </p:stCondLst>
+                                        </p:cTn>
+                                        <p:tgtEl>
+                                          <p:spTgt spid="2"/>
+                                        </p:tgtEl>
+                                        <p:attrNameLst>
+                                          <p:attrName>style.visibility</p:attrName>
+                                        </p:attrNameLst>
+                                      </p:cBhvr>
+                                      <p:to>
+                                        <p:strVal val="visible"/>
+                                      </p:to>
+                                    </p:set>
+                                    <p:animEffect transition="in" filter="diamond(in)">
+                                      <p:cBhvr>
+                                        <p:cTn id="12" dur="500"/>
+                                        <p:tgtEl>
+                                          <p:spTgt spid="2"/>
+                                        </p:tgtEl>
+                                      </p:cBhvr>
+                                    </p:animEffect>
+                                  </p:childTnLst>
+                                </p:cTn>
+                              </p:par>
+                            </p:childTnLst>
+                          </p:cTn>
+                        </p:par>
+                      </p:childTnLst>
+                    </p:cTn>
+                  </p:par>
+                </p:childTnLst>
+              </p:cTn>
+              <p:prevCondLst>
+                <p:cond evt="onPrev" delay="0">
+                  <p:tgtEl>
+                    <p:sldTgt/>
+                  </p:tgtEl>
+                </p:cond>
+              </p:prevCondLst>
+              <p:nextCondLst>
+                <p:cond evt="onNext" delay="0">
+                  <p:tgtEl>
+                    <p:sldTgt/>
+                  </p:tgtEl>
+                </p:cond>
+              </p:nextCondLst>
+            </p:seq>
+          </p:childTnLst>
+        </p:cTn>
+      </p:par>
+    </p:tnLst>
+    <p:bldLst>
+      <p:bldP spid="13" grpId="0"/>
+    </p:bldLst>
+  </p:timing>
+</p:sld>
+</file>
+
+<file path=ppt/slides/slide16.xml><?xml version="1.0" encoding="utf-8"?>
+<p:sld xmlns:a="http://schemas.openxmlformats.org/drawingml/2006/main" xmlns:r="http://schemas.openxmlformats.org/officeDocument/2006/relationships" xmlns:p="http://schemas.openxmlformats.org/presentationml/2006/main">
+  <p:cSld>
+    <p:bg>
+      <p:bgPr>
+        <a:blipFill rotWithShape="1">
+          <a:blip r:embed="rId1"/>
+          <a:stretch>
+            <a:fillRect/>
+          </a:stretch>
+        </a:blipFill>
+        <a:effectLst/>
+      </p:bgPr>
+    </p:bg>
+    <p:spTree>
+      <p:nvGrpSpPr>
+        <p:cNvPr id="1" name=""/>
+        <p:cNvGrpSpPr/>
+        <p:nvPr/>
+      </p:nvGrpSpPr>
+      <p:grpSpPr>
+        <a:xfrm>
+          <a:off x="0" y="0"/>
+          <a:ext cx="0" cy="0"/>
+          <a:chOff x="0" y="0"/>
+          <a:chExt cx="0" cy="0"/>
+        </a:xfrm>
+      </p:grpSpPr>
+      <p:sp>
+        <p:nvSpPr>
+          <p:cNvPr id="6" name="Text Box 5"/>
+          <p:cNvSpPr txBox="1"/>
+          <p:nvPr/>
+        </p:nvSpPr>
+        <p:spPr>
+          <a:xfrm>
+            <a:off x="1054735" y="372745"/>
+            <a:ext cx="7292340" cy="583565"/>
+          </a:xfrm>
+          <a:prstGeom prst="rect">
+            <a:avLst/>
+          </a:prstGeom>
+          <a:noFill/>
+        </p:spPr>
+        <p:txBody>
+          <a:bodyPr wrap="square" rtlCol="0">
+            <a:spAutoFit/>
+          </a:bodyPr>
+          <a:lstStyle/>
+          <a:p>
+            <a:r>
+              <a:rPr lang="en-US" altLang="en-GB" sz="3200" b="1">
+                <a:solidFill>
+                  <a:schemeClr val="bg1"/>
+                </a:solidFill>
+              </a:rPr>
+              <a:t>HOW: Obey traffic signs and signals</a:t>
+            </a:r>
+            <a:r>
+              <a:rPr lang="en-US" altLang="en-GB" sz="2000" b="1">
+                <a:solidFill>
+                  <a:schemeClr val="bg1"/>
+                </a:solidFill>
+              </a:rPr>
+              <a:t> </a:t>
+            </a:r>
+            <a:endParaRPr lang="en-US" altLang="en-GB" sz="2000" b="1">
+              <a:solidFill>
+                <a:schemeClr val="bg1"/>
+              </a:solidFill>
+            </a:endParaRPr>
+          </a:p>
+        </p:txBody>
+      </p:sp>
+      <p:sp>
+        <p:nvSpPr>
+          <p:cNvPr id="13" name="Text Box 12"/>
+          <p:cNvSpPr txBox="1"/>
+          <p:nvPr/>
+        </p:nvSpPr>
+        <p:spPr>
+          <a:xfrm>
+            <a:off x="0" y="1228725"/>
+            <a:ext cx="8241030" cy="2676525"/>
+          </a:xfrm>
+          <a:prstGeom prst="rect">
+            <a:avLst/>
+          </a:prstGeom>
+          <a:noFill/>
+        </p:spPr>
+        <p:txBody>
+          <a:bodyPr wrap="square" rtlCol="0">
+            <a:spAutoFit/>
+          </a:bodyPr>
+          <a:lstStyle/>
+          <a:p>
+            <a:pPr marL="914400" lvl="1" indent="-457200">
+              <a:buFont typeface="Arial" panose="020B0604020202020204" pitchFamily="34" charset="0"/>
+              <a:buChar char="•"/>
+            </a:pPr>
+            <a:r>
+              <a:rPr lang="en-US" altLang="en-GB" sz="2800" b="1" dirty="0" smtClean="0">
+                <a:sym typeface="+mn-ea"/>
+              </a:rPr>
+              <a:t>Mandatory signs:</a:t>
+            </a:r>
+            <a:endParaRPr lang="en-US" altLang="en-GB" sz="2800" dirty="0">
+              <a:sym typeface="+mn-ea"/>
+            </a:endParaRPr>
+          </a:p>
+          <a:p>
+            <a:pPr marL="1371600" lvl="2" indent="-457200">
+              <a:buFont typeface="Arial" panose="020B0604020202020204" pitchFamily="34" charset="0"/>
+              <a:buNone/>
+            </a:pPr>
+            <a:endParaRPr lang="en-US" altLang="en-GB" sz="2800" b="1" dirty="0">
+              <a:sym typeface="+mn-ea"/>
+            </a:endParaRPr>
+          </a:p>
+          <a:p>
+            <a:pPr marL="457200" lvl="2" indent="0">
+              <a:buFont typeface="Arial" panose="020B0604020202020204" pitchFamily="34" charset="0"/>
+              <a:buNone/>
+            </a:pPr>
+            <a:endParaRPr lang="en-US" altLang="en-GB" sz="2800" dirty="0"/>
+          </a:p>
+          <a:p>
+            <a:pPr lvl="2" indent="-457200">
+              <a:buFont typeface="Arial" panose="020B0604020202020204" pitchFamily="34" charset="0"/>
+              <a:buChar char="•"/>
+            </a:pPr>
+            <a:endParaRPr lang="en-US" altLang="en-GB" sz="2800" dirty="0"/>
+          </a:p>
+          <a:p>
+            <a:pPr marL="914400" lvl="1" indent="-457200">
+              <a:buFont typeface="Arial" panose="020B0604020202020204" pitchFamily="34" charset="0"/>
+              <a:buChar char="•"/>
+            </a:pPr>
+            <a:endParaRPr lang="en-US" altLang="en-GB" sz="2800" dirty="0"/>
+          </a:p>
+          <a:p>
+            <a:pPr marL="914400" lvl="1" indent="-457200">
+              <a:buFont typeface="Arial" panose="020B0604020202020204" pitchFamily="34" charset="0"/>
+              <a:buChar char="•"/>
+            </a:pPr>
+            <a:endParaRPr lang="en-US" altLang="en-GB" sz="2800" dirty="0"/>
+          </a:p>
+        </p:txBody>
+      </p:sp>
+      <p:pic>
+        <p:nvPicPr>
+          <p:cNvPr id="7" name="Picture 6"/>
+          <p:cNvPicPr>
+            <a:picLocks noChangeAspect="1"/>
+          </p:cNvPicPr>
+          <p:nvPr/>
+        </p:nvPicPr>
+        <p:blipFill>
+          <a:blip r:embed="rId2">
+            <a:extLst>
+              <a:ext uri="{28A0092B-C50C-407E-A947-70E740481C1C}">
+                <a14:useLocalDpi xmlns:a14="http://schemas.microsoft.com/office/drawing/2010/main" val="0"/>
+              </a:ext>
+            </a:extLst>
+          </a:blip>
+          <a:stretch>
+            <a:fillRect/>
+          </a:stretch>
+        </p:blipFill>
+        <p:spPr>
+          <a:xfrm>
+            <a:off x="1006102" y="1959472"/>
+            <a:ext cx="1337341" cy="1337341"/>
+          </a:xfrm>
+          <a:prstGeom prst="rect">
+            <a:avLst/>
+          </a:prstGeom>
+        </p:spPr>
+      </p:pic>
+      <p:pic>
+        <p:nvPicPr>
+          <p:cNvPr id="8" name="Picture 7"/>
+          <p:cNvPicPr>
+            <a:picLocks noChangeAspect="1"/>
+          </p:cNvPicPr>
+          <p:nvPr/>
+        </p:nvPicPr>
+        <p:blipFill>
+          <a:blip r:embed="rId3">
+            <a:extLst>
+              <a:ext uri="{28A0092B-C50C-407E-A947-70E740481C1C}">
+                <a14:useLocalDpi xmlns:a14="http://schemas.microsoft.com/office/drawing/2010/main" val="0"/>
+              </a:ext>
+            </a:extLst>
+          </a:blip>
+          <a:stretch>
+            <a:fillRect/>
+          </a:stretch>
+        </p:blipFill>
+        <p:spPr>
+          <a:xfrm>
+            <a:off x="2888355" y="1959472"/>
+            <a:ext cx="1337341" cy="1337341"/>
+          </a:xfrm>
+          <a:prstGeom prst="rect">
+            <a:avLst/>
+          </a:prstGeom>
+        </p:spPr>
+      </p:pic>
+      <p:pic>
+        <p:nvPicPr>
+          <p:cNvPr id="9" name="Picture 8"/>
           <p:cNvPicPr>
             <a:picLocks noChangeAspect="1"/>
           </p:cNvPicPr>
@@ -5726,8 +6766,738 @@
         </p:blipFill>
         <p:spPr>
           <a:xfrm>
-            <a:off x="1054734" y="2228447"/>
-            <a:ext cx="6376375" cy="4362783"/>
+            <a:off x="4863193" y="1959472"/>
+            <a:ext cx="1337341" cy="1337341"/>
+          </a:xfrm>
+          <a:prstGeom prst="rect">
+            <a:avLst/>
+          </a:prstGeom>
+        </p:spPr>
+      </p:pic>
+      <p:pic>
+        <p:nvPicPr>
+          <p:cNvPr id="10" name="Picture 9"/>
+          <p:cNvPicPr>
+            <a:picLocks noChangeAspect="1"/>
+          </p:cNvPicPr>
+          <p:nvPr/>
+        </p:nvPicPr>
+        <p:blipFill>
+          <a:blip r:embed="rId5">
+            <a:extLst>
+              <a:ext uri="{28A0092B-C50C-407E-A947-70E740481C1C}">
+                <a14:useLocalDpi xmlns:a14="http://schemas.microsoft.com/office/drawing/2010/main" val="0"/>
+              </a:ext>
+            </a:extLst>
+          </a:blip>
+          <a:stretch>
+            <a:fillRect/>
+          </a:stretch>
+        </p:blipFill>
+        <p:spPr>
+          <a:xfrm>
+            <a:off x="6814120" y="1959472"/>
+            <a:ext cx="1337341" cy="1337341"/>
+          </a:xfrm>
+          <a:prstGeom prst="rect">
+            <a:avLst/>
+          </a:prstGeom>
+        </p:spPr>
+      </p:pic>
+      <p:pic>
+        <p:nvPicPr>
+          <p:cNvPr id="11" name="Picture 10"/>
+          <p:cNvPicPr>
+            <a:picLocks noChangeAspect="1"/>
+          </p:cNvPicPr>
+          <p:nvPr/>
+        </p:nvPicPr>
+        <p:blipFill>
+          <a:blip r:embed="rId6">
+            <a:extLst>
+              <a:ext uri="{28A0092B-C50C-407E-A947-70E740481C1C}">
+                <a14:useLocalDpi xmlns:a14="http://schemas.microsoft.com/office/drawing/2010/main" val="0"/>
+              </a:ext>
+            </a:extLst>
+          </a:blip>
+          <a:stretch>
+            <a:fillRect/>
+          </a:stretch>
+        </p:blipFill>
+        <p:spPr>
+          <a:xfrm>
+            <a:off x="1006102" y="4178796"/>
+            <a:ext cx="1337341" cy="1337341"/>
+          </a:xfrm>
+          <a:prstGeom prst="rect">
+            <a:avLst/>
+          </a:prstGeom>
+        </p:spPr>
+      </p:pic>
+      <p:pic>
+        <p:nvPicPr>
+          <p:cNvPr id="12" name="Picture 11"/>
+          <p:cNvPicPr>
+            <a:picLocks noChangeAspect="1"/>
+          </p:cNvPicPr>
+          <p:nvPr/>
+        </p:nvPicPr>
+        <p:blipFill>
+          <a:blip r:embed="rId7">
+            <a:extLst>
+              <a:ext uri="{28A0092B-C50C-407E-A947-70E740481C1C}">
+                <a14:useLocalDpi xmlns:a14="http://schemas.microsoft.com/office/drawing/2010/main" val="0"/>
+              </a:ext>
+            </a:extLst>
+          </a:blip>
+          <a:stretch>
+            <a:fillRect/>
+          </a:stretch>
+        </p:blipFill>
+        <p:spPr>
+          <a:xfrm>
+            <a:off x="4863193" y="4156324"/>
+            <a:ext cx="1337341" cy="1337341"/>
+          </a:xfrm>
+          <a:prstGeom prst="rect">
+            <a:avLst/>
+          </a:prstGeom>
+        </p:spPr>
+      </p:pic>
+      <p:pic>
+        <p:nvPicPr>
+          <p:cNvPr id="14" name="Picture 13"/>
+          <p:cNvPicPr>
+            <a:picLocks noChangeAspect="1"/>
+          </p:cNvPicPr>
+          <p:nvPr/>
+        </p:nvPicPr>
+        <p:blipFill>
+          <a:blip r:embed="rId8">
+            <a:extLst>
+              <a:ext uri="{28A0092B-C50C-407E-A947-70E740481C1C}">
+                <a14:useLocalDpi xmlns:a14="http://schemas.microsoft.com/office/drawing/2010/main" val="0"/>
+              </a:ext>
+            </a:extLst>
+          </a:blip>
+          <a:stretch>
+            <a:fillRect/>
+          </a:stretch>
+        </p:blipFill>
+        <p:spPr>
+          <a:xfrm>
+            <a:off x="2902000" y="4156324"/>
+            <a:ext cx="1337341" cy="1337341"/>
+          </a:xfrm>
+          <a:prstGeom prst="rect">
+            <a:avLst/>
+          </a:prstGeom>
+        </p:spPr>
+      </p:pic>
+      <p:pic>
+        <p:nvPicPr>
+          <p:cNvPr id="15" name="Picture 14"/>
+          <p:cNvPicPr>
+            <a:picLocks noChangeAspect="1"/>
+          </p:cNvPicPr>
+          <p:nvPr/>
+        </p:nvPicPr>
+        <p:blipFill>
+          <a:blip r:embed="rId9">
+            <a:extLst>
+              <a:ext uri="{28A0092B-C50C-407E-A947-70E740481C1C}">
+                <a14:useLocalDpi xmlns:a14="http://schemas.microsoft.com/office/drawing/2010/main" val="0"/>
+              </a:ext>
+            </a:extLst>
+          </a:blip>
+          <a:stretch>
+            <a:fillRect/>
+          </a:stretch>
+        </p:blipFill>
+        <p:spPr>
+          <a:xfrm>
+            <a:off x="6894210" y="3905498"/>
+            <a:ext cx="1177498" cy="1674853"/>
+          </a:xfrm>
+          <a:prstGeom prst="rect">
+            <a:avLst/>
+          </a:prstGeom>
+        </p:spPr>
+      </p:pic>
+    </p:spTree>
+  </p:cSld>
+  <p:clrMapOvr>
+    <a:masterClrMapping/>
+  </p:clrMapOvr>
+  <p:timing>
+    <p:tnLst>
+      <p:par>
+        <p:cTn id="1" dur="indefinite" restart="never" nodeType="tmRoot">
+          <p:childTnLst>
+            <p:seq concurrent="1" nextAc="seek">
+              <p:cTn id="2" dur="indefinite" nodeType="mainSeq">
+                <p:childTnLst>
+                  <p:par>
+                    <p:cTn id="3" fill="hold">
+                      <p:stCondLst>
+                        <p:cond delay="indefinite"/>
+                      </p:stCondLst>
+                      <p:childTnLst>
+                        <p:par>
+                          <p:cTn id="4" fill="hold">
+                            <p:stCondLst>
+                              <p:cond delay="0"/>
+                            </p:stCondLst>
+                            <p:childTnLst>
+                              <p:par>
+                                <p:cTn id="5" presetID="5" presetClass="entr" presetSubtype="10" fill="hold" grpId="0" nodeType="clickEffect">
+                                  <p:stCondLst>
+                                    <p:cond delay="0"/>
+                                  </p:stCondLst>
+                                  <p:childTnLst>
+                                    <p:set>
+                                      <p:cBhvr>
+                                        <p:cTn id="6" dur="1" fill="hold">
+                                          <p:stCondLst>
+                                            <p:cond delay="0"/>
+                                          </p:stCondLst>
+                                        </p:cTn>
+                                        <p:tgtEl>
+                                          <p:spTgt spid="13"/>
+                                        </p:tgtEl>
+                                        <p:attrNameLst>
+                                          <p:attrName>style.visibility</p:attrName>
+                                        </p:attrNameLst>
+                                      </p:cBhvr>
+                                      <p:to>
+                                        <p:strVal val="visible"/>
+                                      </p:to>
+                                    </p:set>
+                                    <p:animEffect transition="in" filter="checkerboard(across)">
+                                      <p:cBhvr>
+                                        <p:cTn id="7" dur="500"/>
+                                        <p:tgtEl>
+                                          <p:spTgt spid="13"/>
+                                        </p:tgtEl>
+                                      </p:cBhvr>
+                                    </p:animEffect>
+                                  </p:childTnLst>
+                                </p:cTn>
+                              </p:par>
+                            </p:childTnLst>
+                          </p:cTn>
+                        </p:par>
+                      </p:childTnLst>
+                    </p:cTn>
+                  </p:par>
+                  <p:par>
+                    <p:cTn id="8" fill="hold">
+                      <p:stCondLst>
+                        <p:cond delay="indefinite"/>
+                      </p:stCondLst>
+                      <p:childTnLst>
+                        <p:par>
+                          <p:cTn id="9" fill="hold">
+                            <p:stCondLst>
+                              <p:cond delay="0"/>
+                            </p:stCondLst>
+                            <p:childTnLst>
+                              <p:par>
+                                <p:cTn id="10" presetID="8" presetClass="entr" presetSubtype="16" fill="hold" nodeType="clickEffect">
+                                  <p:stCondLst>
+                                    <p:cond delay="0"/>
+                                  </p:stCondLst>
+                                  <p:childTnLst>
+                                    <p:set>
+                                      <p:cBhvr>
+                                        <p:cTn id="11" dur="1" fill="hold">
+                                          <p:stCondLst>
+                                            <p:cond delay="0"/>
+                                          </p:stCondLst>
+                                        </p:cTn>
+                                        <p:tgtEl>
+                                          <p:spTgt spid="7"/>
+                                        </p:tgtEl>
+                                        <p:attrNameLst>
+                                          <p:attrName>style.visibility</p:attrName>
+                                        </p:attrNameLst>
+                                      </p:cBhvr>
+                                      <p:to>
+                                        <p:strVal val="visible"/>
+                                      </p:to>
+                                    </p:set>
+                                    <p:animEffect transition="in" filter="diamond(in)">
+                                      <p:cBhvr>
+                                        <p:cTn id="12" dur="500"/>
+                                        <p:tgtEl>
+                                          <p:spTgt spid="7"/>
+                                        </p:tgtEl>
+                                      </p:cBhvr>
+                                    </p:animEffect>
+                                  </p:childTnLst>
+                                </p:cTn>
+                              </p:par>
+                              <p:par>
+                                <p:cTn id="13" presetID="8" presetClass="entr" presetSubtype="16" fill="hold" nodeType="withEffect">
+                                  <p:stCondLst>
+                                    <p:cond delay="0"/>
+                                  </p:stCondLst>
+                                  <p:childTnLst>
+                                    <p:set>
+                                      <p:cBhvr>
+                                        <p:cTn id="14" dur="1" fill="hold">
+                                          <p:stCondLst>
+                                            <p:cond delay="0"/>
+                                          </p:stCondLst>
+                                        </p:cTn>
+                                        <p:tgtEl>
+                                          <p:spTgt spid="8"/>
+                                        </p:tgtEl>
+                                        <p:attrNameLst>
+                                          <p:attrName>style.visibility</p:attrName>
+                                        </p:attrNameLst>
+                                      </p:cBhvr>
+                                      <p:to>
+                                        <p:strVal val="visible"/>
+                                      </p:to>
+                                    </p:set>
+                                    <p:animEffect transition="in" filter="diamond(in)">
+                                      <p:cBhvr>
+                                        <p:cTn id="15" dur="500"/>
+                                        <p:tgtEl>
+                                          <p:spTgt spid="8"/>
+                                        </p:tgtEl>
+                                      </p:cBhvr>
+                                    </p:animEffect>
+                                  </p:childTnLst>
+                                </p:cTn>
+                              </p:par>
+                              <p:par>
+                                <p:cTn id="16" presetID="8" presetClass="entr" presetSubtype="16" fill="hold" nodeType="withEffect">
+                                  <p:stCondLst>
+                                    <p:cond delay="0"/>
+                                  </p:stCondLst>
+                                  <p:childTnLst>
+                                    <p:set>
+                                      <p:cBhvr>
+                                        <p:cTn id="17" dur="1" fill="hold">
+                                          <p:stCondLst>
+                                            <p:cond delay="0"/>
+                                          </p:stCondLst>
+                                        </p:cTn>
+                                        <p:tgtEl>
+                                          <p:spTgt spid="9"/>
+                                        </p:tgtEl>
+                                        <p:attrNameLst>
+                                          <p:attrName>style.visibility</p:attrName>
+                                        </p:attrNameLst>
+                                      </p:cBhvr>
+                                      <p:to>
+                                        <p:strVal val="visible"/>
+                                      </p:to>
+                                    </p:set>
+                                    <p:animEffect transition="in" filter="diamond(in)">
+                                      <p:cBhvr>
+                                        <p:cTn id="18" dur="500"/>
+                                        <p:tgtEl>
+                                          <p:spTgt spid="9"/>
+                                        </p:tgtEl>
+                                      </p:cBhvr>
+                                    </p:animEffect>
+                                  </p:childTnLst>
+                                </p:cTn>
+                              </p:par>
+                              <p:par>
+                                <p:cTn id="19" presetID="8" presetClass="entr" presetSubtype="16" fill="hold" nodeType="withEffect">
+                                  <p:stCondLst>
+                                    <p:cond delay="0"/>
+                                  </p:stCondLst>
+                                  <p:childTnLst>
+                                    <p:set>
+                                      <p:cBhvr>
+                                        <p:cTn id="20" dur="1" fill="hold">
+                                          <p:stCondLst>
+                                            <p:cond delay="0"/>
+                                          </p:stCondLst>
+                                        </p:cTn>
+                                        <p:tgtEl>
+                                          <p:spTgt spid="10"/>
+                                        </p:tgtEl>
+                                        <p:attrNameLst>
+                                          <p:attrName>style.visibility</p:attrName>
+                                        </p:attrNameLst>
+                                      </p:cBhvr>
+                                      <p:to>
+                                        <p:strVal val="visible"/>
+                                      </p:to>
+                                    </p:set>
+                                    <p:animEffect transition="in" filter="diamond(in)">
+                                      <p:cBhvr>
+                                        <p:cTn id="21" dur="500"/>
+                                        <p:tgtEl>
+                                          <p:spTgt spid="10"/>
+                                        </p:tgtEl>
+                                      </p:cBhvr>
+                                    </p:animEffect>
+                                  </p:childTnLst>
+                                </p:cTn>
+                              </p:par>
+                              <p:par>
+                                <p:cTn id="22" presetID="8" presetClass="entr" presetSubtype="16" fill="hold" nodeType="withEffect">
+                                  <p:stCondLst>
+                                    <p:cond delay="0"/>
+                                  </p:stCondLst>
+                                  <p:childTnLst>
+                                    <p:set>
+                                      <p:cBhvr>
+                                        <p:cTn id="23" dur="1" fill="hold">
+                                          <p:stCondLst>
+                                            <p:cond delay="0"/>
+                                          </p:stCondLst>
+                                        </p:cTn>
+                                        <p:tgtEl>
+                                          <p:spTgt spid="11"/>
+                                        </p:tgtEl>
+                                        <p:attrNameLst>
+                                          <p:attrName>style.visibility</p:attrName>
+                                        </p:attrNameLst>
+                                      </p:cBhvr>
+                                      <p:to>
+                                        <p:strVal val="visible"/>
+                                      </p:to>
+                                    </p:set>
+                                    <p:animEffect transition="in" filter="diamond(in)">
+                                      <p:cBhvr>
+                                        <p:cTn id="24" dur="500"/>
+                                        <p:tgtEl>
+                                          <p:spTgt spid="11"/>
+                                        </p:tgtEl>
+                                      </p:cBhvr>
+                                    </p:animEffect>
+                                  </p:childTnLst>
+                                </p:cTn>
+                              </p:par>
+                              <p:par>
+                                <p:cTn id="25" presetID="8" presetClass="entr" presetSubtype="16" fill="hold" nodeType="withEffect">
+                                  <p:stCondLst>
+                                    <p:cond delay="0"/>
+                                  </p:stCondLst>
+                                  <p:childTnLst>
+                                    <p:set>
+                                      <p:cBhvr>
+                                        <p:cTn id="26" dur="1" fill="hold">
+                                          <p:stCondLst>
+                                            <p:cond delay="0"/>
+                                          </p:stCondLst>
+                                        </p:cTn>
+                                        <p:tgtEl>
+                                          <p:spTgt spid="12"/>
+                                        </p:tgtEl>
+                                        <p:attrNameLst>
+                                          <p:attrName>style.visibility</p:attrName>
+                                        </p:attrNameLst>
+                                      </p:cBhvr>
+                                      <p:to>
+                                        <p:strVal val="visible"/>
+                                      </p:to>
+                                    </p:set>
+                                    <p:animEffect transition="in" filter="diamond(in)">
+                                      <p:cBhvr>
+                                        <p:cTn id="27" dur="500"/>
+                                        <p:tgtEl>
+                                          <p:spTgt spid="12"/>
+                                        </p:tgtEl>
+                                      </p:cBhvr>
+                                    </p:animEffect>
+                                  </p:childTnLst>
+                                </p:cTn>
+                              </p:par>
+                              <p:par>
+                                <p:cTn id="28" presetID="8" presetClass="entr" presetSubtype="16" fill="hold" nodeType="withEffect">
+                                  <p:stCondLst>
+                                    <p:cond delay="0"/>
+                                  </p:stCondLst>
+                                  <p:childTnLst>
+                                    <p:set>
+                                      <p:cBhvr>
+                                        <p:cTn id="29" dur="1" fill="hold">
+                                          <p:stCondLst>
+                                            <p:cond delay="0"/>
+                                          </p:stCondLst>
+                                        </p:cTn>
+                                        <p:tgtEl>
+                                          <p:spTgt spid="14"/>
+                                        </p:tgtEl>
+                                        <p:attrNameLst>
+                                          <p:attrName>style.visibility</p:attrName>
+                                        </p:attrNameLst>
+                                      </p:cBhvr>
+                                      <p:to>
+                                        <p:strVal val="visible"/>
+                                      </p:to>
+                                    </p:set>
+                                    <p:animEffect transition="in" filter="diamond(in)">
+                                      <p:cBhvr>
+                                        <p:cTn id="30" dur="500"/>
+                                        <p:tgtEl>
+                                          <p:spTgt spid="14"/>
+                                        </p:tgtEl>
+                                      </p:cBhvr>
+                                    </p:animEffect>
+                                  </p:childTnLst>
+                                </p:cTn>
+                              </p:par>
+                              <p:par>
+                                <p:cTn id="31" presetID="8" presetClass="entr" presetSubtype="16" fill="hold" nodeType="withEffect">
+                                  <p:stCondLst>
+                                    <p:cond delay="0"/>
+                                  </p:stCondLst>
+                                  <p:childTnLst>
+                                    <p:set>
+                                      <p:cBhvr>
+                                        <p:cTn id="32" dur="1" fill="hold">
+                                          <p:stCondLst>
+                                            <p:cond delay="0"/>
+                                          </p:stCondLst>
+                                        </p:cTn>
+                                        <p:tgtEl>
+                                          <p:spTgt spid="15"/>
+                                        </p:tgtEl>
+                                        <p:attrNameLst>
+                                          <p:attrName>style.visibility</p:attrName>
+                                        </p:attrNameLst>
+                                      </p:cBhvr>
+                                      <p:to>
+                                        <p:strVal val="visible"/>
+                                      </p:to>
+                                    </p:set>
+                                    <p:animEffect transition="in" filter="diamond(in)">
+                                      <p:cBhvr>
+                                        <p:cTn id="33" dur="500"/>
+                                        <p:tgtEl>
+                                          <p:spTgt spid="15"/>
+                                        </p:tgtEl>
+                                      </p:cBhvr>
+                                    </p:animEffect>
+                                  </p:childTnLst>
+                                </p:cTn>
+                              </p:par>
+                            </p:childTnLst>
+                          </p:cTn>
+                        </p:par>
+                      </p:childTnLst>
+                    </p:cTn>
+                  </p:par>
+                </p:childTnLst>
+              </p:cTn>
+              <p:prevCondLst>
+                <p:cond evt="onPrev" delay="0">
+                  <p:tgtEl>
+                    <p:sldTgt/>
+                  </p:tgtEl>
+                </p:cond>
+              </p:prevCondLst>
+              <p:nextCondLst>
+                <p:cond evt="onNext" delay="0">
+                  <p:tgtEl>
+                    <p:sldTgt/>
+                  </p:tgtEl>
+                </p:cond>
+              </p:nextCondLst>
+            </p:seq>
+          </p:childTnLst>
+        </p:cTn>
+      </p:par>
+    </p:tnLst>
+    <p:bldLst>
+      <p:bldP spid="13" grpId="0"/>
+    </p:bldLst>
+  </p:timing>
+</p:sld>
+</file>
+
+<file path=ppt/slides/slide17.xml><?xml version="1.0" encoding="utf-8"?>
+<p:sld xmlns:a="http://schemas.openxmlformats.org/drawingml/2006/main" xmlns:r="http://schemas.openxmlformats.org/officeDocument/2006/relationships" xmlns:p="http://schemas.openxmlformats.org/presentationml/2006/main">
+  <p:cSld>
+    <p:bg>
+      <p:bgPr>
+        <a:blipFill rotWithShape="1">
+          <a:blip r:embed="rId1"/>
+          <a:stretch>
+            <a:fillRect/>
+          </a:stretch>
+        </a:blipFill>
+        <a:effectLst/>
+      </p:bgPr>
+    </p:bg>
+    <p:spTree>
+      <p:nvGrpSpPr>
+        <p:cNvPr id="1" name=""/>
+        <p:cNvGrpSpPr/>
+        <p:nvPr/>
+      </p:nvGrpSpPr>
+      <p:grpSpPr>
+        <a:xfrm>
+          <a:off x="0" y="0"/>
+          <a:ext cx="0" cy="0"/>
+          <a:chOff x="0" y="0"/>
+          <a:chExt cx="0" cy="0"/>
+        </a:xfrm>
+      </p:grpSpPr>
+      <p:sp>
+        <p:nvSpPr>
+          <p:cNvPr id="6" name="Text Box 5"/>
+          <p:cNvSpPr txBox="1"/>
+          <p:nvPr/>
+        </p:nvSpPr>
+        <p:spPr>
+          <a:xfrm>
+            <a:off x="1054735" y="372745"/>
+            <a:ext cx="7292340" cy="583565"/>
+          </a:xfrm>
+          <a:prstGeom prst="rect">
+            <a:avLst/>
+          </a:prstGeom>
+          <a:noFill/>
+        </p:spPr>
+        <p:txBody>
+          <a:bodyPr wrap="square" rtlCol="0">
+            <a:spAutoFit/>
+          </a:bodyPr>
+          <a:lstStyle/>
+          <a:p>
+            <a:r>
+              <a:rPr lang="en-US" altLang="en-GB" sz="3200" b="1">
+                <a:solidFill>
+                  <a:schemeClr val="bg1"/>
+                </a:solidFill>
+              </a:rPr>
+              <a:t>HOW: Obey traffic signs and signals</a:t>
+            </a:r>
+            <a:r>
+              <a:rPr lang="en-US" altLang="en-GB" sz="2000" b="1">
+                <a:solidFill>
+                  <a:schemeClr val="bg1"/>
+                </a:solidFill>
+              </a:rPr>
+              <a:t> </a:t>
+            </a:r>
+            <a:endParaRPr lang="en-US" altLang="en-GB" sz="2000" b="1">
+              <a:solidFill>
+                <a:schemeClr val="bg1"/>
+              </a:solidFill>
+            </a:endParaRPr>
+          </a:p>
+        </p:txBody>
+      </p:sp>
+      <p:sp>
+        <p:nvSpPr>
+          <p:cNvPr id="13" name="Text Box 12"/>
+          <p:cNvSpPr txBox="1"/>
+          <p:nvPr/>
+        </p:nvSpPr>
+        <p:spPr>
+          <a:xfrm>
+            <a:off x="0" y="1228725"/>
+            <a:ext cx="8241030" cy="2246769"/>
+          </a:xfrm>
+          <a:prstGeom prst="rect">
+            <a:avLst/>
+          </a:prstGeom>
+          <a:noFill/>
+        </p:spPr>
+        <p:txBody>
+          <a:bodyPr wrap="square" rtlCol="0">
+            <a:spAutoFit/>
+          </a:bodyPr>
+          <a:lstStyle/>
+          <a:p>
+            <a:pPr marL="914400" lvl="1" indent="-457200">
+              <a:buFont typeface="Arial" panose="020B0604020202020204" pitchFamily="34" charset="0"/>
+              <a:buChar char="•"/>
+            </a:pPr>
+            <a:r>
+              <a:rPr lang="en-US" altLang="en-GB" sz="2800" b="1" dirty="0" smtClean="0">
+                <a:sym typeface="+mn-ea"/>
+              </a:rPr>
+              <a:t>Additional signs</a:t>
+            </a:r>
+            <a:endParaRPr lang="en-US" altLang="en-GB" sz="2800" b="1" dirty="0">
+              <a:sym typeface="+mn-ea"/>
+            </a:endParaRPr>
+          </a:p>
+          <a:p>
+            <a:pPr marL="457200" lvl="2" indent="0">
+              <a:buFont typeface="Arial" panose="020B0604020202020204" pitchFamily="34" charset="0"/>
+              <a:buNone/>
+            </a:pPr>
+            <a:endParaRPr lang="en-US" altLang="en-GB" sz="2800" dirty="0"/>
+          </a:p>
+          <a:p>
+            <a:pPr lvl="2" indent="-457200">
+              <a:buFont typeface="Arial" panose="020B0604020202020204" pitchFamily="34" charset="0"/>
+              <a:buChar char="•"/>
+            </a:pPr>
+            <a:endParaRPr lang="en-US" altLang="en-GB" sz="2800" dirty="0"/>
+          </a:p>
+          <a:p>
+            <a:pPr marL="914400" lvl="1" indent="-457200">
+              <a:buFont typeface="Arial" panose="020B0604020202020204" pitchFamily="34" charset="0"/>
+              <a:buChar char="•"/>
+            </a:pPr>
+            <a:endParaRPr lang="en-US" altLang="en-GB" sz="2800" dirty="0"/>
+          </a:p>
+          <a:p>
+            <a:pPr marL="914400" lvl="1" indent="-457200">
+              <a:buFont typeface="Arial" panose="020B0604020202020204" pitchFamily="34" charset="0"/>
+              <a:buChar char="•"/>
+            </a:pPr>
+            <a:endParaRPr lang="en-US" altLang="en-GB" sz="2800" dirty="0"/>
+          </a:p>
+        </p:txBody>
+      </p:sp>
+      <p:pic>
+        <p:nvPicPr>
+          <p:cNvPr id="2" name="Picture 1" descr="bien-phu-508b"/>
+          <p:cNvPicPr>
+            <a:picLocks noChangeAspect="1"/>
+          </p:cNvPicPr>
+          <p:nvPr/>
+        </p:nvPicPr>
+        <p:blipFill>
+          <a:blip r:embed="rId2"/>
+          <a:stretch>
+            <a:fillRect/>
+          </a:stretch>
+        </p:blipFill>
+        <p:spPr>
+          <a:xfrm>
+            <a:off x="5077460" y="2685415"/>
+            <a:ext cx="2301240" cy="1488440"/>
+          </a:xfrm>
+          <a:prstGeom prst="rect">
+            <a:avLst/>
+          </a:prstGeom>
+        </p:spPr>
+      </p:pic>
+      <p:pic>
+        <p:nvPicPr>
+          <p:cNvPr id="3" name="Picture 2" descr="bien-phu-501"/>
+          <p:cNvPicPr>
+            <a:picLocks noChangeAspect="1"/>
+          </p:cNvPicPr>
+          <p:nvPr/>
+        </p:nvPicPr>
+        <p:blipFill>
+          <a:blip r:embed="rId3"/>
+          <a:stretch>
+            <a:fillRect/>
+          </a:stretch>
+        </p:blipFill>
+        <p:spPr>
+          <a:xfrm>
+            <a:off x="1313815" y="2843530"/>
+            <a:ext cx="2734310" cy="1171575"/>
           </a:xfrm>
           <a:prstGeom prst="rect">
             <a:avLst/>
@@ -5828,13 +7598,13 @@
 </p:sld>
 </file>
 
-<file path=ppt/slides/slide15.xml><?xml version="1.0" encoding="utf-8"?>
+<file path=ppt/slides/slide18.xml><?xml version="1.0" encoding="utf-8"?>
 <p:sld xmlns:a="http://schemas.openxmlformats.org/drawingml/2006/main" xmlns:r="http://schemas.openxmlformats.org/officeDocument/2006/relationships" xmlns:p="http://schemas.openxmlformats.org/presentationml/2006/main">
   <p:cSld>
     <p:bg>
       <p:bgPr>
         <a:blipFill rotWithShape="1">
-          <a:blip r:embed="rId3"/>
+          <a:blip r:embed="rId1"/>
           <a:stretch>
             <a:fillRect/>
           </a:stretch>
@@ -5879,21 +7649,26 @@
           <a:lstStyle/>
           <a:p>
             <a:r>
-              <a:rPr lang="en-US" altLang="en-GB" sz="3200" b="1">
+              <a:rPr lang="en-US" altLang="en-GB" sz="3200" b="1" dirty="0">
                 <a:solidFill>
                   <a:schemeClr val="bg1"/>
                 </a:solidFill>
               </a:rPr>
-              <a:t>HOW: Obey traffic signs and signals</a:t>
-            </a:r>
-            <a:r>
-              <a:rPr lang="en-US" altLang="en-GB" sz="2000" b="1">
+              <a:t>HOW: Driver factor </a:t>
+            </a:r>
+            <a:r>
+              <a:rPr lang="en-US" altLang="en-GB" sz="3200" b="1" dirty="0" smtClean="0">
                 <a:solidFill>
                   <a:schemeClr val="bg1"/>
                 </a:solidFill>
               </a:rPr>
-              <a:t> </a:t>
-            </a:r>
+              <a:t>– other things</a:t>
+            </a:r>
+            <a:endParaRPr lang="en-US" altLang="en-GB" sz="2000" b="1" dirty="0">
+              <a:solidFill>
+                <a:schemeClr val="bg1"/>
+              </a:solidFill>
+            </a:endParaRPr>
           </a:p>
         </p:txBody>
       </p:sp>
@@ -5906,7 +7681,7 @@
         <p:spPr>
           <a:xfrm>
             <a:off x="0" y="1228725"/>
-            <a:ext cx="8241030" cy="2677656"/>
+            <a:ext cx="8241030" cy="5692775"/>
           </a:xfrm>
           <a:prstGeom prst="rect">
             <a:avLst/>
@@ -5927,28 +7702,163 @@
               <a:rPr lang="en-US" altLang="en-GB" sz="2800" b="1" dirty="0" smtClean="0">
                 <a:sym typeface="+mn-ea"/>
               </a:rPr>
-              <a:t>Information signs: </a:t>
-            </a:r>
-            <a:r>
-              <a:rPr lang="en-US" altLang="en-GB" sz="2800" dirty="0">
+              <a:t>Wear </a:t>
+            </a:r>
+            <a:r>
+              <a:rPr lang="en-US" altLang="en-GB" sz="2800" b="1" dirty="0">
                 <a:sym typeface="+mn-ea"/>
               </a:rPr>
-              <a:t>are </a:t>
-            </a:r>
-            <a:r>
-              <a:rPr lang="en-US" altLang="en-GB" sz="2800" dirty="0" smtClean="0">
+              <a:t>a helmet/seat </a:t>
+            </a:r>
+            <a:r>
+              <a:rPr lang="en-US" altLang="en-GB" sz="2800" b="1" dirty="0" smtClean="0">
                 <a:sym typeface="+mn-ea"/>
               </a:rPr>
-              <a:t>blue rectangles.</a:t>
-            </a:r>
-            <a:endParaRPr lang="en-US" altLang="en-GB" sz="2800" dirty="0">
+              <a:t>belts.</a:t>
+            </a:r>
+            <a:endParaRPr lang="en-US" altLang="en-GB" sz="2800" b="1" dirty="0" smtClean="0">
               <a:sym typeface="+mn-ea"/>
             </a:endParaRPr>
           </a:p>
           <a:p>
-            <a:pPr marL="1371600" lvl="2" indent="-457200">
+            <a:pPr marL="914400" lvl="1" indent="-457200">
               <a:buFont typeface="Arial" panose="020B0604020202020204" pitchFamily="34" charset="0"/>
-              <a:buNone/>
+              <a:buChar char="•"/>
+            </a:pPr>
+            <a:r>
+              <a:rPr lang="en-US" altLang="en-GB" sz="2800" b="1" dirty="0" smtClean="0">
+                <a:sym typeface="+mn-ea"/>
+              </a:rPr>
+              <a:t>Don't drive if you're not feel good health.</a:t>
+            </a:r>
+            <a:endParaRPr lang="en-US" altLang="en-GB" sz="2800" b="1" dirty="0" smtClean="0">
+              <a:sym typeface="+mn-ea"/>
+            </a:endParaRPr>
+          </a:p>
+          <a:p>
+            <a:pPr marL="914400" lvl="1" indent="-457200">
+              <a:buFont typeface="Arial" panose="020B0604020202020204" pitchFamily="34" charset="0"/>
+              <a:buChar char="•"/>
+            </a:pPr>
+            <a:r>
+              <a:rPr lang="en-US" altLang="en-GB" sz="2800" b="1" dirty="0">
+                <a:sym typeface="+mn-ea"/>
+              </a:rPr>
+              <a:t>Don’t  drink beer, Alcohol and drugs impair.</a:t>
+            </a:r>
+            <a:endParaRPr lang="en-US" altLang="en-GB" sz="2800" b="1" dirty="0">
+              <a:sym typeface="+mn-ea"/>
+            </a:endParaRPr>
+          </a:p>
+          <a:p>
+            <a:pPr marL="914400" lvl="1" indent="-457200">
+              <a:buFont typeface="Arial" panose="020B0604020202020204" pitchFamily="34" charset="0"/>
+              <a:buChar char="•"/>
+            </a:pPr>
+            <a:r>
+              <a:rPr lang="en-US" altLang="en-GB" sz="2800" b="1" dirty="0">
+                <a:sym typeface="+mn-ea"/>
+              </a:rPr>
+              <a:t>Don’t </a:t>
+            </a:r>
+            <a:r>
+              <a:rPr lang="en-US" altLang="en-GB" sz="2800" b="1" dirty="0" smtClean="0">
+                <a:sym typeface="+mn-ea"/>
+              </a:rPr>
+              <a:t>overload.</a:t>
+            </a:r>
+            <a:endParaRPr lang="en-US" altLang="en-GB" sz="2800" b="1" dirty="0" smtClean="0">
+              <a:sym typeface="+mn-ea"/>
+            </a:endParaRPr>
+          </a:p>
+          <a:p>
+            <a:pPr marL="914400" lvl="1" indent="-457200">
+              <a:buFont typeface="Arial" panose="020B0604020202020204" pitchFamily="34" charset="0"/>
+              <a:buChar char="•"/>
+            </a:pPr>
+            <a:r>
+              <a:rPr lang="en-US" altLang="en-GB" sz="2800" b="1" dirty="0">
+                <a:sym typeface="+mn-ea"/>
+              </a:rPr>
+              <a:t>Make sure cargo is properly </a:t>
+            </a:r>
+            <a:r>
+              <a:rPr lang="en-US" altLang="en-GB" sz="2800" b="1" dirty="0" smtClean="0">
+                <a:sym typeface="+mn-ea"/>
+              </a:rPr>
+              <a:t>secured.</a:t>
+            </a:r>
+            <a:endParaRPr lang="en-US" altLang="en-GB" sz="2800" b="1" dirty="0" smtClean="0">
+              <a:sym typeface="+mn-ea"/>
+            </a:endParaRPr>
+          </a:p>
+          <a:p>
+            <a:pPr marL="914400" lvl="1" indent="-457200">
+              <a:buFont typeface="Arial" panose="020B0604020202020204" pitchFamily="34" charset="0"/>
+              <a:buChar char="•"/>
+            </a:pPr>
+            <a:r>
+              <a:rPr lang="en-US" altLang="en-GB" sz="2800" b="1" dirty="0">
+                <a:sym typeface="+mn-ea"/>
+              </a:rPr>
+              <a:t>Clear </a:t>
+            </a:r>
+            <a:r>
+              <a:rPr lang="en-US" altLang="en-GB" sz="2800" b="1" dirty="0" smtClean="0">
+                <a:sym typeface="+mn-ea"/>
+              </a:rPr>
+              <a:t>vision.</a:t>
+            </a:r>
+            <a:endParaRPr lang="en-US" altLang="en-GB" sz="2800" b="1" dirty="0" smtClean="0">
+              <a:sym typeface="+mn-ea"/>
+            </a:endParaRPr>
+          </a:p>
+          <a:p>
+            <a:pPr marL="914400" lvl="1" indent="-457200">
+              <a:buFont typeface="Arial" panose="020B0604020202020204" pitchFamily="34" charset="0"/>
+              <a:buChar char="•"/>
+            </a:pPr>
+            <a:r>
+              <a:rPr lang="en-US" altLang="en-GB" sz="2800" b="1" dirty="0">
+                <a:sym typeface="+mn-ea"/>
+              </a:rPr>
+              <a:t>Slow speed is </a:t>
+            </a:r>
+            <a:r>
+              <a:rPr lang="en-US" altLang="en-GB" sz="2800" b="1" dirty="0" err="1">
+                <a:sym typeface="+mn-ea"/>
+              </a:rPr>
+              <a:t>amost</a:t>
+            </a:r>
+            <a:r>
+              <a:rPr lang="en-US" altLang="en-GB" sz="2800" b="1" dirty="0">
+                <a:sym typeface="+mn-ea"/>
+              </a:rPr>
+              <a:t> better.</a:t>
+            </a:r>
+            <a:endParaRPr lang="en-US" altLang="en-GB" sz="2800" b="1" dirty="0">
+              <a:sym typeface="+mn-ea"/>
+            </a:endParaRPr>
+          </a:p>
+          <a:p>
+            <a:pPr marL="914400" lvl="1" indent="-457200">
+              <a:buFont typeface="Arial" panose="020B0604020202020204" pitchFamily="34" charset="0"/>
+              <a:buChar char="•"/>
+            </a:pPr>
+            <a:r>
+              <a:rPr lang="en-US" altLang="en-GB" sz="2800" b="1" dirty="0">
+                <a:sym typeface="+mn-ea"/>
+              </a:rPr>
+              <a:t>...</a:t>
+            </a:r>
+            <a:endParaRPr lang="en-US" altLang="en-GB" sz="2800" b="1" dirty="0" smtClean="0">
+              <a:sym typeface="+mn-ea"/>
+            </a:endParaRPr>
+          </a:p>
+          <a:p>
+            <a:pPr marL="914400" lvl="1" indent="-457200">
+              <a:buFont typeface="Arial" panose="020B0604020202020204" pitchFamily="34" charset="0"/>
+              <a:buChar char="•"/>
             </a:pPr>
             <a:endParaRPr lang="en-US" altLang="en-GB" sz="2800" b="1" dirty="0">
               <a:sym typeface="+mn-ea"/>
@@ -5984,42 +7894,7 @@
           </a:p>
         </p:txBody>
       </p:sp>
-      <p:pic>
-        <p:nvPicPr>
-          <p:cNvPr id="2" name="Picture 1"/>
-          <p:cNvPicPr>
-            <a:picLocks noChangeAspect="1"/>
-          </p:cNvPicPr>
-          <p:nvPr/>
-        </p:nvPicPr>
-        <p:blipFill>
-          <a:blip r:embed="rId4">
-            <a:extLst>
-              <a:ext uri="{28A0092B-C50C-407E-A947-70E740481C1C}">
-                <a14:useLocalDpi xmlns:a14="http://schemas.microsoft.com/office/drawing/2010/main" val="0"/>
-              </a:ext>
-            </a:extLst>
-          </a:blip>
-          <a:stretch>
-            <a:fillRect/>
-          </a:stretch>
-        </p:blipFill>
-        <p:spPr>
-          <a:xfrm>
-            <a:off x="517996" y="1839018"/>
-            <a:ext cx="7723033" cy="4704029"/>
-          </a:xfrm>
-          <a:prstGeom prst="rect">
-            <a:avLst/>
-          </a:prstGeom>
-        </p:spPr>
-      </p:pic>
     </p:spTree>
-    <p:extLst>
-      <p:ext uri="{BB962C8B-B14F-4D97-AF65-F5344CB8AC3E}">
-        <p14:creationId xmlns:p14="http://schemas.microsoft.com/office/powerpoint/2010/main" val="3912907017"/>
-      </p:ext>
-    </p:extLst>
   </p:cSld>
   <p:clrMapOvr>
     <a:masterClrMapping/>
@@ -6113,13 +7988,13 @@
 </p:sld>
 </file>
 
-<file path=ppt/slides/slide16.xml><?xml version="1.0" encoding="utf-8"?>
+<file path=ppt/slides/slide19.xml><?xml version="1.0" encoding="utf-8"?>
 <p:sld xmlns:a="http://schemas.openxmlformats.org/drawingml/2006/main" xmlns:r="http://schemas.openxmlformats.org/officeDocument/2006/relationships" xmlns:p="http://schemas.openxmlformats.org/presentationml/2006/main">
   <p:cSld>
     <p:bg>
       <p:bgPr>
         <a:blipFill rotWithShape="1">
-          <a:blip r:embed="rId3"/>
+          <a:blip r:embed="rId1"/>
           <a:stretch>
             <a:fillRect/>
           </a:stretch>
@@ -6164,21 +8039,18 @@
           <a:lstStyle/>
           <a:p>
             <a:r>
-              <a:rPr lang="en-US" altLang="en-GB" sz="3200" b="1">
+              <a:rPr lang="en-US" altLang="en-GB" sz="3200" b="1" dirty="0">
                 <a:solidFill>
                   <a:schemeClr val="bg1"/>
                 </a:solidFill>
               </a:rPr>
-              <a:t>HOW: Obey traffic signs and signals</a:t>
-            </a:r>
-            <a:r>
-              <a:rPr lang="en-US" altLang="en-GB" sz="2000" b="1">
-                <a:solidFill>
-                  <a:schemeClr val="bg1"/>
-                </a:solidFill>
-              </a:rPr>
-              <a:t> </a:t>
-            </a:r>
+              <a:t>HOW: Safe driving</a:t>
+            </a:r>
+            <a:endParaRPr lang="en-US" altLang="en-GB" sz="2000" b="1" dirty="0">
+              <a:solidFill>
+                <a:schemeClr val="bg1"/>
+              </a:solidFill>
+            </a:endParaRPr>
           </a:p>
         </p:txBody>
       </p:sp>
@@ -6190,8 +8062,8 @@
         </p:nvSpPr>
         <p:spPr>
           <a:xfrm>
-            <a:off x="0" y="1228725"/>
-            <a:ext cx="8241030" cy="2677656"/>
+            <a:off x="49530" y="2720340"/>
+            <a:ext cx="8241030" cy="3661410"/>
           </a:xfrm>
           <a:prstGeom prst="rect">
             <a:avLst/>
@@ -6204,38 +8076,25 @@
           </a:bodyPr>
           <a:lstStyle/>
           <a:p>
+            <a:pPr lvl="1" indent="0" algn="ctr">
+              <a:buNone/>
+            </a:pPr>
+            <a:r>
+              <a:rPr lang="en-US" altLang="en-GB" sz="6000" b="1" dirty="0" smtClean="0">
+                <a:sym typeface="+mn-ea"/>
+              </a:rPr>
+              <a:t>Q &amp; A</a:t>
+            </a:r>
+            <a:endParaRPr lang="en-US" altLang="en-GB" sz="6000" b="1" dirty="0" smtClean="0">
+              <a:sym typeface="+mn-ea"/>
+            </a:endParaRPr>
+          </a:p>
+          <a:p>
             <a:pPr marL="914400" lvl="1" indent="-457200">
               <a:buFont typeface="Arial" panose="020B0604020202020204" pitchFamily="34" charset="0"/>
               <a:buChar char="•"/>
             </a:pPr>
-            <a:r>
-              <a:rPr lang="en-US" altLang="en-GB" sz="2800" b="1" dirty="0" smtClean="0">
-                <a:sym typeface="+mn-ea"/>
-              </a:rPr>
-              <a:t>Mandatory signs: </a:t>
-            </a:r>
-            <a:r>
-              <a:rPr lang="en-US" altLang="en-GB" sz="2800" dirty="0" smtClean="0">
-                <a:sym typeface="+mn-ea"/>
-              </a:rPr>
-              <a:t>normally are blue circle</a:t>
-            </a:r>
-            <a:r>
-              <a:rPr lang="en-US" altLang="en-GB" sz="2800" dirty="0" smtClean="0">
-                <a:sym typeface="+mn-ea"/>
-              </a:rPr>
-              <a:t>.</a:t>
-            </a:r>
-            <a:endParaRPr lang="en-US" altLang="en-GB" sz="2800" dirty="0">
-              <a:sym typeface="+mn-ea"/>
-            </a:endParaRPr>
-          </a:p>
-          <a:p>
-            <a:pPr marL="1371600" lvl="2" indent="-457200">
-              <a:buFont typeface="Arial" panose="020B0604020202020204" pitchFamily="34" charset="0"/>
-              <a:buNone/>
-            </a:pPr>
-            <a:endParaRPr lang="en-US" altLang="en-GB" sz="2800" b="1" dirty="0">
+            <a:endParaRPr lang="en-US" altLang="en-GB" sz="6000" b="1" dirty="0" smtClean="0">
               <a:sym typeface="+mn-ea"/>
             </a:endParaRPr>
           </a:p>
@@ -6269,842 +8128,7 @@
           </a:p>
         </p:txBody>
       </p:sp>
-      <p:pic>
-        <p:nvPicPr>
-          <p:cNvPr id="7" name="Picture 6"/>
-          <p:cNvPicPr>
-            <a:picLocks noChangeAspect="1"/>
-          </p:cNvPicPr>
-          <p:nvPr/>
-        </p:nvPicPr>
-        <p:blipFill>
-          <a:blip r:embed="rId4">
-            <a:extLst>
-              <a:ext uri="{28A0092B-C50C-407E-A947-70E740481C1C}">
-                <a14:useLocalDpi xmlns:a14="http://schemas.microsoft.com/office/drawing/2010/main" val="0"/>
-              </a:ext>
-            </a:extLst>
-          </a:blip>
-          <a:stretch>
-            <a:fillRect/>
-          </a:stretch>
-        </p:blipFill>
-        <p:spPr>
-          <a:xfrm>
-            <a:off x="1006102" y="1959472"/>
-            <a:ext cx="1337341" cy="1337341"/>
-          </a:xfrm>
-          <a:prstGeom prst="rect">
-            <a:avLst/>
-          </a:prstGeom>
-        </p:spPr>
-      </p:pic>
-      <p:pic>
-        <p:nvPicPr>
-          <p:cNvPr id="8" name="Picture 7"/>
-          <p:cNvPicPr>
-            <a:picLocks noChangeAspect="1"/>
-          </p:cNvPicPr>
-          <p:nvPr/>
-        </p:nvPicPr>
-        <p:blipFill>
-          <a:blip r:embed="rId5">
-            <a:extLst>
-              <a:ext uri="{28A0092B-C50C-407E-A947-70E740481C1C}">
-                <a14:useLocalDpi xmlns:a14="http://schemas.microsoft.com/office/drawing/2010/main" val="0"/>
-              </a:ext>
-            </a:extLst>
-          </a:blip>
-          <a:stretch>
-            <a:fillRect/>
-          </a:stretch>
-        </p:blipFill>
-        <p:spPr>
-          <a:xfrm>
-            <a:off x="2888355" y="1959472"/>
-            <a:ext cx="1337341" cy="1337341"/>
-          </a:xfrm>
-          <a:prstGeom prst="rect">
-            <a:avLst/>
-          </a:prstGeom>
-        </p:spPr>
-      </p:pic>
-      <p:pic>
-        <p:nvPicPr>
-          <p:cNvPr id="9" name="Picture 8"/>
-          <p:cNvPicPr>
-            <a:picLocks noChangeAspect="1"/>
-          </p:cNvPicPr>
-          <p:nvPr/>
-        </p:nvPicPr>
-        <p:blipFill>
-          <a:blip r:embed="rId6">
-            <a:extLst>
-              <a:ext uri="{28A0092B-C50C-407E-A947-70E740481C1C}">
-                <a14:useLocalDpi xmlns:a14="http://schemas.microsoft.com/office/drawing/2010/main" val="0"/>
-              </a:ext>
-            </a:extLst>
-          </a:blip>
-          <a:stretch>
-            <a:fillRect/>
-          </a:stretch>
-        </p:blipFill>
-        <p:spPr>
-          <a:xfrm>
-            <a:off x="4863193" y="1959472"/>
-            <a:ext cx="1337341" cy="1337341"/>
-          </a:xfrm>
-          <a:prstGeom prst="rect">
-            <a:avLst/>
-          </a:prstGeom>
-        </p:spPr>
-      </p:pic>
-      <p:pic>
-        <p:nvPicPr>
-          <p:cNvPr id="10" name="Picture 9"/>
-          <p:cNvPicPr>
-            <a:picLocks noChangeAspect="1"/>
-          </p:cNvPicPr>
-          <p:nvPr/>
-        </p:nvPicPr>
-        <p:blipFill>
-          <a:blip r:embed="rId7">
-            <a:extLst>
-              <a:ext uri="{28A0092B-C50C-407E-A947-70E740481C1C}">
-                <a14:useLocalDpi xmlns:a14="http://schemas.microsoft.com/office/drawing/2010/main" val="0"/>
-              </a:ext>
-            </a:extLst>
-          </a:blip>
-          <a:stretch>
-            <a:fillRect/>
-          </a:stretch>
-        </p:blipFill>
-        <p:spPr>
-          <a:xfrm>
-            <a:off x="6814120" y="1959472"/>
-            <a:ext cx="1337341" cy="1337341"/>
-          </a:xfrm>
-          <a:prstGeom prst="rect">
-            <a:avLst/>
-          </a:prstGeom>
-        </p:spPr>
-      </p:pic>
-      <p:pic>
-        <p:nvPicPr>
-          <p:cNvPr id="11" name="Picture 10"/>
-          <p:cNvPicPr>
-            <a:picLocks noChangeAspect="1"/>
-          </p:cNvPicPr>
-          <p:nvPr/>
-        </p:nvPicPr>
-        <p:blipFill>
-          <a:blip r:embed="rId8">
-            <a:extLst>
-              <a:ext uri="{28A0092B-C50C-407E-A947-70E740481C1C}">
-                <a14:useLocalDpi xmlns:a14="http://schemas.microsoft.com/office/drawing/2010/main" val="0"/>
-              </a:ext>
-            </a:extLst>
-          </a:blip>
-          <a:stretch>
-            <a:fillRect/>
-          </a:stretch>
-        </p:blipFill>
-        <p:spPr>
-          <a:xfrm>
-            <a:off x="1006102" y="4178796"/>
-            <a:ext cx="1337341" cy="1337341"/>
-          </a:xfrm>
-          <a:prstGeom prst="rect">
-            <a:avLst/>
-          </a:prstGeom>
-        </p:spPr>
-      </p:pic>
-      <p:pic>
-        <p:nvPicPr>
-          <p:cNvPr id="12" name="Picture 11"/>
-          <p:cNvPicPr>
-            <a:picLocks noChangeAspect="1"/>
-          </p:cNvPicPr>
-          <p:nvPr/>
-        </p:nvPicPr>
-        <p:blipFill>
-          <a:blip r:embed="rId9">
-            <a:extLst>
-              <a:ext uri="{28A0092B-C50C-407E-A947-70E740481C1C}">
-                <a14:useLocalDpi xmlns:a14="http://schemas.microsoft.com/office/drawing/2010/main" val="0"/>
-              </a:ext>
-            </a:extLst>
-          </a:blip>
-          <a:stretch>
-            <a:fillRect/>
-          </a:stretch>
-        </p:blipFill>
-        <p:spPr>
-          <a:xfrm>
-            <a:off x="4863193" y="4156324"/>
-            <a:ext cx="1337341" cy="1337341"/>
-          </a:xfrm>
-          <a:prstGeom prst="rect">
-            <a:avLst/>
-          </a:prstGeom>
-        </p:spPr>
-      </p:pic>
-      <p:pic>
-        <p:nvPicPr>
-          <p:cNvPr id="14" name="Picture 13"/>
-          <p:cNvPicPr>
-            <a:picLocks noChangeAspect="1"/>
-          </p:cNvPicPr>
-          <p:nvPr/>
-        </p:nvPicPr>
-        <p:blipFill>
-          <a:blip r:embed="rId10">
-            <a:extLst>
-              <a:ext uri="{28A0092B-C50C-407E-A947-70E740481C1C}">
-                <a14:useLocalDpi xmlns:a14="http://schemas.microsoft.com/office/drawing/2010/main" val="0"/>
-              </a:ext>
-            </a:extLst>
-          </a:blip>
-          <a:stretch>
-            <a:fillRect/>
-          </a:stretch>
-        </p:blipFill>
-        <p:spPr>
-          <a:xfrm>
-            <a:off x="2902000" y="4156324"/>
-            <a:ext cx="1337341" cy="1337341"/>
-          </a:xfrm>
-          <a:prstGeom prst="rect">
-            <a:avLst/>
-          </a:prstGeom>
-        </p:spPr>
-      </p:pic>
-      <p:pic>
-        <p:nvPicPr>
-          <p:cNvPr id="15" name="Picture 14"/>
-          <p:cNvPicPr>
-            <a:picLocks noChangeAspect="1"/>
-          </p:cNvPicPr>
-          <p:nvPr/>
-        </p:nvPicPr>
-        <p:blipFill>
-          <a:blip r:embed="rId11">
-            <a:extLst>
-              <a:ext uri="{28A0092B-C50C-407E-A947-70E740481C1C}">
-                <a14:useLocalDpi xmlns:a14="http://schemas.microsoft.com/office/drawing/2010/main" val="0"/>
-              </a:ext>
-            </a:extLst>
-          </a:blip>
-          <a:stretch>
-            <a:fillRect/>
-          </a:stretch>
-        </p:blipFill>
-        <p:spPr>
-          <a:xfrm>
-            <a:off x="6923420" y="3893433"/>
-            <a:ext cx="1177498" cy="1674853"/>
-          </a:xfrm>
-          <a:prstGeom prst="rect">
-            <a:avLst/>
-          </a:prstGeom>
-        </p:spPr>
-      </p:pic>
     </p:spTree>
-    <p:extLst>
-      <p:ext uri="{BB962C8B-B14F-4D97-AF65-F5344CB8AC3E}">
-        <p14:creationId xmlns:p14="http://schemas.microsoft.com/office/powerpoint/2010/main" val="3006331266"/>
-      </p:ext>
-    </p:extLst>
-  </p:cSld>
-  <p:clrMapOvr>
-    <a:masterClrMapping/>
-  </p:clrMapOvr>
-  <p:timing>
-    <p:tnLst>
-      <p:par>
-        <p:cTn id="1" dur="indefinite" restart="never" nodeType="tmRoot">
-          <p:childTnLst>
-            <p:seq concurrent="1" nextAc="seek">
-              <p:cTn id="2" dur="indefinite" nodeType="mainSeq">
-                <p:childTnLst>
-                  <p:par>
-                    <p:cTn id="3" fill="hold">
-                      <p:stCondLst>
-                        <p:cond delay="indefinite"/>
-                      </p:stCondLst>
-                      <p:childTnLst>
-                        <p:par>
-                          <p:cTn id="4" fill="hold">
-                            <p:stCondLst>
-                              <p:cond delay="0"/>
-                            </p:stCondLst>
-                            <p:childTnLst>
-                              <p:par>
-                                <p:cTn id="5" presetID="5" presetClass="entr" presetSubtype="10" fill="hold" grpId="0" nodeType="clickEffect">
-                                  <p:stCondLst>
-                                    <p:cond delay="0"/>
-                                  </p:stCondLst>
-                                  <p:childTnLst>
-                                    <p:set>
-                                      <p:cBhvr>
-                                        <p:cTn id="6" dur="1" fill="hold">
-                                          <p:stCondLst>
-                                            <p:cond delay="0"/>
-                                          </p:stCondLst>
-                                        </p:cTn>
-                                        <p:tgtEl>
-                                          <p:spTgt spid="13"/>
-                                        </p:tgtEl>
-                                        <p:attrNameLst>
-                                          <p:attrName>style.visibility</p:attrName>
-                                        </p:attrNameLst>
-                                      </p:cBhvr>
-                                      <p:to>
-                                        <p:strVal val="visible"/>
-                                      </p:to>
-                                    </p:set>
-                                    <p:animEffect transition="in" filter="checkerboard(across)">
-                                      <p:cBhvr>
-                                        <p:cTn id="7" dur="500"/>
-                                        <p:tgtEl>
-                                          <p:spTgt spid="13"/>
-                                        </p:tgtEl>
-                                      </p:cBhvr>
-                                    </p:animEffect>
-                                  </p:childTnLst>
-                                </p:cTn>
-                              </p:par>
-                            </p:childTnLst>
-                          </p:cTn>
-                        </p:par>
-                      </p:childTnLst>
-                    </p:cTn>
-                  </p:par>
-                </p:childTnLst>
-              </p:cTn>
-              <p:prevCondLst>
-                <p:cond evt="onPrev" delay="0">
-                  <p:tgtEl>
-                    <p:sldTgt/>
-                  </p:tgtEl>
-                </p:cond>
-              </p:prevCondLst>
-              <p:nextCondLst>
-                <p:cond evt="onNext" delay="0">
-                  <p:tgtEl>
-                    <p:sldTgt/>
-                  </p:tgtEl>
-                </p:cond>
-              </p:nextCondLst>
-            </p:seq>
-          </p:childTnLst>
-        </p:cTn>
-      </p:par>
-    </p:tnLst>
-    <p:bldLst>
-      <p:bldP spid="13" grpId="0"/>
-    </p:bldLst>
-  </p:timing>
-</p:sld>
-</file>
-
-<file path=ppt/slides/slide17.xml><?xml version="1.0" encoding="utf-8"?>
-<p:sld xmlns:a="http://schemas.openxmlformats.org/drawingml/2006/main" xmlns:r="http://schemas.openxmlformats.org/officeDocument/2006/relationships" xmlns:p="http://schemas.openxmlformats.org/presentationml/2006/main">
-  <p:cSld>
-    <p:bg>
-      <p:bgPr>
-        <a:blipFill rotWithShape="1">
-          <a:blip r:embed="rId3"/>
-          <a:stretch>
-            <a:fillRect/>
-          </a:stretch>
-        </a:blipFill>
-        <a:effectLst/>
-      </p:bgPr>
-    </p:bg>
-    <p:spTree>
-      <p:nvGrpSpPr>
-        <p:cNvPr id="1" name=""/>
-        <p:cNvGrpSpPr/>
-        <p:nvPr/>
-      </p:nvGrpSpPr>
-      <p:grpSpPr>
-        <a:xfrm>
-          <a:off x="0" y="0"/>
-          <a:ext cx="0" cy="0"/>
-          <a:chOff x="0" y="0"/>
-          <a:chExt cx="0" cy="0"/>
-        </a:xfrm>
-      </p:grpSpPr>
-      <p:sp>
-        <p:nvSpPr>
-          <p:cNvPr id="6" name="Text Box 5"/>
-          <p:cNvSpPr txBox="1"/>
-          <p:nvPr/>
-        </p:nvSpPr>
-        <p:spPr>
-          <a:xfrm>
-            <a:off x="1054735" y="372745"/>
-            <a:ext cx="7292340" cy="583565"/>
-          </a:xfrm>
-          <a:prstGeom prst="rect">
-            <a:avLst/>
-          </a:prstGeom>
-          <a:noFill/>
-        </p:spPr>
-        <p:txBody>
-          <a:bodyPr wrap="square" rtlCol="0">
-            <a:spAutoFit/>
-          </a:bodyPr>
-          <a:lstStyle/>
-          <a:p>
-            <a:r>
-              <a:rPr lang="en-US" altLang="en-GB" sz="3200" b="1">
-                <a:solidFill>
-                  <a:schemeClr val="bg1"/>
-                </a:solidFill>
-              </a:rPr>
-              <a:t>HOW: Obey traffic signs and signals</a:t>
-            </a:r>
-            <a:r>
-              <a:rPr lang="en-US" altLang="en-GB" sz="2000" b="1">
-                <a:solidFill>
-                  <a:schemeClr val="bg1"/>
-                </a:solidFill>
-              </a:rPr>
-              <a:t> </a:t>
-            </a:r>
-          </a:p>
-        </p:txBody>
-      </p:sp>
-      <p:sp>
-        <p:nvSpPr>
-          <p:cNvPr id="13" name="Text Box 12"/>
-          <p:cNvSpPr txBox="1"/>
-          <p:nvPr/>
-        </p:nvSpPr>
-        <p:spPr>
-          <a:xfrm>
-            <a:off x="0" y="1228725"/>
-            <a:ext cx="8241030" cy="2246769"/>
-          </a:xfrm>
-          <a:prstGeom prst="rect">
-            <a:avLst/>
-          </a:prstGeom>
-          <a:noFill/>
-        </p:spPr>
-        <p:txBody>
-          <a:bodyPr wrap="square" rtlCol="0">
-            <a:spAutoFit/>
-          </a:bodyPr>
-          <a:lstStyle/>
-          <a:p>
-            <a:pPr marL="914400" lvl="1" indent="-457200">
-              <a:buFont typeface="Arial" panose="020B0604020202020204" pitchFamily="34" charset="0"/>
-              <a:buChar char="•"/>
-            </a:pPr>
-            <a:r>
-              <a:rPr lang="en-US" altLang="en-GB" sz="2800" b="1" dirty="0" smtClean="0">
-                <a:sym typeface="+mn-ea"/>
-              </a:rPr>
-              <a:t>Additional signs</a:t>
-            </a:r>
-            <a:endParaRPr lang="en-US" altLang="en-GB" sz="2800" b="1" dirty="0">
-              <a:sym typeface="+mn-ea"/>
-            </a:endParaRPr>
-          </a:p>
-          <a:p>
-            <a:pPr marL="457200" lvl="2" indent="0">
-              <a:buFont typeface="Arial" panose="020B0604020202020204" pitchFamily="34" charset="0"/>
-              <a:buNone/>
-            </a:pPr>
-            <a:endParaRPr lang="en-US" altLang="en-GB" sz="2800" dirty="0"/>
-          </a:p>
-          <a:p>
-            <a:pPr lvl="2" indent="-457200">
-              <a:buFont typeface="Arial" panose="020B0604020202020204" pitchFamily="34" charset="0"/>
-              <a:buChar char="•"/>
-            </a:pPr>
-            <a:endParaRPr lang="en-US" altLang="en-GB" sz="2800" dirty="0"/>
-          </a:p>
-          <a:p>
-            <a:pPr marL="914400" lvl="1" indent="-457200">
-              <a:buFont typeface="Arial" panose="020B0604020202020204" pitchFamily="34" charset="0"/>
-              <a:buChar char="•"/>
-            </a:pPr>
-            <a:endParaRPr lang="en-US" altLang="en-GB" sz="2800" dirty="0"/>
-          </a:p>
-          <a:p>
-            <a:pPr marL="914400" lvl="1" indent="-457200">
-              <a:buFont typeface="Arial" panose="020B0604020202020204" pitchFamily="34" charset="0"/>
-              <a:buChar char="•"/>
-            </a:pPr>
-            <a:endParaRPr lang="en-US" altLang="en-GB" sz="2800" dirty="0"/>
-          </a:p>
-        </p:txBody>
-      </p:sp>
-    </p:spTree>
-    <p:extLst>
-      <p:ext uri="{BB962C8B-B14F-4D97-AF65-F5344CB8AC3E}">
-        <p14:creationId xmlns:p14="http://schemas.microsoft.com/office/powerpoint/2010/main" val="215276378"/>
-      </p:ext>
-    </p:extLst>
-  </p:cSld>
-  <p:clrMapOvr>
-    <a:masterClrMapping/>
-  </p:clrMapOvr>
-  <p:timing>
-    <p:tnLst>
-      <p:par>
-        <p:cTn id="1" dur="indefinite" restart="never" nodeType="tmRoot">
-          <p:childTnLst>
-            <p:seq concurrent="1" nextAc="seek">
-              <p:cTn id="2" dur="indefinite" nodeType="mainSeq">
-                <p:childTnLst>
-                  <p:par>
-                    <p:cTn id="3" fill="hold">
-                      <p:stCondLst>
-                        <p:cond delay="indefinite"/>
-                      </p:stCondLst>
-                      <p:childTnLst>
-                        <p:par>
-                          <p:cTn id="4" fill="hold">
-                            <p:stCondLst>
-                              <p:cond delay="0"/>
-                            </p:stCondLst>
-                            <p:childTnLst>
-                              <p:par>
-                                <p:cTn id="5" presetID="5" presetClass="entr" presetSubtype="10" fill="hold" grpId="0" nodeType="clickEffect">
-                                  <p:stCondLst>
-                                    <p:cond delay="0"/>
-                                  </p:stCondLst>
-                                  <p:childTnLst>
-                                    <p:set>
-                                      <p:cBhvr>
-                                        <p:cTn id="6" dur="1" fill="hold">
-                                          <p:stCondLst>
-                                            <p:cond delay="0"/>
-                                          </p:stCondLst>
-                                        </p:cTn>
-                                        <p:tgtEl>
-                                          <p:spTgt spid="13"/>
-                                        </p:tgtEl>
-                                        <p:attrNameLst>
-                                          <p:attrName>style.visibility</p:attrName>
-                                        </p:attrNameLst>
-                                      </p:cBhvr>
-                                      <p:to>
-                                        <p:strVal val="visible"/>
-                                      </p:to>
-                                    </p:set>
-                                    <p:animEffect transition="in" filter="checkerboard(across)">
-                                      <p:cBhvr>
-                                        <p:cTn id="7" dur="500"/>
-                                        <p:tgtEl>
-                                          <p:spTgt spid="13"/>
-                                        </p:tgtEl>
-                                      </p:cBhvr>
-                                    </p:animEffect>
-                                  </p:childTnLst>
-                                </p:cTn>
-                              </p:par>
-                            </p:childTnLst>
-                          </p:cTn>
-                        </p:par>
-                      </p:childTnLst>
-                    </p:cTn>
-                  </p:par>
-                </p:childTnLst>
-              </p:cTn>
-              <p:prevCondLst>
-                <p:cond evt="onPrev" delay="0">
-                  <p:tgtEl>
-                    <p:sldTgt/>
-                  </p:tgtEl>
-                </p:cond>
-              </p:prevCondLst>
-              <p:nextCondLst>
-                <p:cond evt="onNext" delay="0">
-                  <p:tgtEl>
-                    <p:sldTgt/>
-                  </p:tgtEl>
-                </p:cond>
-              </p:nextCondLst>
-            </p:seq>
-          </p:childTnLst>
-        </p:cTn>
-      </p:par>
-    </p:tnLst>
-    <p:bldLst>
-      <p:bldP spid="13" grpId="0"/>
-    </p:bldLst>
-  </p:timing>
-</p:sld>
-</file>
-
-<file path=ppt/slides/slide18.xml><?xml version="1.0" encoding="utf-8"?>
-<p:sld xmlns:a="http://schemas.openxmlformats.org/drawingml/2006/main" xmlns:r="http://schemas.openxmlformats.org/officeDocument/2006/relationships" xmlns:p="http://schemas.openxmlformats.org/presentationml/2006/main">
-  <p:cSld>
-    <p:bg>
-      <p:bgPr>
-        <a:blipFill rotWithShape="1">
-          <a:blip r:embed="rId3"/>
-          <a:stretch>
-            <a:fillRect/>
-          </a:stretch>
-        </a:blipFill>
-        <a:effectLst/>
-      </p:bgPr>
-    </p:bg>
-    <p:spTree>
-      <p:nvGrpSpPr>
-        <p:cNvPr id="1" name=""/>
-        <p:cNvGrpSpPr/>
-        <p:nvPr/>
-      </p:nvGrpSpPr>
-      <p:grpSpPr>
-        <a:xfrm>
-          <a:off x="0" y="0"/>
-          <a:ext cx="0" cy="0"/>
-          <a:chOff x="0" y="0"/>
-          <a:chExt cx="0" cy="0"/>
-        </a:xfrm>
-      </p:grpSpPr>
-      <p:sp>
-        <p:nvSpPr>
-          <p:cNvPr id="6" name="Text Box 5"/>
-          <p:cNvSpPr txBox="1"/>
-          <p:nvPr/>
-        </p:nvSpPr>
-        <p:spPr>
-          <a:xfrm>
-            <a:off x="1054735" y="372745"/>
-            <a:ext cx="7292340" cy="583565"/>
-          </a:xfrm>
-          <a:prstGeom prst="rect">
-            <a:avLst/>
-          </a:prstGeom>
-          <a:noFill/>
-        </p:spPr>
-        <p:txBody>
-          <a:bodyPr wrap="square" rtlCol="0">
-            <a:spAutoFit/>
-          </a:bodyPr>
-          <a:lstStyle/>
-          <a:p>
-            <a:r>
-              <a:rPr lang="en-US" altLang="en-GB" sz="3200" b="1" dirty="0">
-                <a:solidFill>
-                  <a:schemeClr val="bg1"/>
-                </a:solidFill>
-              </a:rPr>
-              <a:t>HOW: Driver factor </a:t>
-            </a:r>
-            <a:r>
-              <a:rPr lang="en-US" altLang="en-GB" sz="3200" b="1" dirty="0" smtClean="0">
-                <a:solidFill>
-                  <a:schemeClr val="bg1"/>
-                </a:solidFill>
-              </a:rPr>
-              <a:t>– other things</a:t>
-            </a:r>
-            <a:endParaRPr lang="en-US" altLang="en-GB" sz="2000" b="1" dirty="0">
-              <a:solidFill>
-                <a:schemeClr val="bg1"/>
-              </a:solidFill>
-            </a:endParaRPr>
-          </a:p>
-        </p:txBody>
-      </p:sp>
-      <p:sp>
-        <p:nvSpPr>
-          <p:cNvPr id="13" name="Text Box 12"/>
-          <p:cNvSpPr txBox="1"/>
-          <p:nvPr/>
-        </p:nvSpPr>
-        <p:spPr>
-          <a:xfrm>
-            <a:off x="0" y="1228725"/>
-            <a:ext cx="8241030" cy="4832092"/>
-          </a:xfrm>
-          <a:prstGeom prst="rect">
-            <a:avLst/>
-          </a:prstGeom>
-          <a:noFill/>
-        </p:spPr>
-        <p:txBody>
-          <a:bodyPr wrap="square" rtlCol="0">
-            <a:spAutoFit/>
-          </a:bodyPr>
-          <a:lstStyle/>
-          <a:p>
-            <a:pPr marL="914400" lvl="1" indent="-457200">
-              <a:buFont typeface="Arial" panose="020B0604020202020204" pitchFamily="34" charset="0"/>
-              <a:buChar char="•"/>
-            </a:pPr>
-            <a:r>
-              <a:rPr lang="en-US" altLang="en-GB" sz="2800" b="1" dirty="0" smtClean="0">
-                <a:sym typeface="+mn-ea"/>
-              </a:rPr>
-              <a:t>Wear </a:t>
-            </a:r>
-            <a:r>
-              <a:rPr lang="en-US" altLang="en-GB" sz="2800" b="1" dirty="0">
-                <a:sym typeface="+mn-ea"/>
-              </a:rPr>
-              <a:t>a helmet/seat </a:t>
-            </a:r>
-            <a:r>
-              <a:rPr lang="en-US" altLang="en-GB" sz="2800" b="1" dirty="0" smtClean="0">
-                <a:sym typeface="+mn-ea"/>
-              </a:rPr>
-              <a:t>belts</a:t>
-            </a:r>
-          </a:p>
-          <a:p>
-            <a:pPr marL="914400" lvl="1" indent="-457200">
-              <a:buFont typeface="Arial" panose="020B0604020202020204" pitchFamily="34" charset="0"/>
-              <a:buChar char="•"/>
-            </a:pPr>
-            <a:r>
-              <a:rPr lang="en-US" altLang="en-GB" sz="2800" b="1" dirty="0">
-                <a:sym typeface="+mn-ea"/>
-              </a:rPr>
-              <a:t>Don’t Drink or Take Drugs and </a:t>
-            </a:r>
-            <a:r>
-              <a:rPr lang="en-US" altLang="en-GB" sz="2800" b="1" dirty="0" smtClean="0">
-                <a:sym typeface="+mn-ea"/>
-              </a:rPr>
-              <a:t>Drive</a:t>
-            </a:r>
-          </a:p>
-          <a:p>
-            <a:pPr marL="914400" lvl="1" indent="-457200">
-              <a:buFont typeface="Arial" panose="020B0604020202020204" pitchFamily="34" charset="0"/>
-              <a:buChar char="•"/>
-            </a:pPr>
-            <a:r>
-              <a:rPr lang="en-US" altLang="en-GB" sz="2800" b="1" dirty="0">
-                <a:sym typeface="+mn-ea"/>
-              </a:rPr>
-              <a:t>Don’t </a:t>
-            </a:r>
-            <a:r>
-              <a:rPr lang="en-US" altLang="en-GB" sz="2800" b="1" dirty="0" smtClean="0">
-                <a:sym typeface="+mn-ea"/>
-              </a:rPr>
-              <a:t>overload</a:t>
-            </a:r>
-          </a:p>
-          <a:p>
-            <a:pPr marL="914400" lvl="1" indent="-457200">
-              <a:buFont typeface="Arial" panose="020B0604020202020204" pitchFamily="34" charset="0"/>
-              <a:buChar char="•"/>
-            </a:pPr>
-            <a:r>
-              <a:rPr lang="en-US" altLang="en-GB" sz="2800" b="1" dirty="0">
-                <a:sym typeface="+mn-ea"/>
-              </a:rPr>
-              <a:t>Make sure cargo is properly </a:t>
-            </a:r>
-            <a:r>
-              <a:rPr lang="en-US" altLang="en-GB" sz="2800" b="1" dirty="0" smtClean="0">
-                <a:sym typeface="+mn-ea"/>
-              </a:rPr>
-              <a:t>secured</a:t>
-            </a:r>
-          </a:p>
-          <a:p>
-            <a:pPr marL="914400" lvl="1" indent="-457200">
-              <a:buFont typeface="Arial" panose="020B0604020202020204" pitchFamily="34" charset="0"/>
-              <a:buChar char="•"/>
-            </a:pPr>
-            <a:r>
-              <a:rPr lang="en-US" altLang="en-GB" sz="2800" b="1" dirty="0">
-                <a:sym typeface="+mn-ea"/>
-              </a:rPr>
-              <a:t>Clear </a:t>
-            </a:r>
-            <a:r>
-              <a:rPr lang="en-US" altLang="en-GB" sz="2800" b="1" dirty="0" smtClean="0">
-                <a:sym typeface="+mn-ea"/>
-              </a:rPr>
-              <a:t>vision</a:t>
-            </a:r>
-          </a:p>
-          <a:p>
-            <a:pPr marL="914400" lvl="1" indent="-457200">
-              <a:buFont typeface="Arial" panose="020B0604020202020204" pitchFamily="34" charset="0"/>
-              <a:buChar char="•"/>
-            </a:pPr>
-            <a:r>
-              <a:rPr lang="en-US" altLang="en-GB" sz="2800" b="1" dirty="0">
-                <a:sym typeface="+mn-ea"/>
-              </a:rPr>
-              <a:t>Slow speed is </a:t>
-            </a:r>
-            <a:r>
-              <a:rPr lang="en-US" altLang="en-GB" sz="2800" b="1" dirty="0" err="1">
-                <a:sym typeface="+mn-ea"/>
-              </a:rPr>
-              <a:t>amost</a:t>
-            </a:r>
-            <a:r>
-              <a:rPr lang="en-US" altLang="en-GB" sz="2800" b="1" dirty="0">
-                <a:sym typeface="+mn-ea"/>
-              </a:rPr>
-              <a:t> better</a:t>
-            </a:r>
-            <a:endParaRPr lang="en-US" altLang="en-GB" sz="2800" b="1" dirty="0" smtClean="0">
-              <a:sym typeface="+mn-ea"/>
-            </a:endParaRPr>
-          </a:p>
-          <a:p>
-            <a:pPr marL="914400" lvl="1" indent="-457200">
-              <a:buFont typeface="Arial" panose="020B0604020202020204" pitchFamily="34" charset="0"/>
-              <a:buChar char="•"/>
-            </a:pPr>
-            <a:endParaRPr lang="en-US" altLang="en-GB" sz="2800" b="1" dirty="0">
-              <a:sym typeface="+mn-ea"/>
-            </a:endParaRPr>
-          </a:p>
-          <a:p>
-            <a:pPr marL="457200" lvl="2" indent="0">
-              <a:buFont typeface="Arial" panose="020B0604020202020204" pitchFamily="34" charset="0"/>
-              <a:buNone/>
-            </a:pPr>
-            <a:endParaRPr lang="en-US" altLang="en-GB" sz="2800" dirty="0"/>
-          </a:p>
-          <a:p>
-            <a:pPr lvl="2" indent="-457200">
-              <a:buFont typeface="Arial" panose="020B0604020202020204" pitchFamily="34" charset="0"/>
-              <a:buChar char="•"/>
-            </a:pPr>
-            <a:endParaRPr lang="en-US" altLang="en-GB" sz="2800" dirty="0"/>
-          </a:p>
-          <a:p>
-            <a:pPr marL="914400" lvl="1" indent="-457200">
-              <a:buFont typeface="Arial" panose="020B0604020202020204" pitchFamily="34" charset="0"/>
-              <a:buChar char="•"/>
-            </a:pPr>
-            <a:endParaRPr lang="en-US" altLang="en-GB" sz="2800" dirty="0"/>
-          </a:p>
-          <a:p>
-            <a:pPr marL="914400" lvl="1" indent="-457200">
-              <a:buFont typeface="Arial" panose="020B0604020202020204" pitchFamily="34" charset="0"/>
-              <a:buChar char="•"/>
-            </a:pPr>
-            <a:endParaRPr lang="en-US" altLang="en-GB" sz="2800" dirty="0"/>
-          </a:p>
-        </p:txBody>
-      </p:sp>
-    </p:spTree>
-    <p:extLst>
-      <p:ext uri="{BB962C8B-B14F-4D97-AF65-F5344CB8AC3E}">
-        <p14:creationId xmlns:p14="http://schemas.microsoft.com/office/powerpoint/2010/main" val="231082865"/>
-      </p:ext>
-    </p:extLst>
   </p:cSld>
   <p:clrMapOvr>
     <a:masterClrMapping/>
@@ -7204,7 +8228,7 @@
     <p:bg>
       <p:bgPr>
         <a:blipFill rotWithShape="1">
-          <a:blip r:embed="rId2"/>
+          <a:blip r:embed="rId1"/>
           <a:stretch>
             <a:fillRect/>
           </a:stretch>
@@ -7243,19 +8267,23 @@
           </a:xfrm>
         </p:spPr>
         <p:txBody>
-          <a:bodyPr/>
+          <a:bodyPr>
+            <a:normAutofit/>
+          </a:bodyPr>
           <a:lstStyle/>
           <a:p>
             <a:r>
               <a:rPr lang="en-US" altLang="en-GB"/>
               <a:t>Avoid the accidents</a:t>
             </a:r>
+            <a:endParaRPr lang="en-US" altLang="en-GB"/>
           </a:p>
           <a:p>
             <a:r>
               <a:rPr lang="en-US" altLang="en-GB"/>
-              <a:t>Avoid Liability Costs</a:t>
-            </a:r>
+              <a:t>Avoid lost Liability Costs</a:t>
+            </a:r>
+            <a:endParaRPr lang="en-US" altLang="en-GB"/>
           </a:p>
           <a:p>
             <a:endParaRPr lang="en-US" altLang="en-GB"/>
@@ -7292,6 +8320,11 @@
               </a:rPr>
               <a:t>WHY?</a:t>
             </a:r>
+            <a:endParaRPr lang="en-US" altLang="en-GB" sz="3200" b="1">
+              <a:solidFill>
+                <a:schemeClr val="bg1"/>
+              </a:solidFill>
+            </a:endParaRPr>
           </a:p>
         </p:txBody>
       </p:sp>
@@ -7464,7 +8497,7 @@
     <p:bg>
       <p:bgPr>
         <a:blipFill rotWithShape="1">
-          <a:blip r:embed="rId2"/>
+          <a:blip r:embed="rId1"/>
           <a:stretch>
             <a:fillRect/>
           </a:stretch>
@@ -7516,6 +8549,11 @@
               </a:rPr>
               <a:t>WHY: avoid the accidents</a:t>
             </a:r>
+            <a:endParaRPr lang="en-US" altLang="en-GB" sz="3200" b="1">
+              <a:solidFill>
+                <a:schemeClr val="bg1"/>
+              </a:solidFill>
+            </a:endParaRPr>
           </a:p>
         </p:txBody>
       </p:sp>
@@ -7603,7 +8641,7 @@
           <p:nvPr/>
         </p:nvPicPr>
         <p:blipFill>
-          <a:blip r:embed="rId3" cstate="email"/>
+          <a:blip r:embed="rId2" cstate="email"/>
           <a:stretch>
             <a:fillRect/>
           </a:stretch>
@@ -7627,7 +8665,7 @@
           <p:nvPr/>
         </p:nvPicPr>
         <p:blipFill>
-          <a:blip r:embed="rId4" cstate="email"/>
+          <a:blip r:embed="rId3" cstate="email"/>
           <a:stretch>
             <a:fillRect/>
           </a:stretch>
@@ -7651,7 +8689,7 @@
           <p:nvPr/>
         </p:nvPicPr>
         <p:blipFill>
-          <a:blip r:embed="rId5" cstate="email"/>
+          <a:blip r:embed="rId4" cstate="email"/>
           <a:stretch>
             <a:fillRect/>
           </a:stretch>
@@ -7780,6 +8818,7 @@
               <a:rPr lang="en-GB" altLang="en-US" sz="2800"/>
               <a:t>The Global Status Report released by WHO this year confirms that road traffic injuries are still a big global health and development problem.</a:t>
             </a:r>
+            <a:endParaRPr lang="en-GB" altLang="en-US" sz="2800"/>
           </a:p>
         </p:txBody>
       </p:sp>
@@ -8150,7 +9189,7 @@
     <p:bg>
       <p:bgPr>
         <a:blipFill rotWithShape="1">
-          <a:blip r:embed="rId2"/>
+          <a:blip r:embed="rId1"/>
           <a:stretch>
             <a:fillRect/>
           </a:stretch>
@@ -8202,6 +9241,11 @@
               </a:rPr>
               <a:t>WHY: avoid lost Liability Costs</a:t>
             </a:r>
+            <a:endParaRPr lang="en-US" altLang="en-GB" sz="3200" b="1">
+              <a:solidFill>
+                <a:schemeClr val="bg1"/>
+              </a:solidFill>
+            </a:endParaRPr>
           </a:p>
         </p:txBody>
       </p:sp>
@@ -8214,7 +9258,7 @@
         <p:spPr>
           <a:xfrm>
             <a:off x="252095" y="1296035"/>
-            <a:ext cx="8556625" cy="3969385"/>
+            <a:ext cx="8556625" cy="2676525"/>
           </a:xfrm>
           <a:prstGeom prst="rect">
             <a:avLst/>
@@ -8231,12 +9275,7 @@
               <a:rPr lang="en-US" altLang="en-GB" sz="2800"/>
               <a:t>If you don't drive safely, you may infringe the traffic rules.</a:t>
             </a:r>
-          </a:p>
-          <a:p>
-            <a:r>
-              <a:rPr lang="en-US" altLang="en-GB" sz="2800"/>
-              <a:t>Infringement offences include, for example, parking offences, toll offences, speeding and overloading offences, and some lower-level drink-driving offences.</a:t>
-            </a:r>
+            <a:endParaRPr lang="en-US" altLang="en-GB" sz="2800"/>
           </a:p>
           <a:p>
             <a:endParaRPr lang="en-US" altLang="en-GB" sz="2800"/>
@@ -8246,6 +9285,7 @@
               <a:rPr lang="en-US" altLang="en-GB" sz="2800"/>
               <a:t>Then you have to: </a:t>
             </a:r>
+            <a:endParaRPr lang="en-US" altLang="en-GB" sz="2800"/>
           </a:p>
           <a:p>
             <a:pPr marL="457200" indent="-457200">
@@ -8256,6 +9296,7 @@
               <a:rPr lang="en-US" altLang="en-GB" sz="2800"/>
               <a:t>Pay infringement fee.</a:t>
             </a:r>
+            <a:endParaRPr lang="en-US" altLang="en-GB" sz="2800"/>
           </a:p>
           <a:p>
             <a:pPr marL="457200" indent="-457200">
@@ -8266,12 +9307,14 @@
               <a:rPr lang="en-US" altLang="en-GB" sz="2800"/>
               <a:t>Your licence may be kept by the police temporarily.</a:t>
             </a:r>
+            <a:endParaRPr lang="en-US" altLang="en-GB" sz="2800"/>
           </a:p>
           <a:p>
             <a:r>
               <a:rPr lang="en-US" altLang="en-GB" sz="2800"/>
               <a:t> </a:t>
             </a:r>
+            <a:endParaRPr lang="en-US" altLang="en-GB" sz="2800"/>
           </a:p>
         </p:txBody>
       </p:sp>
@@ -8375,7 +9418,7 @@
     <p:bg>
       <p:bgPr>
         <a:blipFill rotWithShape="1">
-          <a:blip r:embed="rId2"/>
+          <a:blip r:embed="rId1"/>
           <a:stretch>
             <a:fillRect/>
           </a:stretch>
@@ -8427,6 +9470,11 @@
               </a:rPr>
               <a:t>HOW: Factors that help driving safely </a:t>
             </a:r>
+            <a:endParaRPr lang="en-US" altLang="en-GB" sz="3200" b="1">
+              <a:solidFill>
+                <a:schemeClr val="bg1"/>
+              </a:solidFill>
+            </a:endParaRPr>
           </a:p>
         </p:txBody>
       </p:sp>
@@ -8460,6 +9508,7 @@
               <a:rPr lang="en-US" altLang="en-GB" sz="2800"/>
               <a:t>Traffic vehicles preparing.</a:t>
             </a:r>
+            <a:endParaRPr lang="en-US" altLang="en-GB" sz="2800"/>
           </a:p>
           <a:p>
             <a:pPr marL="457200" indent="-457200">
@@ -8470,6 +9519,7 @@
               <a:rPr lang="en-US" altLang="en-GB" sz="2800"/>
               <a:t>Deal with weather &amp; road conditions.</a:t>
             </a:r>
+            <a:endParaRPr lang="en-US" altLang="en-GB" sz="2800"/>
           </a:p>
           <a:p>
             <a:pPr marL="457200" indent="-457200">
@@ -8480,6 +9530,7 @@
               <a:rPr lang="en-US" altLang="en-GB" sz="2800"/>
               <a:t>Drivers.</a:t>
             </a:r>
+            <a:endParaRPr lang="en-US" altLang="en-GB" sz="2800"/>
           </a:p>
         </p:txBody>
       </p:sp>
@@ -8583,7 +9634,7 @@
     <p:bg>
       <p:bgPr>
         <a:blipFill rotWithShape="1">
-          <a:blip r:embed="rId2"/>
+          <a:blip r:embed="rId1"/>
           <a:stretch>
             <a:fillRect/>
           </a:stretch>
@@ -8643,6 +9694,11 @@
               </a:rPr>
               <a:t>Vehicles preparing: vehicle inspection and maintenance </a:t>
             </a:r>
+            <a:endParaRPr lang="en-US" altLang="en-GB" b="1">
+              <a:solidFill>
+                <a:schemeClr val="bg1"/>
+              </a:solidFill>
+            </a:endParaRPr>
           </a:p>
         </p:txBody>
       </p:sp>
@@ -8655,7 +9711,7 @@
           <p:nvPr/>
         </p:nvPicPr>
         <p:blipFill>
-          <a:blip r:embed="rId3" cstate="email"/>
+          <a:blip r:embed="rId2" cstate="email"/>
           <a:stretch>
             <a:fillRect/>
           </a:stretch>
@@ -8750,6 +9806,11 @@
               </a:rPr>
               <a:t>Regular tune-ups and check: daily, weekly and periodically</a:t>
             </a:r>
+            <a:endParaRPr lang="en-US" dirty="0">
+              <a:latin typeface="Verdana" panose="020B0604030504040204" pitchFamily="34" charset="0"/>
+              <a:ea typeface="Verdana" panose="020B0604030504040204" pitchFamily="34" charset="0"/>
+              <a:cs typeface="Verdana" panose="020B0604030504040204" pitchFamily="34" charset="0"/>
+            </a:endParaRPr>
           </a:p>
           <a:p>
             <a:pPr algn="l"/>
@@ -8827,6 +9888,11 @@
               </a:rPr>
               <a:t>Windows clean, wipers, nothing blocking vision</a:t>
             </a:r>
+            <a:endParaRPr lang="en-US" b="1" dirty="0">
+              <a:latin typeface="Verdana" panose="020B0604030504040204" pitchFamily="34" charset="0"/>
+              <a:ea typeface="Verdana" panose="020B0604030504040204" pitchFamily="34" charset="0"/>
+              <a:cs typeface="Verdana" panose="020B0604030504040204" pitchFamily="34" charset="0"/>
+            </a:endParaRPr>
           </a:p>
         </p:txBody>
       </p:sp>
@@ -8861,6 +9927,11 @@
               </a:rPr>
               <a:t>rearview, mirrors properly adjusted</a:t>
             </a:r>
+            <a:endParaRPr lang="en-US" b="1" dirty="0">
+              <a:latin typeface="Verdana" panose="020B0604030504040204" pitchFamily="34" charset="0"/>
+              <a:ea typeface="Verdana" panose="020B0604030504040204" pitchFamily="34" charset="0"/>
+              <a:cs typeface="Verdana" panose="020B0604030504040204" pitchFamily="34" charset="0"/>
+            </a:endParaRPr>
           </a:p>
         </p:txBody>
       </p:sp>
@@ -9082,6 +10153,11 @@
               </a:rPr>
               <a:t>check inside: engine, brake, ...</a:t>
             </a:r>
+            <a:endParaRPr lang="en-US" b="1" dirty="0">
+              <a:latin typeface="Verdana" panose="020B0604030504040204" pitchFamily="34" charset="0"/>
+              <a:ea typeface="Verdana" panose="020B0604030504040204" pitchFamily="34" charset="0"/>
+              <a:cs typeface="Verdana" panose="020B0604030504040204" pitchFamily="34" charset="0"/>
+            </a:endParaRPr>
           </a:p>
         </p:txBody>
       </p:sp>
@@ -9116,6 +10192,11 @@
               </a:rPr>
               <a:t>Walk around inspection</a:t>
             </a:r>
+            <a:endParaRPr lang="en-US" b="1" dirty="0">
+              <a:latin typeface="Verdana" panose="020B0604030504040204" pitchFamily="34" charset="0"/>
+              <a:ea typeface="Verdana" panose="020B0604030504040204" pitchFamily="34" charset="0"/>
+              <a:cs typeface="Verdana" panose="020B0604030504040204" pitchFamily="34" charset="0"/>
+            </a:endParaRPr>
           </a:p>
           <a:p>
             <a:pPr algn="ctr"/>
@@ -9284,7 +10365,7 @@
     <p:bg>
       <p:bgPr>
         <a:blipFill rotWithShape="1">
-          <a:blip r:embed="rId2"/>
+          <a:blip r:embed="rId1"/>
           <a:stretch>
             <a:fillRect/>
           </a:stretch>
@@ -9353,6 +10434,11 @@
               </a:rPr>
               <a:t> </a:t>
             </a:r>
+            <a:endParaRPr lang="en-US" altLang="en-GB" sz="2000" b="1">
+              <a:solidFill>
+                <a:schemeClr val="bg1"/>
+              </a:solidFill>
+            </a:endParaRPr>
           </a:p>
         </p:txBody>
       </p:sp>
@@ -9365,7 +10451,7 @@
           <p:nvPr/>
         </p:nvPicPr>
         <p:blipFill>
-          <a:blip r:embed="rId3"/>
+          <a:blip r:embed="rId2"/>
           <a:stretch>
             <a:fillRect/>
           </a:stretch>
@@ -9401,7 +10487,7 @@
     <p:bg>
       <p:bgPr>
         <a:blipFill rotWithShape="1">
-          <a:blip r:embed="rId2"/>
+          <a:blip r:embed="rId1"/>
           <a:stretch>
             <a:fillRect/>
           </a:stretch>
@@ -9479,6 +10565,11 @@
               </a:rPr>
               <a:t> </a:t>
             </a:r>
+            <a:endParaRPr lang="en-US" altLang="en-GB" sz="2000" b="1">
+              <a:solidFill>
+                <a:schemeClr val="bg1"/>
+              </a:solidFill>
+            </a:endParaRPr>
           </a:p>
         </p:txBody>
       </p:sp>
@@ -9491,7 +10582,7 @@
           <p:nvPr/>
         </p:nvPicPr>
         <p:blipFill>
-          <a:blip r:embed="rId3"/>
+          <a:blip r:embed="rId2"/>
           <a:stretch>
             <a:fillRect/>
           </a:stretch>
@@ -9603,7 +10694,7 @@
     <p:bg>
       <p:bgPr>
         <a:blipFill rotWithShape="1">
-          <a:blip r:embed="rId2"/>
+          <a:blip r:embed="rId1"/>
           <a:stretch>
             <a:fillRect/>
           </a:stretch>
@@ -9672,6 +10763,11 @@
               </a:rPr>
               <a:t> </a:t>
             </a:r>
+            <a:endParaRPr lang="en-US" altLang="en-GB" sz="2000" b="1">
+              <a:solidFill>
+                <a:schemeClr val="bg1"/>
+              </a:solidFill>
+            </a:endParaRPr>
           </a:p>
         </p:txBody>
       </p:sp>
@@ -9705,6 +10801,7 @@
               <a:rPr lang="en-US" altLang="en-GB" sz="2800" b="1"/>
               <a:t>Read weather news before drive.</a:t>
             </a:r>
+            <a:endParaRPr lang="en-US" altLang="en-GB" sz="2800" b="1"/>
           </a:p>
           <a:p>
             <a:pPr marL="457200" indent="-457200">
@@ -9722,6 +10819,7 @@
               <a:rPr lang="en-US" altLang="en-GB" sz="2800" b="1"/>
               <a:t>Prepare Your vehicle for Bad Weather</a:t>
             </a:r>
+            <a:endParaRPr lang="en-US" altLang="en-GB" sz="2800" b="1"/>
           </a:p>
           <a:p>
             <a:pPr marL="457200" indent="-457200">
@@ -9739,6 +10837,7 @@
               <a:rPr lang="en-US" altLang="en-GB" sz="2800" b="1"/>
               <a:t>If You’re Driving on Snowy or Icy Roads:</a:t>
             </a:r>
+            <a:endParaRPr lang="en-US" altLang="en-GB" sz="2800" b="1"/>
           </a:p>
           <a:p>
             <a:pPr marL="914400" lvl="1" indent="-457200">
@@ -9749,6 +10848,7 @@
               <a:rPr lang="en-US" altLang="en-GB" sz="2800"/>
               <a:t>Slow down</a:t>
             </a:r>
+            <a:endParaRPr lang="en-US" altLang="en-GB" sz="2800"/>
           </a:p>
           <a:p>
             <a:pPr marL="914400" lvl="1" indent="-457200">
@@ -9759,6 +10859,7 @@
               <a:rPr lang="en-US" altLang="en-GB" sz="2800"/>
               <a:t>Keep a safe following distance</a:t>
             </a:r>
+            <a:endParaRPr lang="en-US" altLang="en-GB" sz="2800"/>
           </a:p>
           <a:p>
             <a:pPr marL="914400" lvl="1" indent="-457200">
@@ -9776,6 +10877,7 @@
               <a:rPr lang="en-US" altLang="en-GB" sz="2800" b="1"/>
               <a:t>If You’re Driving in Foggy Conditions:</a:t>
             </a:r>
+            <a:endParaRPr lang="en-US" altLang="en-GB" sz="2800" b="1"/>
           </a:p>
           <a:p>
             <a:pPr marL="914400" lvl="1" indent="-457200">
@@ -9786,6 +10888,7 @@
               <a:rPr lang="en-US" altLang="en-GB" sz="2800"/>
               <a:t>Turn on the fog lights</a:t>
             </a:r>
+            <a:endParaRPr lang="en-US" altLang="en-GB" sz="2800"/>
           </a:p>
           <a:p>
             <a:pPr marL="914400" lvl="1" indent="-457200">
@@ -9796,6 +10899,7 @@
               <a:rPr lang="en-US" altLang="en-GB" sz="2800"/>
               <a:t>Slow down</a:t>
             </a:r>
+            <a:endParaRPr lang="en-US" altLang="en-GB" sz="2800"/>
           </a:p>
           <a:p>
             <a:pPr lvl="0" indent="-457200">
@@ -10151,8 +11255,6 @@
       </a:bgFillStyleLst>
     </a:fmtScheme>
   </a:themeElements>
-  <a:objectDefaults/>
-  <a:extraClrSchemeLst/>
   <a:extLst>
     <a:ext uri="{05A4C25C-085E-4340-85A3-A5531E510DB2}">
       <thm15:themeFamily xmlns:thm15="http://schemas.microsoft.com/office/thememl/2012/main" name="Office Theme" id="{62F939B6-93AF-4DB8-9C6B-D6C7DFDC589F}" vid="{4A3C46E8-61CC-4603-A589-7422A47A8E4A}"/>
@@ -10412,8 +11514,6 @@
       </a:bgFillStyleLst>
     </a:fmtScheme>
   </a:themeElements>
-  <a:objectDefaults/>
-  <a:extraClrSchemeLst/>
   <a:extLst>
     <a:ext uri="{05A4C25C-085E-4340-85A3-A5531E510DB2}">
       <thm15:themeFamily xmlns:thm15="http://schemas.microsoft.com/office/thememl/2012/main" name="Office Theme" id="{62F939B6-93AF-4DB8-9C6B-D6C7DFDC589F}" vid="{4A3C46E8-61CC-4603-A589-7422A47A8E4A}"/>
